--- a/Presentation1.pptx
+++ b/Presentation1.pptx
@@ -4,6 +4,9 @@
   <p:sldMasterIdLst>
     <p:sldMasterId id="2147483648" r:id="rId1"/>
   </p:sldMasterIdLst>
+  <p:notesMasterIdLst>
+    <p:notesMasterId r:id="rId28"/>
+  </p:notesMasterIdLst>
   <p:sldIdLst>
     <p:sldId id="256" r:id="rId2"/>
     <p:sldId id="257" r:id="rId3"/>
@@ -23,6 +26,14 @@
     <p:sldId id="266" r:id="rId17"/>
     <p:sldId id="272" r:id="rId18"/>
     <p:sldId id="273" r:id="rId19"/>
+    <p:sldId id="274" r:id="rId20"/>
+    <p:sldId id="277" r:id="rId21"/>
+    <p:sldId id="275" r:id="rId22"/>
+    <p:sldId id="276" r:id="rId23"/>
+    <p:sldId id="278" r:id="rId24"/>
+    <p:sldId id="280" r:id="rId25"/>
+    <p:sldId id="281" r:id="rId26"/>
+    <p:sldId id="282" r:id="rId27"/>
   </p:sldIdLst>
   <p:sldSz cx="9144000" cy="6858000" type="screen4x3"/>
   <p:notesSz cx="6858000" cy="9144000"/>
@@ -124,6 +135,440 @@
 </p:presentation>
 </file>
 
+<file path=ppt/notesMasters/notesMaster1.xml><?xml version="1.0" encoding="utf-8"?>
+<p:notesMaster xmlns:a="http://schemas.openxmlformats.org/drawingml/2006/main" xmlns:r="http://schemas.openxmlformats.org/officeDocument/2006/relationships" xmlns:p="http://schemas.openxmlformats.org/presentationml/2006/main">
+  <p:cSld>
+    <p:bg>
+      <p:bgRef idx="1001">
+        <a:schemeClr val="bg1"/>
+      </p:bgRef>
+    </p:bg>
+    <p:spTree>
+      <p:nvGrpSpPr>
+        <p:cNvPr id="1" name=""/>
+        <p:cNvGrpSpPr/>
+        <p:nvPr/>
+      </p:nvGrpSpPr>
+      <p:grpSpPr>
+        <a:xfrm>
+          <a:off x="0" y="0"/>
+          <a:ext cx="0" cy="0"/>
+          <a:chOff x="0" y="0"/>
+          <a:chExt cx="0" cy="0"/>
+        </a:xfrm>
+      </p:grpSpPr>
+      <p:sp>
+        <p:nvSpPr>
+          <p:cNvPr id="2" name="Header Placeholder 1"/>
+          <p:cNvSpPr>
+            <a:spLocks noGrp="1"/>
+          </p:cNvSpPr>
+          <p:nvPr>
+            <p:ph type="hdr" sz="quarter"/>
+          </p:nvPr>
+        </p:nvSpPr>
+        <p:spPr>
+          <a:xfrm>
+            <a:off x="0" y="0"/>
+            <a:ext cx="2971800" cy="457200"/>
+          </a:xfrm>
+          <a:prstGeom prst="rect">
+            <a:avLst/>
+          </a:prstGeom>
+        </p:spPr>
+        <p:txBody>
+          <a:bodyPr vert="horz" lIns="91440" tIns="45720" rIns="91440" bIns="45720" rtlCol="0"/>
+          <a:lstStyle>
+            <a:lvl1pPr algn="l">
+              <a:defRPr sz="1200"/>
+            </a:lvl1pPr>
+          </a:lstStyle>
+          <a:p>
+            <a:endParaRPr lang="en-US"/>
+          </a:p>
+        </p:txBody>
+      </p:sp>
+      <p:sp>
+        <p:nvSpPr>
+          <p:cNvPr id="3" name="Date Placeholder 2"/>
+          <p:cNvSpPr>
+            <a:spLocks noGrp="1"/>
+          </p:cNvSpPr>
+          <p:nvPr>
+            <p:ph type="dt" idx="1"/>
+          </p:nvPr>
+        </p:nvSpPr>
+        <p:spPr>
+          <a:xfrm>
+            <a:off x="3884613" y="0"/>
+            <a:ext cx="2971800" cy="457200"/>
+          </a:xfrm>
+          <a:prstGeom prst="rect">
+            <a:avLst/>
+          </a:prstGeom>
+        </p:spPr>
+        <p:txBody>
+          <a:bodyPr vert="horz" lIns="91440" tIns="45720" rIns="91440" bIns="45720" rtlCol="0"/>
+          <a:lstStyle>
+            <a:lvl1pPr algn="r">
+              <a:defRPr sz="1200"/>
+            </a:lvl1pPr>
+          </a:lstStyle>
+          <a:p>
+            <a:fld id="{87764EC1-07A0-CE40-9915-4D23F0194C19}" type="datetimeFigureOut">
+              <a:rPr lang="en-US" smtClean="0"/>
+              <a:t>15/11/16</a:t>
+            </a:fld>
+            <a:endParaRPr lang="en-US"/>
+          </a:p>
+        </p:txBody>
+      </p:sp>
+      <p:sp>
+        <p:nvSpPr>
+          <p:cNvPr id="4" name="Slide Image Placeholder 3"/>
+          <p:cNvSpPr>
+            <a:spLocks noGrp="1" noRot="1" noChangeAspect="1"/>
+          </p:cNvSpPr>
+          <p:nvPr>
+            <p:ph type="sldImg" idx="2"/>
+          </p:nvPr>
+        </p:nvSpPr>
+        <p:spPr>
+          <a:xfrm>
+            <a:off x="1143000" y="685800"/>
+            <a:ext cx="4572000" cy="3429000"/>
+          </a:xfrm>
+          <a:prstGeom prst="rect">
+            <a:avLst/>
+          </a:prstGeom>
+          <a:noFill/>
+          <a:ln w="12700">
+            <a:solidFill>
+              <a:prstClr val="black"/>
+            </a:solidFill>
+          </a:ln>
+        </p:spPr>
+        <p:txBody>
+          <a:bodyPr vert="horz" lIns="91440" tIns="45720" rIns="91440" bIns="45720" rtlCol="0" anchor="ctr"/>
+          <a:lstStyle/>
+          <a:p>
+            <a:endParaRPr lang="en-US"/>
+          </a:p>
+        </p:txBody>
+      </p:sp>
+      <p:sp>
+        <p:nvSpPr>
+          <p:cNvPr id="5" name="Notes Placeholder 4"/>
+          <p:cNvSpPr>
+            <a:spLocks noGrp="1"/>
+          </p:cNvSpPr>
+          <p:nvPr>
+            <p:ph type="body" sz="quarter" idx="3"/>
+          </p:nvPr>
+        </p:nvSpPr>
+        <p:spPr>
+          <a:xfrm>
+            <a:off x="685800" y="4343400"/>
+            <a:ext cx="5486400" cy="4114800"/>
+          </a:xfrm>
+          <a:prstGeom prst="rect">
+            <a:avLst/>
+          </a:prstGeom>
+        </p:spPr>
+        <p:txBody>
+          <a:bodyPr vert="horz" lIns="91440" tIns="45720" rIns="91440" bIns="45720" rtlCol="0"/>
+          <a:lstStyle/>
+          <a:p>
+            <a:pPr lvl="0"/>
+            <a:r>
+              <a:rPr lang="nl-BE" smtClean="0"/>
+              <a:t>Click to edit Master text styles</a:t>
+            </a:r>
+          </a:p>
+          <a:p>
+            <a:pPr lvl="1"/>
+            <a:r>
+              <a:rPr lang="nl-BE" smtClean="0"/>
+              <a:t>Second level</a:t>
+            </a:r>
+          </a:p>
+          <a:p>
+            <a:pPr lvl="2"/>
+            <a:r>
+              <a:rPr lang="nl-BE" smtClean="0"/>
+              <a:t>Third level</a:t>
+            </a:r>
+          </a:p>
+          <a:p>
+            <a:pPr lvl="3"/>
+            <a:r>
+              <a:rPr lang="nl-BE" smtClean="0"/>
+              <a:t>Fourth level</a:t>
+            </a:r>
+          </a:p>
+          <a:p>
+            <a:pPr lvl="4"/>
+            <a:r>
+              <a:rPr lang="nl-BE" smtClean="0"/>
+              <a:t>Fifth level</a:t>
+            </a:r>
+            <a:endParaRPr lang="en-US"/>
+          </a:p>
+        </p:txBody>
+      </p:sp>
+      <p:sp>
+        <p:nvSpPr>
+          <p:cNvPr id="6" name="Footer Placeholder 5"/>
+          <p:cNvSpPr>
+            <a:spLocks noGrp="1"/>
+          </p:cNvSpPr>
+          <p:nvPr>
+            <p:ph type="ftr" sz="quarter" idx="4"/>
+          </p:nvPr>
+        </p:nvSpPr>
+        <p:spPr>
+          <a:xfrm>
+            <a:off x="0" y="8685213"/>
+            <a:ext cx="2971800" cy="457200"/>
+          </a:xfrm>
+          <a:prstGeom prst="rect">
+            <a:avLst/>
+          </a:prstGeom>
+        </p:spPr>
+        <p:txBody>
+          <a:bodyPr vert="horz" lIns="91440" tIns="45720" rIns="91440" bIns="45720" rtlCol="0" anchor="b"/>
+          <a:lstStyle>
+            <a:lvl1pPr algn="l">
+              <a:defRPr sz="1200"/>
+            </a:lvl1pPr>
+          </a:lstStyle>
+          <a:p>
+            <a:endParaRPr lang="en-US"/>
+          </a:p>
+        </p:txBody>
+      </p:sp>
+      <p:sp>
+        <p:nvSpPr>
+          <p:cNvPr id="7" name="Slide Number Placeholder 6"/>
+          <p:cNvSpPr>
+            <a:spLocks noGrp="1"/>
+          </p:cNvSpPr>
+          <p:nvPr>
+            <p:ph type="sldNum" sz="quarter" idx="5"/>
+          </p:nvPr>
+        </p:nvSpPr>
+        <p:spPr>
+          <a:xfrm>
+            <a:off x="3884613" y="8685213"/>
+            <a:ext cx="2971800" cy="457200"/>
+          </a:xfrm>
+          <a:prstGeom prst="rect">
+            <a:avLst/>
+          </a:prstGeom>
+        </p:spPr>
+        <p:txBody>
+          <a:bodyPr vert="horz" lIns="91440" tIns="45720" rIns="91440" bIns="45720" rtlCol="0" anchor="b"/>
+          <a:lstStyle>
+            <a:lvl1pPr algn="r">
+              <a:defRPr sz="1200"/>
+            </a:lvl1pPr>
+          </a:lstStyle>
+          <a:p>
+            <a:fld id="{2FBFBE59-5C95-8E46-B0AB-4EFD1C8D8EC3}" type="slidenum">
+              <a:rPr lang="en-US" smtClean="0"/>
+              <a:t>‹#›</a:t>
+            </a:fld>
+            <a:endParaRPr lang="en-US"/>
+          </a:p>
+        </p:txBody>
+      </p:sp>
+    </p:spTree>
+    <p:extLst>
+      <p:ext uri="{BB962C8B-B14F-4D97-AF65-F5344CB8AC3E}">
+        <p14:creationId xmlns:p14="http://schemas.microsoft.com/office/powerpoint/2010/main" val="1121998695"/>
+      </p:ext>
+    </p:extLst>
+  </p:cSld>
+  <p:clrMap bg1="lt1" tx1="dk1" bg2="lt2" tx2="dk2" accent1="accent1" accent2="accent2" accent3="accent3" accent4="accent4" accent5="accent5" accent6="accent6" hlink="hlink" folHlink="folHlink"/>
+  <p:notesStyle>
+    <a:lvl1pPr marL="0" algn="l" defTabSz="457200" rtl="0" eaLnBrk="1" latinLnBrk="0" hangingPunct="1">
+      <a:defRPr sz="1200" kern="1200">
+        <a:solidFill>
+          <a:schemeClr val="tx1"/>
+        </a:solidFill>
+        <a:latin typeface="+mn-lt"/>
+        <a:ea typeface="+mn-ea"/>
+        <a:cs typeface="+mn-cs"/>
+      </a:defRPr>
+    </a:lvl1pPr>
+    <a:lvl2pPr marL="457200" algn="l" defTabSz="457200" rtl="0" eaLnBrk="1" latinLnBrk="0" hangingPunct="1">
+      <a:defRPr sz="1200" kern="1200">
+        <a:solidFill>
+          <a:schemeClr val="tx1"/>
+        </a:solidFill>
+        <a:latin typeface="+mn-lt"/>
+        <a:ea typeface="+mn-ea"/>
+        <a:cs typeface="+mn-cs"/>
+      </a:defRPr>
+    </a:lvl2pPr>
+    <a:lvl3pPr marL="914400" algn="l" defTabSz="457200" rtl="0" eaLnBrk="1" latinLnBrk="0" hangingPunct="1">
+      <a:defRPr sz="1200" kern="1200">
+        <a:solidFill>
+          <a:schemeClr val="tx1"/>
+        </a:solidFill>
+        <a:latin typeface="+mn-lt"/>
+        <a:ea typeface="+mn-ea"/>
+        <a:cs typeface="+mn-cs"/>
+      </a:defRPr>
+    </a:lvl3pPr>
+    <a:lvl4pPr marL="1371600" algn="l" defTabSz="457200" rtl="0" eaLnBrk="1" latinLnBrk="0" hangingPunct="1">
+      <a:defRPr sz="1200" kern="1200">
+        <a:solidFill>
+          <a:schemeClr val="tx1"/>
+        </a:solidFill>
+        <a:latin typeface="+mn-lt"/>
+        <a:ea typeface="+mn-ea"/>
+        <a:cs typeface="+mn-cs"/>
+      </a:defRPr>
+    </a:lvl4pPr>
+    <a:lvl5pPr marL="1828800" algn="l" defTabSz="457200" rtl="0" eaLnBrk="1" latinLnBrk="0" hangingPunct="1">
+      <a:defRPr sz="1200" kern="1200">
+        <a:solidFill>
+          <a:schemeClr val="tx1"/>
+        </a:solidFill>
+        <a:latin typeface="+mn-lt"/>
+        <a:ea typeface="+mn-ea"/>
+        <a:cs typeface="+mn-cs"/>
+      </a:defRPr>
+    </a:lvl5pPr>
+    <a:lvl6pPr marL="2286000" algn="l" defTabSz="457200" rtl="0" eaLnBrk="1" latinLnBrk="0" hangingPunct="1">
+      <a:defRPr sz="1200" kern="1200">
+        <a:solidFill>
+          <a:schemeClr val="tx1"/>
+        </a:solidFill>
+        <a:latin typeface="+mn-lt"/>
+        <a:ea typeface="+mn-ea"/>
+        <a:cs typeface="+mn-cs"/>
+      </a:defRPr>
+    </a:lvl6pPr>
+    <a:lvl7pPr marL="2743200" algn="l" defTabSz="457200" rtl="0" eaLnBrk="1" latinLnBrk="0" hangingPunct="1">
+      <a:defRPr sz="1200" kern="1200">
+        <a:solidFill>
+          <a:schemeClr val="tx1"/>
+        </a:solidFill>
+        <a:latin typeface="+mn-lt"/>
+        <a:ea typeface="+mn-ea"/>
+        <a:cs typeface="+mn-cs"/>
+      </a:defRPr>
+    </a:lvl7pPr>
+    <a:lvl8pPr marL="3200400" algn="l" defTabSz="457200" rtl="0" eaLnBrk="1" latinLnBrk="0" hangingPunct="1">
+      <a:defRPr sz="1200" kern="1200">
+        <a:solidFill>
+          <a:schemeClr val="tx1"/>
+        </a:solidFill>
+        <a:latin typeface="+mn-lt"/>
+        <a:ea typeface="+mn-ea"/>
+        <a:cs typeface="+mn-cs"/>
+      </a:defRPr>
+    </a:lvl8pPr>
+    <a:lvl9pPr marL="3657600" algn="l" defTabSz="457200" rtl="0" eaLnBrk="1" latinLnBrk="0" hangingPunct="1">
+      <a:defRPr sz="1200" kern="1200">
+        <a:solidFill>
+          <a:schemeClr val="tx1"/>
+        </a:solidFill>
+        <a:latin typeface="+mn-lt"/>
+        <a:ea typeface="+mn-ea"/>
+        <a:cs typeface="+mn-cs"/>
+      </a:defRPr>
+    </a:lvl9pPr>
+  </p:notesStyle>
+</p:notesMaster>
+</file>
+
+<file path=ppt/notesSlides/notesSlide1.xml><?xml version="1.0" encoding="utf-8"?>
+<p:notes xmlns:a="http://schemas.openxmlformats.org/drawingml/2006/main" xmlns:r="http://schemas.openxmlformats.org/officeDocument/2006/relationships" xmlns:p="http://schemas.openxmlformats.org/presentationml/2006/main">
+  <p:cSld>
+    <p:spTree>
+      <p:nvGrpSpPr>
+        <p:cNvPr id="1" name=""/>
+        <p:cNvGrpSpPr/>
+        <p:nvPr/>
+      </p:nvGrpSpPr>
+      <p:grpSpPr>
+        <a:xfrm>
+          <a:off x="0" y="0"/>
+          <a:ext cx="0" cy="0"/>
+          <a:chOff x="0" y="0"/>
+          <a:chExt cx="0" cy="0"/>
+        </a:xfrm>
+      </p:grpSpPr>
+      <p:sp>
+        <p:nvSpPr>
+          <p:cNvPr id="2" name="Slide Image Placeholder 1"/>
+          <p:cNvSpPr>
+            <a:spLocks noGrp="1" noRot="1" noChangeAspect="1"/>
+          </p:cNvSpPr>
+          <p:nvPr>
+            <p:ph type="sldImg"/>
+          </p:nvPr>
+        </p:nvSpPr>
+        <p:spPr/>
+      </p:sp>
+      <p:sp>
+        <p:nvSpPr>
+          <p:cNvPr id="3" name="Notes Placeholder 2"/>
+          <p:cNvSpPr>
+            <a:spLocks noGrp="1"/>
+          </p:cNvSpPr>
+          <p:nvPr>
+            <p:ph type="body" idx="1"/>
+          </p:nvPr>
+        </p:nvSpPr>
+        <p:spPr/>
+        <p:txBody>
+          <a:bodyPr/>
+          <a:lstStyle/>
+          <a:p>
+            <a:endParaRPr lang="en-US" dirty="0"/>
+          </a:p>
+        </p:txBody>
+      </p:sp>
+      <p:sp>
+        <p:nvSpPr>
+          <p:cNvPr id="4" name="Slide Number Placeholder 3"/>
+          <p:cNvSpPr>
+            <a:spLocks noGrp="1"/>
+          </p:cNvSpPr>
+          <p:nvPr>
+            <p:ph type="sldNum" sz="quarter" idx="10"/>
+          </p:nvPr>
+        </p:nvSpPr>
+        <p:spPr/>
+        <p:txBody>
+          <a:bodyPr/>
+          <a:lstStyle/>
+          <a:p>
+            <a:fld id="{2FBFBE59-5C95-8E46-B0AB-4EFD1C8D8EC3}" type="slidenum">
+              <a:rPr lang="en-US" smtClean="0"/>
+              <a:t>20</a:t>
+            </a:fld>
+            <a:endParaRPr lang="en-US"/>
+          </a:p>
+        </p:txBody>
+      </p:sp>
+    </p:spTree>
+    <p:extLst>
+      <p:ext uri="{BB962C8B-B14F-4D97-AF65-F5344CB8AC3E}">
+        <p14:creationId xmlns:p14="http://schemas.microsoft.com/office/powerpoint/2010/main" val="398091671"/>
+      </p:ext>
+    </p:extLst>
+  </p:cSld>
+  <p:clrMapOvr>
+    <a:masterClrMapping/>
+  </p:clrMapOvr>
+</p:notes>
+</file>
+
 <file path=ppt/slideLayouts/slideLayout1.xml><?xml version="1.0" encoding="utf-8"?>
 <p:sldLayout xmlns:a="http://schemas.openxmlformats.org/drawingml/2006/main" xmlns:r="http://schemas.openxmlformats.org/officeDocument/2006/relationships" xmlns:p="http://schemas.openxmlformats.org/presentationml/2006/main" type="title" preserve="1">
   <p:cSld name="Title Slide">
@@ -305,7 +750,7 @@
           <a:p>
             <a:fld id="{1E117D9B-D405-764E-B1BF-DA8239726E8E}" type="datetimeFigureOut">
               <a:rPr lang="en-US" smtClean="0"/>
-              <a:t>13/11/16</a:t>
+              <a:t>15/11/16</a:t>
             </a:fld>
             <a:endParaRPr lang="en-US"/>
           </a:p>
@@ -475,7 +920,7 @@
           <a:p>
             <a:fld id="{1E117D9B-D405-764E-B1BF-DA8239726E8E}" type="datetimeFigureOut">
               <a:rPr lang="en-US" smtClean="0"/>
-              <a:t>13/11/16</a:t>
+              <a:t>15/11/16</a:t>
             </a:fld>
             <a:endParaRPr lang="en-US"/>
           </a:p>
@@ -655,7 +1100,7 @@
           <a:p>
             <a:fld id="{1E117D9B-D405-764E-B1BF-DA8239726E8E}" type="datetimeFigureOut">
               <a:rPr lang="en-US" smtClean="0"/>
-              <a:t>13/11/16</a:t>
+              <a:t>15/11/16</a:t>
             </a:fld>
             <a:endParaRPr lang="en-US"/>
           </a:p>
@@ -825,7 +1270,7 @@
           <a:p>
             <a:fld id="{1E117D9B-D405-764E-B1BF-DA8239726E8E}" type="datetimeFigureOut">
               <a:rPr lang="en-US" smtClean="0"/>
-              <a:t>13/11/16</a:t>
+              <a:t>15/11/16</a:t>
             </a:fld>
             <a:endParaRPr lang="en-US"/>
           </a:p>
@@ -1071,7 +1516,7 @@
           <a:p>
             <a:fld id="{1E117D9B-D405-764E-B1BF-DA8239726E8E}" type="datetimeFigureOut">
               <a:rPr lang="en-US" smtClean="0"/>
-              <a:t>13/11/16</a:t>
+              <a:t>15/11/16</a:t>
             </a:fld>
             <a:endParaRPr lang="en-US"/>
           </a:p>
@@ -1359,7 +1804,7 @@
           <a:p>
             <a:fld id="{1E117D9B-D405-764E-B1BF-DA8239726E8E}" type="datetimeFigureOut">
               <a:rPr lang="en-US" smtClean="0"/>
-              <a:t>13/11/16</a:t>
+              <a:t>15/11/16</a:t>
             </a:fld>
             <a:endParaRPr lang="en-US"/>
           </a:p>
@@ -1781,7 +2226,7 @@
           <a:p>
             <a:fld id="{1E117D9B-D405-764E-B1BF-DA8239726E8E}" type="datetimeFigureOut">
               <a:rPr lang="en-US" smtClean="0"/>
-              <a:t>13/11/16</a:t>
+              <a:t>15/11/16</a:t>
             </a:fld>
             <a:endParaRPr lang="en-US"/>
           </a:p>
@@ -1899,7 +2344,7 @@
           <a:p>
             <a:fld id="{1E117D9B-D405-764E-B1BF-DA8239726E8E}" type="datetimeFigureOut">
               <a:rPr lang="en-US" smtClean="0"/>
-              <a:t>13/11/16</a:t>
+              <a:t>15/11/16</a:t>
             </a:fld>
             <a:endParaRPr lang="en-US"/>
           </a:p>
@@ -1994,7 +2439,7 @@
           <a:p>
             <a:fld id="{1E117D9B-D405-764E-B1BF-DA8239726E8E}" type="datetimeFigureOut">
               <a:rPr lang="en-US" smtClean="0"/>
-              <a:t>13/11/16</a:t>
+              <a:t>15/11/16</a:t>
             </a:fld>
             <a:endParaRPr lang="en-US"/>
           </a:p>
@@ -2271,7 +2716,7 @@
           <a:p>
             <a:fld id="{1E117D9B-D405-764E-B1BF-DA8239726E8E}" type="datetimeFigureOut">
               <a:rPr lang="en-US" smtClean="0"/>
-              <a:t>13/11/16</a:t>
+              <a:t>15/11/16</a:t>
             </a:fld>
             <a:endParaRPr lang="en-US"/>
           </a:p>
@@ -2524,7 +2969,7 @@
           <a:p>
             <a:fld id="{1E117D9B-D405-764E-B1BF-DA8239726E8E}" type="datetimeFigureOut">
               <a:rPr lang="en-US" smtClean="0"/>
-              <a:t>13/11/16</a:t>
+              <a:t>15/11/16</a:t>
             </a:fld>
             <a:endParaRPr lang="en-US"/>
           </a:p>
@@ -2737,7 +3182,7 @@
           <a:p>
             <a:fld id="{1E117D9B-D405-764E-B1BF-DA8239726E8E}" type="datetimeFigureOut">
               <a:rPr lang="en-US" smtClean="0"/>
-              <a:t>13/11/16</a:t>
+              <a:t>15/11/16</a:t>
             </a:fld>
             <a:endParaRPr lang="en-US"/>
           </a:p>
@@ -3172,6 +3617,13 @@
   <p:clrMapOvr>
     <a:masterClrMapping/>
   </p:clrMapOvr>
+  <p:timing>
+    <p:tnLst>
+      <p:par>
+        <p:cTn xmlns:p14="http://schemas.microsoft.com/office/powerpoint/2010/main" id="1" dur="indefinite" restart="never" nodeType="tmRoot"/>
+      </p:par>
+    </p:tnLst>
+  </p:timing>
 </p:sld>
 </file>
 
@@ -3329,6 +3781,13 @@
   <p:clrMapOvr>
     <a:masterClrMapping/>
   </p:clrMapOvr>
+  <p:timing>
+    <p:tnLst>
+      <p:par>
+        <p:cTn xmlns:p14="http://schemas.microsoft.com/office/powerpoint/2010/main" id="1" dur="indefinite" restart="never" nodeType="tmRoot"/>
+      </p:par>
+    </p:tnLst>
+  </p:timing>
 </p:sld>
 </file>
 
@@ -3471,6 +3930,13 @@
   <p:clrMapOvr>
     <a:masterClrMapping/>
   </p:clrMapOvr>
+  <p:timing>
+    <p:tnLst>
+      <p:par>
+        <p:cTn xmlns:p14="http://schemas.microsoft.com/office/powerpoint/2010/main" id="1" dur="indefinite" restart="never" nodeType="tmRoot"/>
+      </p:par>
+    </p:tnLst>
+  </p:timing>
 </p:sld>
 </file>
 
@@ -4381,11 +4847,7 @@
             </a:r>
             <a:r>
               <a:rPr lang="en-US" dirty="0" err="1" smtClean="0"/>
-              <a:t>m</a:t>
-            </a:r>
-            <a:r>
-              <a:rPr lang="en-US" dirty="0" err="1" smtClean="0"/>
-              <a:t>ême</a:t>
+              <a:t>même</a:t>
             </a:r>
             <a:r>
               <a:rPr lang="en-US" dirty="0" smtClean="0"/>
@@ -4433,6 +4895,93 @@
   <p:clrMapOvr>
     <a:masterClrMapping/>
   </p:clrMapOvr>
+  <p:timing>
+    <p:tnLst>
+      <p:par>
+        <p:cTn xmlns:p14="http://schemas.microsoft.com/office/powerpoint/2010/main" id="1" dur="indefinite" restart="never" nodeType="tmRoot"/>
+      </p:par>
+    </p:tnLst>
+  </p:timing>
+</p:sld>
+</file>
+
+<file path=ppt/slides/slide19.xml><?xml version="1.0" encoding="utf-8"?>
+<p:sld xmlns:a="http://schemas.openxmlformats.org/drawingml/2006/main" xmlns:r="http://schemas.openxmlformats.org/officeDocument/2006/relationships" xmlns:p="http://schemas.openxmlformats.org/presentationml/2006/main">
+  <p:cSld>
+    <p:spTree>
+      <p:nvGrpSpPr>
+        <p:cNvPr id="1" name=""/>
+        <p:cNvGrpSpPr/>
+        <p:nvPr/>
+      </p:nvGrpSpPr>
+      <p:grpSpPr>
+        <a:xfrm>
+          <a:off x="0" y="0"/>
+          <a:ext cx="0" cy="0"/>
+          <a:chOff x="0" y="0"/>
+          <a:chExt cx="0" cy="0"/>
+        </a:xfrm>
+      </p:grpSpPr>
+      <p:sp>
+        <p:nvSpPr>
+          <p:cNvPr id="2" name="Title 1"/>
+          <p:cNvSpPr>
+            <a:spLocks noGrp="1"/>
+          </p:cNvSpPr>
+          <p:nvPr>
+            <p:ph type="title"/>
+          </p:nvPr>
+        </p:nvSpPr>
+        <p:spPr/>
+        <p:txBody>
+          <a:bodyPr/>
+          <a:lstStyle/>
+          <a:p>
+            <a:endParaRPr lang="en-US"/>
+          </a:p>
+        </p:txBody>
+      </p:sp>
+      <p:pic>
+        <p:nvPicPr>
+          <p:cNvPr id="7" name="Picture 6"/>
+          <p:cNvPicPr>
+            <a:picLocks noChangeAspect="1"/>
+          </p:cNvPicPr>
+          <p:nvPr/>
+        </p:nvPicPr>
+        <p:blipFill>
+          <a:blip r:embed="rId2"/>
+          <a:stretch>
+            <a:fillRect/>
+          </a:stretch>
+        </p:blipFill>
+        <p:spPr>
+          <a:xfrm>
+            <a:off x="0" y="1587500"/>
+            <a:ext cx="9144000" cy="3672714"/>
+          </a:xfrm>
+          <a:prstGeom prst="rect">
+            <a:avLst/>
+          </a:prstGeom>
+        </p:spPr>
+      </p:pic>
+    </p:spTree>
+    <p:extLst>
+      <p:ext uri="{BB962C8B-B14F-4D97-AF65-F5344CB8AC3E}">
+        <p14:creationId xmlns:p14="http://schemas.microsoft.com/office/powerpoint/2010/main" val="2164882352"/>
+      </p:ext>
+    </p:extLst>
+  </p:cSld>
+  <p:clrMapOvr>
+    <a:masterClrMapping/>
+  </p:clrMapOvr>
+  <p:timing>
+    <p:tnLst>
+      <p:par>
+        <p:cTn xmlns:p14="http://schemas.microsoft.com/office/powerpoint/2010/main" id="1" dur="indefinite" restart="never" nodeType="tmRoot"/>
+      </p:par>
+    </p:tnLst>
+  </p:timing>
 </p:sld>
 </file>
 
@@ -4505,6 +5054,4119 @@
   <p:clrMapOvr>
     <a:masterClrMapping/>
   </p:clrMapOvr>
+  <p:timing>
+    <p:tnLst>
+      <p:par>
+        <p:cTn xmlns:p14="http://schemas.microsoft.com/office/powerpoint/2010/main" id="1" dur="indefinite" restart="never" nodeType="tmRoot"/>
+      </p:par>
+    </p:tnLst>
+  </p:timing>
+</p:sld>
+</file>
+
+<file path=ppt/slides/slide20.xml><?xml version="1.0" encoding="utf-8"?>
+<p:sld xmlns:a="http://schemas.openxmlformats.org/drawingml/2006/main" xmlns:r="http://schemas.openxmlformats.org/officeDocument/2006/relationships" xmlns:p="http://schemas.openxmlformats.org/presentationml/2006/main">
+  <p:cSld>
+    <p:spTree>
+      <p:nvGrpSpPr>
+        <p:cNvPr id="1" name=""/>
+        <p:cNvGrpSpPr/>
+        <p:nvPr/>
+      </p:nvGrpSpPr>
+      <p:grpSpPr>
+        <a:xfrm>
+          <a:off x="0" y="0"/>
+          <a:ext cx="0" cy="0"/>
+          <a:chOff x="0" y="0"/>
+          <a:chExt cx="0" cy="0"/>
+        </a:xfrm>
+      </p:grpSpPr>
+      <p:sp>
+        <p:nvSpPr>
+          <p:cNvPr id="2" name="Title 1"/>
+          <p:cNvSpPr>
+            <a:spLocks noGrp="1"/>
+          </p:cNvSpPr>
+          <p:nvPr>
+            <p:ph type="title"/>
+          </p:nvPr>
+        </p:nvSpPr>
+        <p:spPr/>
+        <p:txBody>
+          <a:bodyPr/>
+          <a:lstStyle/>
+          <a:p>
+            <a:r>
+              <a:rPr lang="en-US" dirty="0" err="1" smtClean="0"/>
+              <a:t>Mesure</a:t>
+            </a:r>
+            <a:r>
+              <a:rPr lang="en-US" dirty="0" smtClean="0"/>
+              <a:t> du temps</a:t>
+            </a:r>
+            <a:endParaRPr lang="en-US" dirty="0"/>
+          </a:p>
+        </p:txBody>
+      </p:sp>
+      <p:cxnSp>
+        <p:nvCxnSpPr>
+          <p:cNvPr id="5" name="Straight Connector 4"/>
+          <p:cNvCxnSpPr/>
+          <p:nvPr/>
+        </p:nvCxnSpPr>
+        <p:spPr>
+          <a:xfrm>
+            <a:off x="3194467" y="2642501"/>
+            <a:ext cx="2399057" cy="12828"/>
+          </a:xfrm>
+          <a:prstGeom prst="line">
+            <a:avLst/>
+          </a:prstGeom>
+        </p:spPr>
+        <p:style>
+          <a:lnRef idx="2">
+            <a:schemeClr val="accent1"/>
+          </a:lnRef>
+          <a:fillRef idx="0">
+            <a:schemeClr val="accent1"/>
+          </a:fillRef>
+          <a:effectRef idx="1">
+            <a:schemeClr val="accent1"/>
+          </a:effectRef>
+          <a:fontRef idx="minor">
+            <a:schemeClr val="tx1"/>
+          </a:fontRef>
+        </p:style>
+      </p:cxnSp>
+      <p:cxnSp>
+        <p:nvCxnSpPr>
+          <p:cNvPr id="6" name="Straight Connector 5"/>
+          <p:cNvCxnSpPr/>
+          <p:nvPr/>
+        </p:nvCxnSpPr>
+        <p:spPr>
+          <a:xfrm>
+            <a:off x="3194467" y="4539467"/>
+            <a:ext cx="2399057" cy="12828"/>
+          </a:xfrm>
+          <a:prstGeom prst="line">
+            <a:avLst/>
+          </a:prstGeom>
+        </p:spPr>
+        <p:style>
+          <a:lnRef idx="2">
+            <a:schemeClr val="accent1"/>
+          </a:lnRef>
+          <a:fillRef idx="0">
+            <a:schemeClr val="accent1"/>
+          </a:fillRef>
+          <a:effectRef idx="1">
+            <a:schemeClr val="accent1"/>
+          </a:effectRef>
+          <a:fontRef idx="minor">
+            <a:schemeClr val="tx1"/>
+          </a:fontRef>
+        </p:style>
+      </p:cxnSp>
+      <p:sp>
+        <p:nvSpPr>
+          <p:cNvPr id="7" name="Oval 6"/>
+          <p:cNvSpPr/>
+          <p:nvPr/>
+        </p:nvSpPr>
+        <p:spPr>
+          <a:xfrm>
+            <a:off x="4220800" y="4270086"/>
+            <a:ext cx="269413" cy="269381"/>
+          </a:xfrm>
+          <a:prstGeom prst="ellipse">
+            <a:avLst/>
+          </a:prstGeom>
+        </p:spPr>
+        <p:style>
+          <a:lnRef idx="1">
+            <a:schemeClr val="accent1"/>
+          </a:lnRef>
+          <a:fillRef idx="3">
+            <a:schemeClr val="accent1"/>
+          </a:fillRef>
+          <a:effectRef idx="2">
+            <a:schemeClr val="accent1"/>
+          </a:effectRef>
+          <a:fontRef idx="minor">
+            <a:schemeClr val="lt1"/>
+          </a:fontRef>
+        </p:style>
+        <p:txBody>
+          <a:bodyPr rtlCol="0" anchor="ctr"/>
+          <a:lstStyle/>
+          <a:p>
+            <a:pPr algn="ctr"/>
+            <a:endParaRPr lang="en-US"/>
+          </a:p>
+        </p:txBody>
+      </p:sp>
+      <p:sp>
+        <p:nvSpPr>
+          <p:cNvPr id="8" name="Left Brace 7"/>
+          <p:cNvSpPr/>
+          <p:nvPr/>
+        </p:nvSpPr>
+        <p:spPr>
+          <a:xfrm>
+            <a:off x="2591496" y="2642501"/>
+            <a:ext cx="359217" cy="1884138"/>
+          </a:xfrm>
+          <a:prstGeom prst="leftBrace">
+            <a:avLst/>
+          </a:prstGeom>
+        </p:spPr>
+        <p:style>
+          <a:lnRef idx="2">
+            <a:schemeClr val="accent1"/>
+          </a:lnRef>
+          <a:fillRef idx="0">
+            <a:schemeClr val="accent1"/>
+          </a:fillRef>
+          <a:effectRef idx="1">
+            <a:schemeClr val="accent1"/>
+          </a:effectRef>
+          <a:fontRef idx="minor">
+            <a:schemeClr val="tx1"/>
+          </a:fontRef>
+        </p:style>
+        <p:txBody>
+          <a:bodyPr rtlCol="0" anchor="ctr"/>
+          <a:lstStyle/>
+          <a:p>
+            <a:pPr algn="ctr"/>
+            <a:endParaRPr lang="en-US"/>
+          </a:p>
+        </p:txBody>
+      </p:sp>
+      <p:sp>
+        <p:nvSpPr>
+          <p:cNvPr id="9" name="TextBox 8"/>
+          <p:cNvSpPr txBox="1"/>
+          <p:nvPr/>
+        </p:nvSpPr>
+        <p:spPr>
+          <a:xfrm>
+            <a:off x="1885890" y="3314621"/>
+            <a:ext cx="423363" cy="369332"/>
+          </a:xfrm>
+          <a:prstGeom prst="rect">
+            <a:avLst/>
+          </a:prstGeom>
+          <a:noFill/>
+        </p:spPr>
+        <p:txBody>
+          <a:bodyPr wrap="square" rtlCol="0">
+            <a:spAutoFit/>
+          </a:bodyPr>
+          <a:lstStyle/>
+          <a:p>
+            <a:r>
+              <a:rPr lang="en-US" dirty="0" smtClean="0"/>
+              <a:t>h</a:t>
+            </a:r>
+            <a:endParaRPr lang="en-US" dirty="0"/>
+          </a:p>
+        </p:txBody>
+      </p:sp>
+      <p:sp>
+        <p:nvSpPr>
+          <p:cNvPr id="10" name="TextBox 9"/>
+          <p:cNvSpPr txBox="1"/>
+          <p:nvPr/>
+        </p:nvSpPr>
+        <p:spPr>
+          <a:xfrm>
+            <a:off x="1333460" y="4157306"/>
+            <a:ext cx="1104860" cy="369332"/>
+          </a:xfrm>
+          <a:prstGeom prst="rect">
+            <a:avLst/>
+          </a:prstGeom>
+          <a:noFill/>
+        </p:spPr>
+        <p:txBody>
+          <a:bodyPr wrap="square" rtlCol="0">
+            <a:spAutoFit/>
+          </a:bodyPr>
+          <a:lstStyle/>
+          <a:p>
+            <a:r>
+              <a:rPr lang="en-US" dirty="0" smtClean="0"/>
+              <a:t>T=2h/c</a:t>
+            </a:r>
+            <a:endParaRPr lang="en-US" dirty="0"/>
+          </a:p>
+        </p:txBody>
+      </p:sp>
+    </p:spTree>
+    <p:extLst>
+      <p:ext uri="{BB962C8B-B14F-4D97-AF65-F5344CB8AC3E}">
+        <p14:creationId xmlns:p14="http://schemas.microsoft.com/office/powerpoint/2010/main" val="2660066683"/>
+      </p:ext>
+    </p:extLst>
+  </p:cSld>
+  <p:clrMapOvr>
+    <a:masterClrMapping/>
+  </p:clrMapOvr>
+  <p:timing>
+    <p:tnLst>
+      <p:par>
+        <p:cTn xmlns:p14="http://schemas.microsoft.com/office/powerpoint/2010/main" id="1" dur="indefinite" restart="never" nodeType="tmRoot">
+          <p:childTnLst>
+            <p:seq concurrent="1" nextAc="seek">
+              <p:cTn id="2" dur="indefinite" nodeType="mainSeq">
+                <p:childTnLst>
+                  <p:par>
+                    <p:cTn id="3" fill="hold">
+                      <p:stCondLst>
+                        <p:cond delay="indefinite"/>
+                      </p:stCondLst>
+                      <p:childTnLst>
+                        <p:par>
+                          <p:cTn id="4" fill="hold">
+                            <p:stCondLst>
+                              <p:cond delay="0"/>
+                            </p:stCondLst>
+                            <p:childTnLst>
+                              <p:par>
+                                <p:cTn id="5" presetID="0" presetClass="path" presetSubtype="0" repeatCount="10000" fill="hold" grpId="0" nodeType="clickEffect">
+                                  <p:stCondLst>
+                                    <p:cond delay="0"/>
+                                  </p:stCondLst>
+                                  <p:childTnLst>
+                                    <p:animMotion origin="layout" path="M -9.40646E-7 -6.03747E-6 L -9.40646E-7 -0.24313 L -9.40646E-7 -6.03747E-6 Z " pathEditMode="relative" ptsTypes="AAA">
+                                      <p:cBhvr>
+                                        <p:cTn id="6" dur="2000" fill="hold"/>
+                                        <p:tgtEl>
+                                          <p:spTgt spid="7"/>
+                                        </p:tgtEl>
+                                        <p:attrNameLst>
+                                          <p:attrName>ppt_x</p:attrName>
+                                          <p:attrName>ppt_y</p:attrName>
+                                        </p:attrNameLst>
+                                      </p:cBhvr>
+                                    </p:animMotion>
+                                  </p:childTnLst>
+                                </p:cTn>
+                              </p:par>
+                              <p:par>
+                                <p:cTn id="7" presetID="1" presetClass="entr" presetSubtype="0" fill="hold" grpId="0" nodeType="withEffect">
+                                  <p:stCondLst>
+                                    <p:cond delay="2000"/>
+                                  </p:stCondLst>
+                                  <p:childTnLst>
+                                    <p:set>
+                                      <p:cBhvr>
+                                        <p:cTn id="8" dur="1" fill="hold">
+                                          <p:stCondLst>
+                                            <p:cond delay="0"/>
+                                          </p:stCondLst>
+                                        </p:cTn>
+                                        <p:tgtEl>
+                                          <p:spTgt spid="9"/>
+                                        </p:tgtEl>
+                                        <p:attrNameLst>
+                                          <p:attrName>style.visibility</p:attrName>
+                                        </p:attrNameLst>
+                                      </p:cBhvr>
+                                      <p:to>
+                                        <p:strVal val="visible"/>
+                                      </p:to>
+                                    </p:set>
+                                  </p:childTnLst>
+                                </p:cTn>
+                              </p:par>
+                              <p:par>
+                                <p:cTn id="9" presetID="1" presetClass="entr" presetSubtype="0" fill="hold" grpId="0" nodeType="withEffect">
+                                  <p:stCondLst>
+                                    <p:cond delay="2000"/>
+                                  </p:stCondLst>
+                                  <p:childTnLst>
+                                    <p:set>
+                                      <p:cBhvr>
+                                        <p:cTn id="10" dur="1" fill="hold">
+                                          <p:stCondLst>
+                                            <p:cond delay="0"/>
+                                          </p:stCondLst>
+                                        </p:cTn>
+                                        <p:tgtEl>
+                                          <p:spTgt spid="8"/>
+                                        </p:tgtEl>
+                                        <p:attrNameLst>
+                                          <p:attrName>style.visibility</p:attrName>
+                                        </p:attrNameLst>
+                                      </p:cBhvr>
+                                      <p:to>
+                                        <p:strVal val="visible"/>
+                                      </p:to>
+                                    </p:set>
+                                  </p:childTnLst>
+                                </p:cTn>
+                              </p:par>
+                              <p:par>
+                                <p:cTn id="11" presetID="1" presetClass="entr" presetSubtype="0" fill="hold" grpId="0" nodeType="withEffect">
+                                  <p:stCondLst>
+                                    <p:cond delay="4000"/>
+                                  </p:stCondLst>
+                                  <p:childTnLst>
+                                    <p:set>
+                                      <p:cBhvr>
+                                        <p:cTn id="12" dur="1" fill="hold">
+                                          <p:stCondLst>
+                                            <p:cond delay="0"/>
+                                          </p:stCondLst>
+                                        </p:cTn>
+                                        <p:tgtEl>
+                                          <p:spTgt spid="10"/>
+                                        </p:tgtEl>
+                                        <p:attrNameLst>
+                                          <p:attrName>style.visibility</p:attrName>
+                                        </p:attrNameLst>
+                                      </p:cBhvr>
+                                      <p:to>
+                                        <p:strVal val="visible"/>
+                                      </p:to>
+                                    </p:set>
+                                  </p:childTnLst>
+                                </p:cTn>
+                              </p:par>
+                            </p:childTnLst>
+                          </p:cTn>
+                        </p:par>
+                      </p:childTnLst>
+                    </p:cTn>
+                  </p:par>
+                </p:childTnLst>
+              </p:cTn>
+              <p:prevCondLst>
+                <p:cond evt="onPrev" delay="0">
+                  <p:tgtEl>
+                    <p:sldTgt/>
+                  </p:tgtEl>
+                </p:cond>
+              </p:prevCondLst>
+              <p:nextCondLst>
+                <p:cond evt="onNext" delay="0">
+                  <p:tgtEl>
+                    <p:sldTgt/>
+                  </p:tgtEl>
+                </p:cond>
+              </p:nextCondLst>
+            </p:seq>
+          </p:childTnLst>
+        </p:cTn>
+      </p:par>
+    </p:tnLst>
+    <p:bldLst>
+      <p:bldP spid="7" grpId="0" animBg="1"/>
+      <p:bldP spid="8" grpId="0" animBg="1"/>
+      <p:bldP spid="9" grpId="0"/>
+      <p:bldP spid="10" grpId="0"/>
+    </p:bldLst>
+  </p:timing>
+</p:sld>
+</file>
+
+<file path=ppt/slides/slide21.xml><?xml version="1.0" encoding="utf-8"?>
+<p:sld xmlns:a="http://schemas.openxmlformats.org/drawingml/2006/main" xmlns:r="http://schemas.openxmlformats.org/officeDocument/2006/relationships" xmlns:p="http://schemas.openxmlformats.org/presentationml/2006/main">
+  <p:cSld>
+    <p:spTree>
+      <p:nvGrpSpPr>
+        <p:cNvPr id="1" name=""/>
+        <p:cNvGrpSpPr/>
+        <p:nvPr/>
+      </p:nvGrpSpPr>
+      <p:grpSpPr>
+        <a:xfrm>
+          <a:off x="0" y="0"/>
+          <a:ext cx="0" cy="0"/>
+          <a:chOff x="0" y="0"/>
+          <a:chExt cx="0" cy="0"/>
+        </a:xfrm>
+      </p:grpSpPr>
+      <p:sp>
+        <p:nvSpPr>
+          <p:cNvPr id="2" name="Title 1"/>
+          <p:cNvSpPr>
+            <a:spLocks noGrp="1"/>
+          </p:cNvSpPr>
+          <p:nvPr>
+            <p:ph type="title"/>
+          </p:nvPr>
+        </p:nvSpPr>
+        <p:spPr/>
+        <p:txBody>
+          <a:bodyPr/>
+          <a:lstStyle/>
+          <a:p>
+            <a:r>
+              <a:rPr lang="en-US" dirty="0" err="1" smtClean="0"/>
+              <a:t>Synchronisation</a:t>
+            </a:r>
+            <a:r>
+              <a:rPr lang="en-US" dirty="0" smtClean="0"/>
+              <a:t> </a:t>
+            </a:r>
+            <a:r>
+              <a:rPr lang="en-US" dirty="0" err="1" smtClean="0"/>
+              <a:t>horloges</a:t>
+            </a:r>
+            <a:endParaRPr lang="en-US" dirty="0"/>
+          </a:p>
+        </p:txBody>
+      </p:sp>
+      <p:sp>
+        <p:nvSpPr>
+          <p:cNvPr id="4" name="TextBox 3"/>
+          <p:cNvSpPr txBox="1"/>
+          <p:nvPr/>
+        </p:nvSpPr>
+        <p:spPr>
+          <a:xfrm>
+            <a:off x="3386904" y="3848305"/>
+            <a:ext cx="1398381" cy="369332"/>
+          </a:xfrm>
+          <a:prstGeom prst="rect">
+            <a:avLst/>
+          </a:prstGeom>
+        </p:spPr>
+        <p:style>
+          <a:lnRef idx="2">
+            <a:schemeClr val="dk1">
+              <a:shade val="50000"/>
+            </a:schemeClr>
+          </a:lnRef>
+          <a:fillRef idx="1">
+            <a:schemeClr val="dk1"/>
+          </a:fillRef>
+          <a:effectRef idx="0">
+            <a:schemeClr val="dk1"/>
+          </a:effectRef>
+          <a:fontRef idx="minor">
+            <a:schemeClr val="lt1"/>
+          </a:fontRef>
+        </p:style>
+        <p:txBody>
+          <a:bodyPr wrap="square" rtlCol="0">
+            <a:spAutoFit/>
+          </a:bodyPr>
+          <a:lstStyle/>
+          <a:p>
+            <a:r>
+              <a:rPr lang="en-US" dirty="0" smtClean="0">
+                <a:latin typeface="Courier"/>
+                <a:cs typeface="Courier"/>
+              </a:rPr>
+              <a:t>00:00:00</a:t>
+            </a:r>
+            <a:endParaRPr lang="en-US" dirty="0">
+              <a:latin typeface="Courier"/>
+              <a:cs typeface="Courier"/>
+            </a:endParaRPr>
+          </a:p>
+        </p:txBody>
+      </p:sp>
+      <p:sp>
+        <p:nvSpPr>
+          <p:cNvPr id="7" name="TextBox 6"/>
+          <p:cNvSpPr txBox="1"/>
+          <p:nvPr/>
+        </p:nvSpPr>
+        <p:spPr>
+          <a:xfrm>
+            <a:off x="5219927" y="2039208"/>
+            <a:ext cx="1398381" cy="369332"/>
+          </a:xfrm>
+          <a:prstGeom prst="rect">
+            <a:avLst/>
+          </a:prstGeom>
+        </p:spPr>
+        <p:style>
+          <a:lnRef idx="2">
+            <a:schemeClr val="dk1">
+              <a:shade val="50000"/>
+            </a:schemeClr>
+          </a:lnRef>
+          <a:fillRef idx="1">
+            <a:schemeClr val="dk1"/>
+          </a:fillRef>
+          <a:effectRef idx="0">
+            <a:schemeClr val="dk1"/>
+          </a:effectRef>
+          <a:fontRef idx="minor">
+            <a:schemeClr val="lt1"/>
+          </a:fontRef>
+        </p:style>
+        <p:txBody>
+          <a:bodyPr wrap="square" rtlCol="0">
+            <a:spAutoFit/>
+          </a:bodyPr>
+          <a:lstStyle/>
+          <a:p>
+            <a:r>
+              <a:rPr lang="en-US" dirty="0" smtClean="0">
+                <a:latin typeface="Courier"/>
+                <a:cs typeface="Courier"/>
+              </a:rPr>
+              <a:t>??:??:??</a:t>
+            </a:r>
+            <a:endParaRPr lang="en-US" dirty="0">
+              <a:latin typeface="Courier"/>
+              <a:cs typeface="Courier"/>
+            </a:endParaRPr>
+          </a:p>
+        </p:txBody>
+      </p:sp>
+      <p:sp>
+        <p:nvSpPr>
+          <p:cNvPr id="8" name="TextBox 7"/>
+          <p:cNvSpPr txBox="1"/>
+          <p:nvPr/>
+        </p:nvSpPr>
+        <p:spPr>
+          <a:xfrm>
+            <a:off x="3386904" y="3848305"/>
+            <a:ext cx="1398381" cy="369332"/>
+          </a:xfrm>
+          <a:prstGeom prst="rect">
+            <a:avLst/>
+          </a:prstGeom>
+        </p:spPr>
+        <p:style>
+          <a:lnRef idx="2">
+            <a:schemeClr val="dk1">
+              <a:shade val="50000"/>
+            </a:schemeClr>
+          </a:lnRef>
+          <a:fillRef idx="1">
+            <a:schemeClr val="dk1"/>
+          </a:fillRef>
+          <a:effectRef idx="0">
+            <a:schemeClr val="dk1"/>
+          </a:effectRef>
+          <a:fontRef idx="minor">
+            <a:schemeClr val="lt1"/>
+          </a:fontRef>
+        </p:style>
+        <p:txBody>
+          <a:bodyPr wrap="square" rtlCol="0">
+            <a:spAutoFit/>
+          </a:bodyPr>
+          <a:lstStyle/>
+          <a:p>
+            <a:r>
+              <a:rPr lang="en-US" dirty="0" smtClean="0">
+                <a:latin typeface="Courier"/>
+                <a:cs typeface="Courier"/>
+              </a:rPr>
+              <a:t>00:00:01</a:t>
+            </a:r>
+            <a:endParaRPr lang="en-US" dirty="0">
+              <a:latin typeface="Courier"/>
+              <a:cs typeface="Courier"/>
+            </a:endParaRPr>
+          </a:p>
+        </p:txBody>
+      </p:sp>
+      <p:sp>
+        <p:nvSpPr>
+          <p:cNvPr id="9" name="TextBox 8"/>
+          <p:cNvSpPr txBox="1"/>
+          <p:nvPr/>
+        </p:nvSpPr>
+        <p:spPr>
+          <a:xfrm>
+            <a:off x="3386904" y="3848305"/>
+            <a:ext cx="1398381" cy="369332"/>
+          </a:xfrm>
+          <a:prstGeom prst="rect">
+            <a:avLst/>
+          </a:prstGeom>
+        </p:spPr>
+        <p:style>
+          <a:lnRef idx="2">
+            <a:schemeClr val="dk1">
+              <a:shade val="50000"/>
+            </a:schemeClr>
+          </a:lnRef>
+          <a:fillRef idx="1">
+            <a:schemeClr val="dk1"/>
+          </a:fillRef>
+          <a:effectRef idx="0">
+            <a:schemeClr val="dk1"/>
+          </a:effectRef>
+          <a:fontRef idx="minor">
+            <a:schemeClr val="lt1"/>
+          </a:fontRef>
+        </p:style>
+        <p:txBody>
+          <a:bodyPr wrap="square" rtlCol="0">
+            <a:spAutoFit/>
+          </a:bodyPr>
+          <a:lstStyle/>
+          <a:p>
+            <a:r>
+              <a:rPr lang="en-US" dirty="0" smtClean="0">
+                <a:latin typeface="Courier"/>
+                <a:cs typeface="Courier"/>
+              </a:rPr>
+              <a:t>00:00:02</a:t>
+            </a:r>
+            <a:endParaRPr lang="en-US" dirty="0">
+              <a:latin typeface="Courier"/>
+              <a:cs typeface="Courier"/>
+            </a:endParaRPr>
+          </a:p>
+        </p:txBody>
+      </p:sp>
+      <p:sp>
+        <p:nvSpPr>
+          <p:cNvPr id="10" name="TextBox 9"/>
+          <p:cNvSpPr txBox="1"/>
+          <p:nvPr/>
+        </p:nvSpPr>
+        <p:spPr>
+          <a:xfrm>
+            <a:off x="3386904" y="3848305"/>
+            <a:ext cx="1398381" cy="369332"/>
+          </a:xfrm>
+          <a:prstGeom prst="rect">
+            <a:avLst/>
+          </a:prstGeom>
+        </p:spPr>
+        <p:style>
+          <a:lnRef idx="2">
+            <a:schemeClr val="dk1">
+              <a:shade val="50000"/>
+            </a:schemeClr>
+          </a:lnRef>
+          <a:fillRef idx="1">
+            <a:schemeClr val="dk1"/>
+          </a:fillRef>
+          <a:effectRef idx="0">
+            <a:schemeClr val="dk1"/>
+          </a:effectRef>
+          <a:fontRef idx="minor">
+            <a:schemeClr val="lt1"/>
+          </a:fontRef>
+        </p:style>
+        <p:txBody>
+          <a:bodyPr wrap="square" rtlCol="0">
+            <a:spAutoFit/>
+          </a:bodyPr>
+          <a:lstStyle/>
+          <a:p>
+            <a:r>
+              <a:rPr lang="en-US" dirty="0" smtClean="0">
+                <a:latin typeface="Courier"/>
+                <a:cs typeface="Courier"/>
+              </a:rPr>
+              <a:t>00:00:03</a:t>
+            </a:r>
+            <a:endParaRPr lang="en-US" dirty="0">
+              <a:latin typeface="Courier"/>
+              <a:cs typeface="Courier"/>
+            </a:endParaRPr>
+          </a:p>
+        </p:txBody>
+      </p:sp>
+      <p:sp>
+        <p:nvSpPr>
+          <p:cNvPr id="17" name="Oval 16"/>
+          <p:cNvSpPr/>
+          <p:nvPr/>
+        </p:nvSpPr>
+        <p:spPr>
+          <a:xfrm>
+            <a:off x="4837377" y="3591751"/>
+            <a:ext cx="255033" cy="269382"/>
+          </a:xfrm>
+          <a:prstGeom prst="ellipse">
+            <a:avLst/>
+          </a:prstGeom>
+        </p:spPr>
+        <p:style>
+          <a:lnRef idx="1">
+            <a:schemeClr val="accent1"/>
+          </a:lnRef>
+          <a:fillRef idx="3">
+            <a:schemeClr val="accent1"/>
+          </a:fillRef>
+          <a:effectRef idx="2">
+            <a:schemeClr val="accent1"/>
+          </a:effectRef>
+          <a:fontRef idx="minor">
+            <a:schemeClr val="lt1"/>
+          </a:fontRef>
+        </p:style>
+        <p:txBody>
+          <a:bodyPr rtlCol="0" anchor="ctr"/>
+          <a:lstStyle/>
+          <a:p>
+            <a:pPr algn="ctr"/>
+            <a:endParaRPr lang="en-US"/>
+          </a:p>
+        </p:txBody>
+      </p:sp>
+      <p:sp>
+        <p:nvSpPr>
+          <p:cNvPr id="19" name="TextBox 18"/>
+          <p:cNvSpPr txBox="1"/>
+          <p:nvPr/>
+        </p:nvSpPr>
+        <p:spPr>
+          <a:xfrm>
+            <a:off x="3386904" y="3848305"/>
+            <a:ext cx="1398381" cy="369332"/>
+          </a:xfrm>
+          <a:prstGeom prst="rect">
+            <a:avLst/>
+          </a:prstGeom>
+        </p:spPr>
+        <p:style>
+          <a:lnRef idx="2">
+            <a:schemeClr val="dk1">
+              <a:shade val="50000"/>
+            </a:schemeClr>
+          </a:lnRef>
+          <a:fillRef idx="1">
+            <a:schemeClr val="dk1"/>
+          </a:fillRef>
+          <a:effectRef idx="0">
+            <a:schemeClr val="dk1"/>
+          </a:effectRef>
+          <a:fontRef idx="minor">
+            <a:schemeClr val="lt1"/>
+          </a:fontRef>
+        </p:style>
+        <p:txBody>
+          <a:bodyPr wrap="square" rtlCol="0">
+            <a:spAutoFit/>
+          </a:bodyPr>
+          <a:lstStyle/>
+          <a:p>
+            <a:r>
+              <a:rPr lang="en-US" dirty="0" smtClean="0">
+                <a:latin typeface="Courier"/>
+                <a:cs typeface="Courier"/>
+              </a:rPr>
+              <a:t>00:00:04</a:t>
+            </a:r>
+            <a:endParaRPr lang="en-US" dirty="0">
+              <a:latin typeface="Courier"/>
+              <a:cs typeface="Courier"/>
+            </a:endParaRPr>
+          </a:p>
+        </p:txBody>
+      </p:sp>
+      <p:grpSp>
+        <p:nvGrpSpPr>
+          <p:cNvPr id="24" name="Group 23"/>
+          <p:cNvGrpSpPr/>
+          <p:nvPr/>
+        </p:nvGrpSpPr>
+        <p:grpSpPr>
+          <a:xfrm>
+            <a:off x="4952065" y="2514226"/>
+            <a:ext cx="1552331" cy="1513666"/>
+            <a:chOff x="4952065" y="2514226"/>
+            <a:chExt cx="1552331" cy="1513666"/>
+          </a:xfrm>
+        </p:grpSpPr>
+        <p:cxnSp>
+          <p:nvCxnSpPr>
+            <p:cNvPr id="22" name="Straight Arrow Connector 21"/>
+            <p:cNvCxnSpPr/>
+            <p:nvPr/>
+          </p:nvCxnSpPr>
+          <p:spPr>
+            <a:xfrm flipV="1">
+              <a:off x="4952065" y="2514226"/>
+              <a:ext cx="1026334" cy="1513666"/>
+            </a:xfrm>
+            <a:prstGeom prst="straightConnector1">
+              <a:avLst/>
+            </a:prstGeom>
+            <a:ln>
+              <a:headEnd type="arrow"/>
+              <a:tailEnd type="arrow"/>
+            </a:ln>
+          </p:spPr>
+          <p:style>
+            <a:lnRef idx="2">
+              <a:schemeClr val="accent1"/>
+            </a:lnRef>
+            <a:fillRef idx="0">
+              <a:schemeClr val="accent1"/>
+            </a:fillRef>
+            <a:effectRef idx="1">
+              <a:schemeClr val="accent1"/>
+            </a:effectRef>
+            <a:fontRef idx="minor">
+              <a:schemeClr val="tx1"/>
+            </a:fontRef>
+          </p:style>
+        </p:cxnSp>
+        <p:sp>
+          <p:nvSpPr>
+            <p:cNvPr id="23" name="TextBox 22"/>
+            <p:cNvSpPr txBox="1"/>
+            <p:nvPr/>
+          </p:nvSpPr>
+          <p:spPr>
+            <a:xfrm>
+              <a:off x="5696157" y="3219748"/>
+              <a:ext cx="808239" cy="369332"/>
+            </a:xfrm>
+            <a:prstGeom prst="rect">
+              <a:avLst/>
+            </a:prstGeom>
+            <a:noFill/>
+          </p:spPr>
+          <p:txBody>
+            <a:bodyPr wrap="square" rtlCol="0">
+              <a:spAutoFit/>
+            </a:bodyPr>
+            <a:lstStyle/>
+            <a:p>
+              <a:r>
+                <a:rPr lang="en-US" dirty="0" smtClean="0"/>
+                <a:t>4 sec</a:t>
+              </a:r>
+              <a:endParaRPr lang="en-US" dirty="0"/>
+            </a:p>
+          </p:txBody>
+        </p:sp>
+      </p:grpSp>
+    </p:spTree>
+    <p:extLst>
+      <p:ext uri="{BB962C8B-B14F-4D97-AF65-F5344CB8AC3E}">
+        <p14:creationId xmlns:p14="http://schemas.microsoft.com/office/powerpoint/2010/main" val="2975540640"/>
+      </p:ext>
+    </p:extLst>
+  </p:cSld>
+  <p:clrMapOvr>
+    <a:masterClrMapping/>
+  </p:clrMapOvr>
+  <p:timing>
+    <p:tnLst>
+      <p:par>
+        <p:cTn xmlns:p14="http://schemas.microsoft.com/office/powerpoint/2010/main" id="1" dur="indefinite" restart="never" nodeType="tmRoot">
+          <p:childTnLst>
+            <p:seq concurrent="1" nextAc="seek">
+              <p:cTn id="2" dur="indefinite" nodeType="mainSeq">
+                <p:childTnLst>
+                  <p:par>
+                    <p:cTn id="3" fill="hold">
+                      <p:stCondLst>
+                        <p:cond delay="indefinite"/>
+                      </p:stCondLst>
+                      <p:childTnLst>
+                        <p:par>
+                          <p:cTn id="4" fill="hold">
+                            <p:stCondLst>
+                              <p:cond delay="0"/>
+                            </p:stCondLst>
+                            <p:childTnLst>
+                              <p:par>
+                                <p:cTn id="5" presetID="1" presetClass="entr" presetSubtype="0" fill="hold" grpId="0" nodeType="clickEffect">
+                                  <p:stCondLst>
+                                    <p:cond delay="0"/>
+                                  </p:stCondLst>
+                                  <p:childTnLst>
+                                    <p:set>
+                                      <p:cBhvr>
+                                        <p:cTn id="6" dur="1" fill="hold">
+                                          <p:stCondLst>
+                                            <p:cond delay="0"/>
+                                          </p:stCondLst>
+                                        </p:cTn>
+                                        <p:tgtEl>
+                                          <p:spTgt spid="8"/>
+                                        </p:tgtEl>
+                                        <p:attrNameLst>
+                                          <p:attrName>style.visibility</p:attrName>
+                                        </p:attrNameLst>
+                                      </p:cBhvr>
+                                      <p:to>
+                                        <p:strVal val="visible"/>
+                                      </p:to>
+                                    </p:set>
+                                  </p:childTnLst>
+                                </p:cTn>
+                              </p:par>
+                              <p:par>
+                                <p:cTn id="7" presetID="1" presetClass="entr" presetSubtype="0" fill="hold" grpId="1" nodeType="withEffect">
+                                  <p:stCondLst>
+                                    <p:cond delay="0"/>
+                                  </p:stCondLst>
+                                  <p:childTnLst>
+                                    <p:set>
+                                      <p:cBhvr>
+                                        <p:cTn id="8" dur="1" fill="hold">
+                                          <p:stCondLst>
+                                            <p:cond delay="0"/>
+                                          </p:stCondLst>
+                                        </p:cTn>
+                                        <p:tgtEl>
+                                          <p:spTgt spid="17"/>
+                                        </p:tgtEl>
+                                        <p:attrNameLst>
+                                          <p:attrName>style.visibility</p:attrName>
+                                        </p:attrNameLst>
+                                      </p:cBhvr>
+                                      <p:to>
+                                        <p:strVal val="visible"/>
+                                      </p:to>
+                                    </p:set>
+                                  </p:childTnLst>
+                                </p:cTn>
+                              </p:par>
+                              <p:par>
+                                <p:cTn id="9" presetID="0" presetClass="path" presetSubtype="0" fill="hold" grpId="0" nodeType="withEffect">
+                                  <p:stCondLst>
+                                    <p:cond delay="0"/>
+                                  </p:stCondLst>
+                                  <p:childTnLst>
+                                    <p:animMotion origin="layout" path="M 5.22041E-6 5.6211E-7 L 0.05329 -0.19824 L -0.03505 -0.01134 " pathEditMode="relative" ptsTypes="AAA">
+                                      <p:cBhvr>
+                                        <p:cTn id="10" dur="3000" fill="hold"/>
+                                        <p:tgtEl>
+                                          <p:spTgt spid="17"/>
+                                        </p:tgtEl>
+                                        <p:attrNameLst>
+                                          <p:attrName>ppt_x</p:attrName>
+                                          <p:attrName>ppt_y</p:attrName>
+                                        </p:attrNameLst>
+                                      </p:cBhvr>
+                                    </p:animMotion>
+                                  </p:childTnLst>
+                                  <p:subTnLst>
+                                    <p:set>
+                                      <p:cBhvr override="childStyle">
+                                        <p:cTn dur="1" fill="hold" display="0" masterRel="sameClick" afterEffect="1">
+                                          <p:stCondLst>
+                                            <p:cond evt="end" delay="0">
+                                              <p:tn val="9"/>
+                                            </p:cond>
+                                          </p:stCondLst>
+                                        </p:cTn>
+                                        <p:tgtEl>
+                                          <p:spTgt spid="17"/>
+                                        </p:tgtEl>
+                                        <p:attrNameLst>
+                                          <p:attrName>style.visibility</p:attrName>
+                                        </p:attrNameLst>
+                                      </p:cBhvr>
+                                      <p:to>
+                                        <p:strVal val="hidden"/>
+                                      </p:to>
+                                    </p:set>
+                                  </p:subTnLst>
+                                </p:cTn>
+                              </p:par>
+                              <p:par>
+                                <p:cTn id="11" presetID="1" presetClass="entr" presetSubtype="0" fill="hold" grpId="0" nodeType="withEffect">
+                                  <p:stCondLst>
+                                    <p:cond delay="1000"/>
+                                  </p:stCondLst>
+                                  <p:childTnLst>
+                                    <p:set>
+                                      <p:cBhvr>
+                                        <p:cTn id="12" dur="1" fill="hold">
+                                          <p:stCondLst>
+                                            <p:cond delay="0"/>
+                                          </p:stCondLst>
+                                        </p:cTn>
+                                        <p:tgtEl>
+                                          <p:spTgt spid="9"/>
+                                        </p:tgtEl>
+                                        <p:attrNameLst>
+                                          <p:attrName>style.visibility</p:attrName>
+                                        </p:attrNameLst>
+                                      </p:cBhvr>
+                                      <p:to>
+                                        <p:strVal val="visible"/>
+                                      </p:to>
+                                    </p:set>
+                                  </p:childTnLst>
+                                </p:cTn>
+                              </p:par>
+                              <p:par>
+                                <p:cTn id="13" presetID="1" presetClass="entr" presetSubtype="0" fill="hold" grpId="0" nodeType="withEffect">
+                                  <p:stCondLst>
+                                    <p:cond delay="2000"/>
+                                  </p:stCondLst>
+                                  <p:childTnLst>
+                                    <p:set>
+                                      <p:cBhvr>
+                                        <p:cTn id="14" dur="1" fill="hold">
+                                          <p:stCondLst>
+                                            <p:cond delay="0"/>
+                                          </p:stCondLst>
+                                        </p:cTn>
+                                        <p:tgtEl>
+                                          <p:spTgt spid="10"/>
+                                        </p:tgtEl>
+                                        <p:attrNameLst>
+                                          <p:attrName>style.visibility</p:attrName>
+                                        </p:attrNameLst>
+                                      </p:cBhvr>
+                                      <p:to>
+                                        <p:strVal val="visible"/>
+                                      </p:to>
+                                    </p:set>
+                                  </p:childTnLst>
+                                </p:cTn>
+                              </p:par>
+                              <p:par>
+                                <p:cTn id="15" presetID="1" presetClass="entr" presetSubtype="0" fill="hold" grpId="0" nodeType="withEffect">
+                                  <p:stCondLst>
+                                    <p:cond delay="3000"/>
+                                  </p:stCondLst>
+                                  <p:childTnLst>
+                                    <p:set>
+                                      <p:cBhvr>
+                                        <p:cTn id="16" dur="1" fill="hold">
+                                          <p:stCondLst>
+                                            <p:cond delay="0"/>
+                                          </p:stCondLst>
+                                        </p:cTn>
+                                        <p:tgtEl>
+                                          <p:spTgt spid="19"/>
+                                        </p:tgtEl>
+                                        <p:attrNameLst>
+                                          <p:attrName>style.visibility</p:attrName>
+                                        </p:attrNameLst>
+                                      </p:cBhvr>
+                                      <p:to>
+                                        <p:strVal val="visible"/>
+                                      </p:to>
+                                    </p:set>
+                                  </p:childTnLst>
+                                </p:cTn>
+                              </p:par>
+                            </p:childTnLst>
+                          </p:cTn>
+                        </p:par>
+                      </p:childTnLst>
+                    </p:cTn>
+                  </p:par>
+                  <p:par>
+                    <p:cTn id="17" fill="hold">
+                      <p:stCondLst>
+                        <p:cond delay="indefinite"/>
+                      </p:stCondLst>
+                      <p:childTnLst>
+                        <p:par>
+                          <p:cTn id="18" fill="hold">
+                            <p:stCondLst>
+                              <p:cond delay="0"/>
+                            </p:stCondLst>
+                            <p:childTnLst>
+                              <p:par>
+                                <p:cTn id="19" presetID="1" presetClass="entr" presetSubtype="0" fill="hold" nodeType="clickEffect">
+                                  <p:stCondLst>
+                                    <p:cond delay="0"/>
+                                  </p:stCondLst>
+                                  <p:childTnLst>
+                                    <p:set>
+                                      <p:cBhvr>
+                                        <p:cTn id="20" dur="1" fill="hold">
+                                          <p:stCondLst>
+                                            <p:cond delay="0"/>
+                                          </p:stCondLst>
+                                        </p:cTn>
+                                        <p:tgtEl>
+                                          <p:spTgt spid="24"/>
+                                        </p:tgtEl>
+                                        <p:attrNameLst>
+                                          <p:attrName>style.visibility</p:attrName>
+                                        </p:attrNameLst>
+                                      </p:cBhvr>
+                                      <p:to>
+                                        <p:strVal val="visible"/>
+                                      </p:to>
+                                    </p:set>
+                                  </p:childTnLst>
+                                </p:cTn>
+                              </p:par>
+                            </p:childTnLst>
+                          </p:cTn>
+                        </p:par>
+                      </p:childTnLst>
+                    </p:cTn>
+                  </p:par>
+                </p:childTnLst>
+              </p:cTn>
+              <p:prevCondLst>
+                <p:cond evt="onPrev" delay="0">
+                  <p:tgtEl>
+                    <p:sldTgt/>
+                  </p:tgtEl>
+                </p:cond>
+              </p:prevCondLst>
+              <p:nextCondLst>
+                <p:cond evt="onNext" delay="0">
+                  <p:tgtEl>
+                    <p:sldTgt/>
+                  </p:tgtEl>
+                </p:cond>
+              </p:nextCondLst>
+            </p:seq>
+          </p:childTnLst>
+        </p:cTn>
+      </p:par>
+    </p:tnLst>
+    <p:bldLst>
+      <p:bldP spid="8" grpId="0" animBg="1"/>
+      <p:bldP spid="9" grpId="0" animBg="1"/>
+      <p:bldP spid="10" grpId="0" animBg="1"/>
+      <p:bldP spid="17" grpId="0" animBg="1"/>
+      <p:bldP spid="17" grpId="1" animBg="1"/>
+      <p:bldP spid="19" grpId="0" animBg="1"/>
+    </p:bldLst>
+  </p:timing>
+</p:sld>
+</file>
+
+<file path=ppt/slides/slide22.xml><?xml version="1.0" encoding="utf-8"?>
+<p:sld xmlns:a="http://schemas.openxmlformats.org/drawingml/2006/main" xmlns:r="http://schemas.openxmlformats.org/officeDocument/2006/relationships" xmlns:p="http://schemas.openxmlformats.org/presentationml/2006/main">
+  <p:cSld>
+    <p:spTree>
+      <p:nvGrpSpPr>
+        <p:cNvPr id="1" name=""/>
+        <p:cNvGrpSpPr/>
+        <p:nvPr/>
+      </p:nvGrpSpPr>
+      <p:grpSpPr>
+        <a:xfrm>
+          <a:off x="0" y="0"/>
+          <a:ext cx="0" cy="0"/>
+          <a:chOff x="0" y="0"/>
+          <a:chExt cx="0" cy="0"/>
+        </a:xfrm>
+      </p:grpSpPr>
+      <p:sp>
+        <p:nvSpPr>
+          <p:cNvPr id="18" name="TextBox 17"/>
+          <p:cNvSpPr txBox="1"/>
+          <p:nvPr/>
+        </p:nvSpPr>
+        <p:spPr>
+          <a:xfrm>
+            <a:off x="3386904" y="3829269"/>
+            <a:ext cx="1398381" cy="369332"/>
+          </a:xfrm>
+          <a:prstGeom prst="rect">
+            <a:avLst/>
+          </a:prstGeom>
+        </p:spPr>
+        <p:style>
+          <a:lnRef idx="2">
+            <a:schemeClr val="dk1">
+              <a:shade val="50000"/>
+            </a:schemeClr>
+          </a:lnRef>
+          <a:fillRef idx="1">
+            <a:schemeClr val="dk1"/>
+          </a:fillRef>
+          <a:effectRef idx="0">
+            <a:schemeClr val="dk1"/>
+          </a:effectRef>
+          <a:fontRef idx="minor">
+            <a:schemeClr val="lt1"/>
+          </a:fontRef>
+        </p:style>
+        <p:txBody>
+          <a:bodyPr wrap="square" rtlCol="0">
+            <a:spAutoFit/>
+          </a:bodyPr>
+          <a:lstStyle/>
+          <a:p>
+            <a:r>
+              <a:rPr lang="en-US" dirty="0" smtClean="0">
+                <a:latin typeface="Courier"/>
+                <a:cs typeface="Courier"/>
+              </a:rPr>
+              <a:t>00:00:00</a:t>
+            </a:r>
+            <a:endParaRPr lang="en-US" dirty="0">
+              <a:latin typeface="Courier"/>
+              <a:cs typeface="Courier"/>
+            </a:endParaRPr>
+          </a:p>
+        </p:txBody>
+      </p:sp>
+      <p:sp>
+        <p:nvSpPr>
+          <p:cNvPr id="2" name="Title 1"/>
+          <p:cNvSpPr>
+            <a:spLocks noGrp="1"/>
+          </p:cNvSpPr>
+          <p:nvPr>
+            <p:ph type="title"/>
+          </p:nvPr>
+        </p:nvSpPr>
+        <p:spPr/>
+        <p:txBody>
+          <a:bodyPr/>
+          <a:lstStyle/>
+          <a:p>
+            <a:r>
+              <a:rPr lang="en-US" dirty="0" err="1" smtClean="0"/>
+              <a:t>Synchronisation</a:t>
+            </a:r>
+            <a:r>
+              <a:rPr lang="en-US" dirty="0" smtClean="0"/>
+              <a:t> </a:t>
+            </a:r>
+            <a:r>
+              <a:rPr lang="en-US" dirty="0" err="1" smtClean="0"/>
+              <a:t>horloges</a:t>
+            </a:r>
+            <a:endParaRPr lang="en-US" dirty="0"/>
+          </a:p>
+        </p:txBody>
+      </p:sp>
+      <p:sp>
+        <p:nvSpPr>
+          <p:cNvPr id="4" name="TextBox 3"/>
+          <p:cNvSpPr txBox="1"/>
+          <p:nvPr/>
+        </p:nvSpPr>
+        <p:spPr>
+          <a:xfrm>
+            <a:off x="3386904" y="3848305"/>
+            <a:ext cx="1398381" cy="369332"/>
+          </a:xfrm>
+          <a:prstGeom prst="rect">
+            <a:avLst/>
+          </a:prstGeom>
+        </p:spPr>
+        <p:style>
+          <a:lnRef idx="2">
+            <a:schemeClr val="dk1">
+              <a:shade val="50000"/>
+            </a:schemeClr>
+          </a:lnRef>
+          <a:fillRef idx="1">
+            <a:schemeClr val="dk1"/>
+          </a:fillRef>
+          <a:effectRef idx="0">
+            <a:schemeClr val="dk1"/>
+          </a:effectRef>
+          <a:fontRef idx="minor">
+            <a:schemeClr val="lt1"/>
+          </a:fontRef>
+        </p:style>
+        <p:txBody>
+          <a:bodyPr wrap="square" rtlCol="0">
+            <a:spAutoFit/>
+          </a:bodyPr>
+          <a:lstStyle/>
+          <a:p>
+            <a:r>
+              <a:rPr lang="en-US" dirty="0" smtClean="0">
+                <a:latin typeface="Courier"/>
+                <a:cs typeface="Courier"/>
+              </a:rPr>
+              <a:t>00:00:00</a:t>
+            </a:r>
+            <a:endParaRPr lang="en-US" dirty="0">
+              <a:latin typeface="Courier"/>
+              <a:cs typeface="Courier"/>
+            </a:endParaRPr>
+          </a:p>
+        </p:txBody>
+      </p:sp>
+      <p:sp>
+        <p:nvSpPr>
+          <p:cNvPr id="7" name="TextBox 6"/>
+          <p:cNvSpPr txBox="1"/>
+          <p:nvPr/>
+        </p:nvSpPr>
+        <p:spPr>
+          <a:xfrm>
+            <a:off x="5219927" y="2039208"/>
+            <a:ext cx="1398381" cy="369332"/>
+          </a:xfrm>
+          <a:prstGeom prst="rect">
+            <a:avLst/>
+          </a:prstGeom>
+        </p:spPr>
+        <p:style>
+          <a:lnRef idx="2">
+            <a:schemeClr val="dk1">
+              <a:shade val="50000"/>
+            </a:schemeClr>
+          </a:lnRef>
+          <a:fillRef idx="1">
+            <a:schemeClr val="dk1"/>
+          </a:fillRef>
+          <a:effectRef idx="0">
+            <a:schemeClr val="dk1"/>
+          </a:effectRef>
+          <a:fontRef idx="minor">
+            <a:schemeClr val="lt1"/>
+          </a:fontRef>
+        </p:style>
+        <p:txBody>
+          <a:bodyPr wrap="square" rtlCol="0">
+            <a:spAutoFit/>
+          </a:bodyPr>
+          <a:lstStyle/>
+          <a:p>
+            <a:r>
+              <a:rPr lang="en-US" dirty="0" smtClean="0">
+                <a:latin typeface="Courier"/>
+                <a:cs typeface="Courier"/>
+              </a:rPr>
+              <a:t>??:??:??</a:t>
+            </a:r>
+            <a:endParaRPr lang="en-US" dirty="0">
+              <a:latin typeface="Courier"/>
+              <a:cs typeface="Courier"/>
+            </a:endParaRPr>
+          </a:p>
+        </p:txBody>
+      </p:sp>
+      <p:sp>
+        <p:nvSpPr>
+          <p:cNvPr id="8" name="TextBox 7"/>
+          <p:cNvSpPr txBox="1"/>
+          <p:nvPr/>
+        </p:nvSpPr>
+        <p:spPr>
+          <a:xfrm>
+            <a:off x="3386904" y="3848305"/>
+            <a:ext cx="1398381" cy="369332"/>
+          </a:xfrm>
+          <a:prstGeom prst="rect">
+            <a:avLst/>
+          </a:prstGeom>
+        </p:spPr>
+        <p:style>
+          <a:lnRef idx="2">
+            <a:schemeClr val="dk1">
+              <a:shade val="50000"/>
+            </a:schemeClr>
+          </a:lnRef>
+          <a:fillRef idx="1">
+            <a:schemeClr val="dk1"/>
+          </a:fillRef>
+          <a:effectRef idx="0">
+            <a:schemeClr val="dk1"/>
+          </a:effectRef>
+          <a:fontRef idx="minor">
+            <a:schemeClr val="lt1"/>
+          </a:fontRef>
+        </p:style>
+        <p:txBody>
+          <a:bodyPr wrap="square" rtlCol="0">
+            <a:spAutoFit/>
+          </a:bodyPr>
+          <a:lstStyle/>
+          <a:p>
+            <a:r>
+              <a:rPr lang="en-US" dirty="0" smtClean="0">
+                <a:latin typeface="Courier"/>
+                <a:cs typeface="Courier"/>
+              </a:rPr>
+              <a:t>00:00:01</a:t>
+            </a:r>
+            <a:endParaRPr lang="en-US" dirty="0">
+              <a:latin typeface="Courier"/>
+              <a:cs typeface="Courier"/>
+            </a:endParaRPr>
+          </a:p>
+        </p:txBody>
+      </p:sp>
+      <p:sp>
+        <p:nvSpPr>
+          <p:cNvPr id="9" name="TextBox 8"/>
+          <p:cNvSpPr txBox="1"/>
+          <p:nvPr/>
+        </p:nvSpPr>
+        <p:spPr>
+          <a:xfrm>
+            <a:off x="3386904" y="3848305"/>
+            <a:ext cx="1398381" cy="369332"/>
+          </a:xfrm>
+          <a:prstGeom prst="rect">
+            <a:avLst/>
+          </a:prstGeom>
+        </p:spPr>
+        <p:style>
+          <a:lnRef idx="2">
+            <a:schemeClr val="dk1">
+              <a:shade val="50000"/>
+            </a:schemeClr>
+          </a:lnRef>
+          <a:fillRef idx="1">
+            <a:schemeClr val="dk1"/>
+          </a:fillRef>
+          <a:effectRef idx="0">
+            <a:schemeClr val="dk1"/>
+          </a:effectRef>
+          <a:fontRef idx="minor">
+            <a:schemeClr val="lt1"/>
+          </a:fontRef>
+        </p:style>
+        <p:txBody>
+          <a:bodyPr wrap="square" rtlCol="0">
+            <a:spAutoFit/>
+          </a:bodyPr>
+          <a:lstStyle/>
+          <a:p>
+            <a:r>
+              <a:rPr lang="en-US" dirty="0" smtClean="0">
+                <a:latin typeface="Courier"/>
+                <a:cs typeface="Courier"/>
+              </a:rPr>
+              <a:t>00:00:02</a:t>
+            </a:r>
+            <a:endParaRPr lang="en-US" dirty="0">
+              <a:latin typeface="Courier"/>
+              <a:cs typeface="Courier"/>
+            </a:endParaRPr>
+          </a:p>
+        </p:txBody>
+      </p:sp>
+      <p:sp>
+        <p:nvSpPr>
+          <p:cNvPr id="10" name="TextBox 9"/>
+          <p:cNvSpPr txBox="1"/>
+          <p:nvPr/>
+        </p:nvSpPr>
+        <p:spPr>
+          <a:xfrm>
+            <a:off x="3438996" y="3861133"/>
+            <a:ext cx="1398381" cy="369332"/>
+          </a:xfrm>
+          <a:prstGeom prst="rect">
+            <a:avLst/>
+          </a:prstGeom>
+        </p:spPr>
+        <p:style>
+          <a:lnRef idx="2">
+            <a:schemeClr val="dk1">
+              <a:shade val="50000"/>
+            </a:schemeClr>
+          </a:lnRef>
+          <a:fillRef idx="1">
+            <a:schemeClr val="dk1"/>
+          </a:fillRef>
+          <a:effectRef idx="0">
+            <a:schemeClr val="dk1"/>
+          </a:effectRef>
+          <a:fontRef idx="minor">
+            <a:schemeClr val="lt1"/>
+          </a:fontRef>
+        </p:style>
+        <p:txBody>
+          <a:bodyPr wrap="square" rtlCol="0">
+            <a:spAutoFit/>
+          </a:bodyPr>
+          <a:lstStyle/>
+          <a:p>
+            <a:r>
+              <a:rPr lang="en-US" dirty="0" smtClean="0">
+                <a:latin typeface="Courier"/>
+                <a:cs typeface="Courier"/>
+              </a:rPr>
+              <a:t>00:00:03</a:t>
+            </a:r>
+            <a:endParaRPr lang="en-US" dirty="0">
+              <a:latin typeface="Courier"/>
+              <a:cs typeface="Courier"/>
+            </a:endParaRPr>
+          </a:p>
+        </p:txBody>
+      </p:sp>
+      <p:sp>
+        <p:nvSpPr>
+          <p:cNvPr id="19" name="TextBox 18"/>
+          <p:cNvSpPr txBox="1"/>
+          <p:nvPr/>
+        </p:nvSpPr>
+        <p:spPr>
+          <a:xfrm>
+            <a:off x="3413360" y="3861535"/>
+            <a:ext cx="1398381" cy="369332"/>
+          </a:xfrm>
+          <a:prstGeom prst="rect">
+            <a:avLst/>
+          </a:prstGeom>
+        </p:spPr>
+        <p:style>
+          <a:lnRef idx="2">
+            <a:schemeClr val="dk1">
+              <a:shade val="50000"/>
+            </a:schemeClr>
+          </a:lnRef>
+          <a:fillRef idx="1">
+            <a:schemeClr val="dk1"/>
+          </a:fillRef>
+          <a:effectRef idx="0">
+            <a:schemeClr val="dk1"/>
+          </a:effectRef>
+          <a:fontRef idx="minor">
+            <a:schemeClr val="lt1"/>
+          </a:fontRef>
+        </p:style>
+        <p:txBody>
+          <a:bodyPr wrap="square" rtlCol="0">
+            <a:spAutoFit/>
+          </a:bodyPr>
+          <a:lstStyle/>
+          <a:p>
+            <a:r>
+              <a:rPr lang="en-US" dirty="0" smtClean="0">
+                <a:latin typeface="Courier"/>
+                <a:cs typeface="Courier"/>
+              </a:rPr>
+              <a:t>00:00:04</a:t>
+            </a:r>
+            <a:endParaRPr lang="en-US" dirty="0">
+              <a:latin typeface="Courier"/>
+              <a:cs typeface="Courier"/>
+            </a:endParaRPr>
+          </a:p>
+        </p:txBody>
+      </p:sp>
+      <p:grpSp>
+        <p:nvGrpSpPr>
+          <p:cNvPr id="5" name="Group 4"/>
+          <p:cNvGrpSpPr/>
+          <p:nvPr/>
+        </p:nvGrpSpPr>
+        <p:grpSpPr>
+          <a:xfrm>
+            <a:off x="5158100" y="3591751"/>
+            <a:ext cx="1670902" cy="369332"/>
+            <a:chOff x="4837377" y="3591751"/>
+            <a:chExt cx="1670902" cy="369332"/>
+          </a:xfrm>
+        </p:grpSpPr>
+        <p:sp>
+          <p:nvSpPr>
+            <p:cNvPr id="17" name="Oval 16"/>
+            <p:cNvSpPr/>
+            <p:nvPr/>
+          </p:nvSpPr>
+          <p:spPr>
+            <a:xfrm>
+              <a:off x="4837377" y="3591751"/>
+              <a:ext cx="255033" cy="269382"/>
+            </a:xfrm>
+            <a:prstGeom prst="ellipse">
+              <a:avLst/>
+            </a:prstGeom>
+          </p:spPr>
+          <p:style>
+            <a:lnRef idx="1">
+              <a:schemeClr val="accent1"/>
+            </a:lnRef>
+            <a:fillRef idx="3">
+              <a:schemeClr val="accent1"/>
+            </a:fillRef>
+            <a:effectRef idx="2">
+              <a:schemeClr val="accent1"/>
+            </a:effectRef>
+            <a:fontRef idx="minor">
+              <a:schemeClr val="lt1"/>
+            </a:fontRef>
+          </p:style>
+          <p:txBody>
+            <a:bodyPr rtlCol="0" anchor="ctr"/>
+            <a:lstStyle/>
+            <a:p>
+              <a:pPr algn="ctr"/>
+              <a:r>
+                <a:rPr lang="en-US" dirty="0" smtClean="0"/>
+                <a:t>0</a:t>
+              </a:r>
+              <a:endParaRPr lang="en-US" dirty="0"/>
+            </a:p>
+          </p:txBody>
+        </p:sp>
+        <p:sp>
+          <p:nvSpPr>
+            <p:cNvPr id="3" name="TextBox 2"/>
+            <p:cNvSpPr txBox="1"/>
+            <p:nvPr/>
+          </p:nvSpPr>
+          <p:spPr>
+            <a:xfrm>
+              <a:off x="5219927" y="3591751"/>
+              <a:ext cx="1288352" cy="369332"/>
+            </a:xfrm>
+            <a:prstGeom prst="rect">
+              <a:avLst/>
+            </a:prstGeom>
+            <a:noFill/>
+          </p:spPr>
+          <p:txBody>
+            <a:bodyPr wrap="square" rtlCol="0">
+              <a:spAutoFit/>
+            </a:bodyPr>
+            <a:lstStyle/>
+            <a:p>
+              <a:r>
+                <a:rPr lang="en-US" dirty="0" smtClean="0"/>
+                <a:t>00:00:02</a:t>
+              </a:r>
+              <a:endParaRPr lang="en-US" dirty="0"/>
+            </a:p>
+          </p:txBody>
+        </p:sp>
+      </p:grpSp>
+      <p:sp>
+        <p:nvSpPr>
+          <p:cNvPr id="12" name="TextBox 11"/>
+          <p:cNvSpPr txBox="1"/>
+          <p:nvPr/>
+        </p:nvSpPr>
+        <p:spPr>
+          <a:xfrm>
+            <a:off x="5219926" y="2039208"/>
+            <a:ext cx="1398381" cy="369332"/>
+          </a:xfrm>
+          <a:prstGeom prst="rect">
+            <a:avLst/>
+          </a:prstGeom>
+        </p:spPr>
+        <p:style>
+          <a:lnRef idx="2">
+            <a:schemeClr val="dk1">
+              <a:shade val="50000"/>
+            </a:schemeClr>
+          </a:lnRef>
+          <a:fillRef idx="1">
+            <a:schemeClr val="dk1"/>
+          </a:fillRef>
+          <a:effectRef idx="0">
+            <a:schemeClr val="dk1"/>
+          </a:effectRef>
+          <a:fontRef idx="minor">
+            <a:schemeClr val="lt1"/>
+          </a:fontRef>
+        </p:style>
+        <p:txBody>
+          <a:bodyPr wrap="square" rtlCol="0">
+            <a:spAutoFit/>
+          </a:bodyPr>
+          <a:lstStyle/>
+          <a:p>
+            <a:r>
+              <a:rPr lang="en-US" dirty="0" smtClean="0">
+                <a:latin typeface="Courier"/>
+                <a:cs typeface="Courier"/>
+              </a:rPr>
+              <a:t>00:00:02</a:t>
+            </a:r>
+            <a:endParaRPr lang="en-US" dirty="0">
+              <a:latin typeface="Courier"/>
+              <a:cs typeface="Courier"/>
+            </a:endParaRPr>
+          </a:p>
+        </p:txBody>
+      </p:sp>
+      <p:sp>
+        <p:nvSpPr>
+          <p:cNvPr id="13" name="TextBox 12"/>
+          <p:cNvSpPr txBox="1"/>
+          <p:nvPr/>
+        </p:nvSpPr>
+        <p:spPr>
+          <a:xfrm>
+            <a:off x="5219926" y="2039208"/>
+            <a:ext cx="1398381" cy="369332"/>
+          </a:xfrm>
+          <a:prstGeom prst="rect">
+            <a:avLst/>
+          </a:prstGeom>
+        </p:spPr>
+        <p:style>
+          <a:lnRef idx="2">
+            <a:schemeClr val="dk1">
+              <a:shade val="50000"/>
+            </a:schemeClr>
+          </a:lnRef>
+          <a:fillRef idx="1">
+            <a:schemeClr val="dk1"/>
+          </a:fillRef>
+          <a:effectRef idx="0">
+            <a:schemeClr val="dk1"/>
+          </a:effectRef>
+          <a:fontRef idx="minor">
+            <a:schemeClr val="lt1"/>
+          </a:fontRef>
+        </p:style>
+        <p:txBody>
+          <a:bodyPr wrap="square" rtlCol="0">
+            <a:spAutoFit/>
+          </a:bodyPr>
+          <a:lstStyle/>
+          <a:p>
+            <a:r>
+              <a:rPr lang="en-US" dirty="0" smtClean="0">
+                <a:latin typeface="Courier"/>
+                <a:cs typeface="Courier"/>
+              </a:rPr>
+              <a:t>00:00:03</a:t>
+            </a:r>
+            <a:endParaRPr lang="en-US" dirty="0">
+              <a:latin typeface="Courier"/>
+              <a:cs typeface="Courier"/>
+            </a:endParaRPr>
+          </a:p>
+        </p:txBody>
+      </p:sp>
+      <p:sp>
+        <p:nvSpPr>
+          <p:cNvPr id="14" name="TextBox 13"/>
+          <p:cNvSpPr txBox="1"/>
+          <p:nvPr/>
+        </p:nvSpPr>
+        <p:spPr>
+          <a:xfrm>
+            <a:off x="5219927" y="2039208"/>
+            <a:ext cx="1398381" cy="369332"/>
+          </a:xfrm>
+          <a:prstGeom prst="rect">
+            <a:avLst/>
+          </a:prstGeom>
+        </p:spPr>
+        <p:style>
+          <a:lnRef idx="2">
+            <a:schemeClr val="dk1">
+              <a:shade val="50000"/>
+            </a:schemeClr>
+          </a:lnRef>
+          <a:fillRef idx="1">
+            <a:schemeClr val="dk1"/>
+          </a:fillRef>
+          <a:effectRef idx="0">
+            <a:schemeClr val="dk1"/>
+          </a:effectRef>
+          <a:fontRef idx="minor">
+            <a:schemeClr val="lt1"/>
+          </a:fontRef>
+        </p:style>
+        <p:txBody>
+          <a:bodyPr wrap="square" rtlCol="0">
+            <a:spAutoFit/>
+          </a:bodyPr>
+          <a:lstStyle/>
+          <a:p>
+            <a:r>
+              <a:rPr lang="en-US" dirty="0" smtClean="0">
+                <a:latin typeface="Courier"/>
+                <a:cs typeface="Courier"/>
+              </a:rPr>
+              <a:t>00:00:04</a:t>
+            </a:r>
+            <a:endParaRPr lang="en-US" dirty="0">
+              <a:latin typeface="Courier"/>
+              <a:cs typeface="Courier"/>
+            </a:endParaRPr>
+          </a:p>
+        </p:txBody>
+      </p:sp>
+    </p:spTree>
+    <p:extLst>
+      <p:ext uri="{BB962C8B-B14F-4D97-AF65-F5344CB8AC3E}">
+        <p14:creationId xmlns:p14="http://schemas.microsoft.com/office/powerpoint/2010/main" val="3883691773"/>
+      </p:ext>
+    </p:extLst>
+  </p:cSld>
+  <p:clrMapOvr>
+    <a:masterClrMapping/>
+  </p:clrMapOvr>
+  <p:timing>
+    <p:tnLst>
+      <p:par>
+        <p:cTn xmlns:p14="http://schemas.microsoft.com/office/powerpoint/2010/main" id="1" dur="indefinite" restart="never" nodeType="tmRoot">
+          <p:childTnLst>
+            <p:seq concurrent="1" nextAc="seek">
+              <p:cTn id="2" dur="indefinite" nodeType="mainSeq">
+                <p:childTnLst>
+                  <p:par>
+                    <p:cTn id="3" fill="hold">
+                      <p:stCondLst>
+                        <p:cond delay="indefinite"/>
+                      </p:stCondLst>
+                      <p:childTnLst>
+                        <p:par>
+                          <p:cTn id="4" fill="hold">
+                            <p:stCondLst>
+                              <p:cond delay="0"/>
+                            </p:stCondLst>
+                            <p:childTnLst>
+                              <p:par>
+                                <p:cTn id="5" presetID="1" presetClass="entr" presetSubtype="0" fill="hold" grpId="0" nodeType="clickEffect">
+                                  <p:stCondLst>
+                                    <p:cond delay="1000"/>
+                                  </p:stCondLst>
+                                  <p:childTnLst>
+                                    <p:set>
+                                      <p:cBhvr>
+                                        <p:cTn id="6" dur="1" fill="hold">
+                                          <p:stCondLst>
+                                            <p:cond delay="0"/>
+                                          </p:stCondLst>
+                                        </p:cTn>
+                                        <p:tgtEl>
+                                          <p:spTgt spid="8"/>
+                                        </p:tgtEl>
+                                        <p:attrNameLst>
+                                          <p:attrName>style.visibility</p:attrName>
+                                        </p:attrNameLst>
+                                      </p:cBhvr>
+                                      <p:to>
+                                        <p:strVal val="visible"/>
+                                      </p:to>
+                                    </p:set>
+                                  </p:childTnLst>
+                                </p:cTn>
+                              </p:par>
+                              <p:par>
+                                <p:cTn id="7" presetID="1" presetClass="entr" presetSubtype="0" fill="hold" nodeType="withEffect">
+                                  <p:stCondLst>
+                                    <p:cond delay="0"/>
+                                  </p:stCondLst>
+                                  <p:childTnLst>
+                                    <p:set>
+                                      <p:cBhvr>
+                                        <p:cTn id="8" dur="1" fill="hold">
+                                          <p:stCondLst>
+                                            <p:cond delay="0"/>
+                                          </p:stCondLst>
+                                        </p:cTn>
+                                        <p:tgtEl>
+                                          <p:spTgt spid="5"/>
+                                        </p:tgtEl>
+                                        <p:attrNameLst>
+                                          <p:attrName>style.visibility</p:attrName>
+                                        </p:attrNameLst>
+                                      </p:cBhvr>
+                                      <p:to>
+                                        <p:strVal val="visible"/>
+                                      </p:to>
+                                    </p:set>
+                                  </p:childTnLst>
+                                </p:cTn>
+                              </p:par>
+                              <p:par>
+                                <p:cTn id="9" presetID="0" presetClass="path" presetSubtype="0" fill="hold" nodeType="withEffect">
+                                  <p:stCondLst>
+                                    <p:cond delay="0"/>
+                                  </p:stCondLst>
+                                  <p:childTnLst>
+                                    <p:animMotion origin="layout" path="M -0.09813 -0.00093 L -0.01129 -0.19018 " pathEditMode="relative" ptsTypes="AA">
+                                      <p:cBhvr>
+                                        <p:cTn id="10" dur="2000" fill="hold"/>
+                                        <p:tgtEl>
+                                          <p:spTgt spid="5"/>
+                                        </p:tgtEl>
+                                        <p:attrNameLst>
+                                          <p:attrName>ppt_x</p:attrName>
+                                          <p:attrName>ppt_y</p:attrName>
+                                        </p:attrNameLst>
+                                      </p:cBhvr>
+                                    </p:animMotion>
+                                  </p:childTnLst>
+                                  <p:subTnLst>
+                                    <p:set>
+                                      <p:cBhvr override="childStyle">
+                                        <p:cTn dur="1" fill="hold" display="0" masterRel="sameClick" afterEffect="1">
+                                          <p:stCondLst>
+                                            <p:cond evt="end" delay="0">
+                                              <p:tn val="9"/>
+                                            </p:cond>
+                                          </p:stCondLst>
+                                        </p:cTn>
+                                        <p:tgtEl>
+                                          <p:spTgt spid="5"/>
+                                        </p:tgtEl>
+                                        <p:attrNameLst>
+                                          <p:attrName>style.visibility</p:attrName>
+                                        </p:attrNameLst>
+                                      </p:cBhvr>
+                                      <p:to>
+                                        <p:strVal val="hidden"/>
+                                      </p:to>
+                                    </p:set>
+                                  </p:subTnLst>
+                                </p:cTn>
+                              </p:par>
+                            </p:childTnLst>
+                          </p:cTn>
+                        </p:par>
+                        <p:par>
+                          <p:cTn id="11" fill="hold">
+                            <p:stCondLst>
+                              <p:cond delay="2000"/>
+                            </p:stCondLst>
+                            <p:childTnLst>
+                              <p:par>
+                                <p:cTn id="12" presetID="1" presetClass="entr" presetSubtype="0" fill="hold" grpId="0" nodeType="afterEffect">
+                                  <p:stCondLst>
+                                    <p:cond delay="0"/>
+                                  </p:stCondLst>
+                                  <p:childTnLst>
+                                    <p:set>
+                                      <p:cBhvr>
+                                        <p:cTn id="13" dur="1" fill="hold">
+                                          <p:stCondLst>
+                                            <p:cond delay="0"/>
+                                          </p:stCondLst>
+                                        </p:cTn>
+                                        <p:tgtEl>
+                                          <p:spTgt spid="9"/>
+                                        </p:tgtEl>
+                                        <p:attrNameLst>
+                                          <p:attrName>style.visibility</p:attrName>
+                                        </p:attrNameLst>
+                                      </p:cBhvr>
+                                      <p:to>
+                                        <p:strVal val="visible"/>
+                                      </p:to>
+                                    </p:set>
+                                  </p:childTnLst>
+                                </p:cTn>
+                              </p:par>
+                              <p:par>
+                                <p:cTn id="14" presetID="1" presetClass="entr" presetSubtype="0" fill="hold" grpId="0" nodeType="withEffect">
+                                  <p:stCondLst>
+                                    <p:cond delay="0"/>
+                                  </p:stCondLst>
+                                  <p:childTnLst>
+                                    <p:set>
+                                      <p:cBhvr>
+                                        <p:cTn id="15" dur="1" fill="hold">
+                                          <p:stCondLst>
+                                            <p:cond delay="0"/>
+                                          </p:stCondLst>
+                                        </p:cTn>
+                                        <p:tgtEl>
+                                          <p:spTgt spid="12"/>
+                                        </p:tgtEl>
+                                        <p:attrNameLst>
+                                          <p:attrName>style.visibility</p:attrName>
+                                        </p:attrNameLst>
+                                      </p:cBhvr>
+                                      <p:to>
+                                        <p:strVal val="visible"/>
+                                      </p:to>
+                                    </p:set>
+                                  </p:childTnLst>
+                                </p:cTn>
+                              </p:par>
+                            </p:childTnLst>
+                          </p:cTn>
+                        </p:par>
+                        <p:par>
+                          <p:cTn id="16" fill="hold">
+                            <p:stCondLst>
+                              <p:cond delay="2000"/>
+                            </p:stCondLst>
+                            <p:childTnLst>
+                              <p:par>
+                                <p:cTn id="17" presetID="1" presetClass="entr" presetSubtype="0" fill="hold" grpId="0" nodeType="afterEffect">
+                                  <p:stCondLst>
+                                    <p:cond delay="1000"/>
+                                  </p:stCondLst>
+                                  <p:childTnLst>
+                                    <p:set>
+                                      <p:cBhvr>
+                                        <p:cTn id="18" dur="1" fill="hold">
+                                          <p:stCondLst>
+                                            <p:cond delay="0"/>
+                                          </p:stCondLst>
+                                        </p:cTn>
+                                        <p:tgtEl>
+                                          <p:spTgt spid="10"/>
+                                        </p:tgtEl>
+                                        <p:attrNameLst>
+                                          <p:attrName>style.visibility</p:attrName>
+                                        </p:attrNameLst>
+                                      </p:cBhvr>
+                                      <p:to>
+                                        <p:strVal val="visible"/>
+                                      </p:to>
+                                    </p:set>
+                                  </p:childTnLst>
+                                </p:cTn>
+                              </p:par>
+                              <p:par>
+                                <p:cTn id="19" presetID="1" presetClass="entr" presetSubtype="0" fill="hold" grpId="0" nodeType="withEffect">
+                                  <p:stCondLst>
+                                    <p:cond delay="1000"/>
+                                  </p:stCondLst>
+                                  <p:childTnLst>
+                                    <p:set>
+                                      <p:cBhvr>
+                                        <p:cTn id="20" dur="1" fill="hold">
+                                          <p:stCondLst>
+                                            <p:cond delay="0"/>
+                                          </p:stCondLst>
+                                        </p:cTn>
+                                        <p:tgtEl>
+                                          <p:spTgt spid="13"/>
+                                        </p:tgtEl>
+                                        <p:attrNameLst>
+                                          <p:attrName>style.visibility</p:attrName>
+                                        </p:attrNameLst>
+                                      </p:cBhvr>
+                                      <p:to>
+                                        <p:strVal val="visible"/>
+                                      </p:to>
+                                    </p:set>
+                                  </p:childTnLst>
+                                </p:cTn>
+                              </p:par>
+                            </p:childTnLst>
+                          </p:cTn>
+                        </p:par>
+                        <p:par>
+                          <p:cTn id="21" fill="hold">
+                            <p:stCondLst>
+                              <p:cond delay="3000"/>
+                            </p:stCondLst>
+                            <p:childTnLst>
+                              <p:par>
+                                <p:cTn id="22" presetID="1" presetClass="entr" presetSubtype="0" fill="hold" grpId="0" nodeType="afterEffect">
+                                  <p:stCondLst>
+                                    <p:cond delay="1000"/>
+                                  </p:stCondLst>
+                                  <p:childTnLst>
+                                    <p:set>
+                                      <p:cBhvr>
+                                        <p:cTn id="23" dur="1" fill="hold">
+                                          <p:stCondLst>
+                                            <p:cond delay="0"/>
+                                          </p:stCondLst>
+                                        </p:cTn>
+                                        <p:tgtEl>
+                                          <p:spTgt spid="19"/>
+                                        </p:tgtEl>
+                                        <p:attrNameLst>
+                                          <p:attrName>style.visibility</p:attrName>
+                                        </p:attrNameLst>
+                                      </p:cBhvr>
+                                      <p:to>
+                                        <p:strVal val="visible"/>
+                                      </p:to>
+                                    </p:set>
+                                  </p:childTnLst>
+                                </p:cTn>
+                              </p:par>
+                              <p:par>
+                                <p:cTn id="24" presetID="1" presetClass="entr" presetSubtype="0" fill="hold" grpId="0" nodeType="withEffect">
+                                  <p:stCondLst>
+                                    <p:cond delay="1000"/>
+                                  </p:stCondLst>
+                                  <p:childTnLst>
+                                    <p:set>
+                                      <p:cBhvr>
+                                        <p:cTn id="25" dur="1" fill="hold">
+                                          <p:stCondLst>
+                                            <p:cond delay="0"/>
+                                          </p:stCondLst>
+                                        </p:cTn>
+                                        <p:tgtEl>
+                                          <p:spTgt spid="14"/>
+                                        </p:tgtEl>
+                                        <p:attrNameLst>
+                                          <p:attrName>style.visibility</p:attrName>
+                                        </p:attrNameLst>
+                                      </p:cBhvr>
+                                      <p:to>
+                                        <p:strVal val="visible"/>
+                                      </p:to>
+                                    </p:set>
+                                  </p:childTnLst>
+                                </p:cTn>
+                              </p:par>
+                            </p:childTnLst>
+                          </p:cTn>
+                        </p:par>
+                      </p:childTnLst>
+                    </p:cTn>
+                  </p:par>
+                </p:childTnLst>
+              </p:cTn>
+              <p:prevCondLst>
+                <p:cond evt="onPrev" delay="0">
+                  <p:tgtEl>
+                    <p:sldTgt/>
+                  </p:tgtEl>
+                </p:cond>
+              </p:prevCondLst>
+              <p:nextCondLst>
+                <p:cond evt="onNext" delay="0">
+                  <p:tgtEl>
+                    <p:sldTgt/>
+                  </p:tgtEl>
+                </p:cond>
+              </p:nextCondLst>
+            </p:seq>
+          </p:childTnLst>
+        </p:cTn>
+      </p:par>
+    </p:tnLst>
+    <p:bldLst>
+      <p:bldP spid="8" grpId="0" animBg="1"/>
+      <p:bldP spid="9" grpId="0" animBg="1"/>
+      <p:bldP spid="10" grpId="0" animBg="1"/>
+      <p:bldP spid="19" grpId="0" animBg="1"/>
+      <p:bldP spid="12" grpId="0" animBg="1"/>
+      <p:bldP spid="13" grpId="0" animBg="1"/>
+      <p:bldP spid="14" grpId="0" animBg="1"/>
+    </p:bldLst>
+  </p:timing>
+</p:sld>
+</file>
+
+<file path=ppt/slides/slide23.xml><?xml version="1.0" encoding="utf-8"?>
+<p:sld xmlns:a="http://schemas.openxmlformats.org/drawingml/2006/main" xmlns:r="http://schemas.openxmlformats.org/officeDocument/2006/relationships" xmlns:p="http://schemas.openxmlformats.org/presentationml/2006/main">
+  <p:cSld>
+    <p:spTree>
+      <p:nvGrpSpPr>
+        <p:cNvPr id="1" name=""/>
+        <p:cNvGrpSpPr/>
+        <p:nvPr/>
+      </p:nvGrpSpPr>
+      <p:grpSpPr>
+        <a:xfrm>
+          <a:off x="0" y="0"/>
+          <a:ext cx="0" cy="0"/>
+          <a:chOff x="0" y="0"/>
+          <a:chExt cx="0" cy="0"/>
+        </a:xfrm>
+      </p:grpSpPr>
+      <p:sp>
+        <p:nvSpPr>
+          <p:cNvPr id="2" name="Title 1"/>
+          <p:cNvSpPr>
+            <a:spLocks noGrp="1"/>
+          </p:cNvSpPr>
+          <p:nvPr>
+            <p:ph type="title"/>
+          </p:nvPr>
+        </p:nvSpPr>
+        <p:spPr/>
+        <p:txBody>
+          <a:bodyPr/>
+          <a:lstStyle/>
+          <a:p>
+            <a:r>
+              <a:rPr lang="en-US" dirty="0" err="1" smtClean="0"/>
+              <a:t>Espace</a:t>
+            </a:r>
+            <a:r>
+              <a:rPr lang="en-US" dirty="0" smtClean="0"/>
+              <a:t> et temps</a:t>
+            </a:r>
+            <a:endParaRPr lang="en-US" dirty="0"/>
+          </a:p>
+        </p:txBody>
+      </p:sp>
+      <p:cxnSp>
+        <p:nvCxnSpPr>
+          <p:cNvPr id="5" name="Straight Arrow Connector 4"/>
+          <p:cNvCxnSpPr/>
+          <p:nvPr/>
+        </p:nvCxnSpPr>
+        <p:spPr>
+          <a:xfrm flipV="1">
+            <a:off x="1051993" y="4733416"/>
+            <a:ext cx="6658346" cy="38483"/>
+          </a:xfrm>
+          <a:prstGeom prst="straightConnector1">
+            <a:avLst/>
+          </a:prstGeom>
+          <a:ln>
+            <a:tailEnd type="arrow"/>
+          </a:ln>
+        </p:spPr>
+        <p:style>
+          <a:lnRef idx="2">
+            <a:schemeClr val="accent1"/>
+          </a:lnRef>
+          <a:fillRef idx="0">
+            <a:schemeClr val="accent1"/>
+          </a:fillRef>
+          <a:effectRef idx="1">
+            <a:schemeClr val="accent1"/>
+          </a:effectRef>
+          <a:fontRef idx="minor">
+            <a:schemeClr val="tx1"/>
+          </a:fontRef>
+        </p:style>
+      </p:cxnSp>
+      <p:cxnSp>
+        <p:nvCxnSpPr>
+          <p:cNvPr id="10" name="Straight Connector 9"/>
+          <p:cNvCxnSpPr/>
+          <p:nvPr/>
+        </p:nvCxnSpPr>
+        <p:spPr>
+          <a:xfrm flipV="1">
+            <a:off x="1051993" y="4605138"/>
+            <a:ext cx="0" cy="384831"/>
+          </a:xfrm>
+          <a:prstGeom prst="line">
+            <a:avLst/>
+          </a:prstGeom>
+        </p:spPr>
+        <p:style>
+          <a:lnRef idx="2">
+            <a:schemeClr val="accent1"/>
+          </a:lnRef>
+          <a:fillRef idx="0">
+            <a:schemeClr val="accent1"/>
+          </a:fillRef>
+          <a:effectRef idx="1">
+            <a:schemeClr val="accent1"/>
+          </a:effectRef>
+          <a:fontRef idx="minor">
+            <a:schemeClr val="tx1"/>
+          </a:fontRef>
+        </p:style>
+      </p:cxnSp>
+      <p:cxnSp>
+        <p:nvCxnSpPr>
+          <p:cNvPr id="11" name="Straight Connector 10"/>
+          <p:cNvCxnSpPr/>
+          <p:nvPr/>
+        </p:nvCxnSpPr>
+        <p:spPr>
+          <a:xfrm flipV="1">
+            <a:off x="2320532" y="4605138"/>
+            <a:ext cx="0" cy="384831"/>
+          </a:xfrm>
+          <a:prstGeom prst="line">
+            <a:avLst/>
+          </a:prstGeom>
+        </p:spPr>
+        <p:style>
+          <a:lnRef idx="2">
+            <a:schemeClr val="accent1"/>
+          </a:lnRef>
+          <a:fillRef idx="0">
+            <a:schemeClr val="accent1"/>
+          </a:fillRef>
+          <a:effectRef idx="1">
+            <a:schemeClr val="accent1"/>
+          </a:effectRef>
+          <a:fontRef idx="minor">
+            <a:schemeClr val="tx1"/>
+          </a:fontRef>
+        </p:style>
+      </p:cxnSp>
+      <p:cxnSp>
+        <p:nvCxnSpPr>
+          <p:cNvPr id="12" name="Straight Connector 11"/>
+          <p:cNvCxnSpPr/>
+          <p:nvPr/>
+        </p:nvCxnSpPr>
+        <p:spPr>
+          <a:xfrm flipV="1">
+            <a:off x="3550584" y="4605138"/>
+            <a:ext cx="0" cy="384831"/>
+          </a:xfrm>
+          <a:prstGeom prst="line">
+            <a:avLst/>
+          </a:prstGeom>
+        </p:spPr>
+        <p:style>
+          <a:lnRef idx="2">
+            <a:schemeClr val="accent1"/>
+          </a:lnRef>
+          <a:fillRef idx="0">
+            <a:schemeClr val="accent1"/>
+          </a:fillRef>
+          <a:effectRef idx="1">
+            <a:schemeClr val="accent1"/>
+          </a:effectRef>
+          <a:fontRef idx="minor">
+            <a:schemeClr val="tx1"/>
+          </a:fontRef>
+        </p:style>
+      </p:cxnSp>
+      <p:cxnSp>
+        <p:nvCxnSpPr>
+          <p:cNvPr id="13" name="Straight Connector 12"/>
+          <p:cNvCxnSpPr/>
+          <p:nvPr/>
+        </p:nvCxnSpPr>
+        <p:spPr>
+          <a:xfrm flipV="1">
+            <a:off x="4844781" y="4605138"/>
+            <a:ext cx="0" cy="384831"/>
+          </a:xfrm>
+          <a:prstGeom prst="line">
+            <a:avLst/>
+          </a:prstGeom>
+        </p:spPr>
+        <p:style>
+          <a:lnRef idx="2">
+            <a:schemeClr val="accent1"/>
+          </a:lnRef>
+          <a:fillRef idx="0">
+            <a:schemeClr val="accent1"/>
+          </a:fillRef>
+          <a:effectRef idx="1">
+            <a:schemeClr val="accent1"/>
+          </a:effectRef>
+          <a:fontRef idx="minor">
+            <a:schemeClr val="tx1"/>
+          </a:fontRef>
+        </p:style>
+      </p:cxnSp>
+      <p:cxnSp>
+        <p:nvCxnSpPr>
+          <p:cNvPr id="14" name="Straight Connector 13"/>
+          <p:cNvCxnSpPr/>
+          <p:nvPr/>
+        </p:nvCxnSpPr>
+        <p:spPr>
+          <a:xfrm flipV="1">
+            <a:off x="6203125" y="4605138"/>
+            <a:ext cx="0" cy="384831"/>
+          </a:xfrm>
+          <a:prstGeom prst="line">
+            <a:avLst/>
+          </a:prstGeom>
+        </p:spPr>
+        <p:style>
+          <a:lnRef idx="2">
+            <a:schemeClr val="accent1"/>
+          </a:lnRef>
+          <a:fillRef idx="0">
+            <a:schemeClr val="accent1"/>
+          </a:fillRef>
+          <a:effectRef idx="1">
+            <a:schemeClr val="accent1"/>
+          </a:effectRef>
+          <a:fontRef idx="minor">
+            <a:schemeClr val="tx1"/>
+          </a:fontRef>
+        </p:style>
+      </p:cxnSp>
+      <p:sp>
+        <p:nvSpPr>
+          <p:cNvPr id="15" name="TextBox 14"/>
+          <p:cNvSpPr txBox="1"/>
+          <p:nvPr/>
+        </p:nvSpPr>
+        <p:spPr>
+          <a:xfrm>
+            <a:off x="244552" y="4046201"/>
+            <a:ext cx="1398381" cy="369332"/>
+          </a:xfrm>
+          <a:prstGeom prst="rect">
+            <a:avLst/>
+          </a:prstGeom>
+        </p:spPr>
+        <p:style>
+          <a:lnRef idx="2">
+            <a:schemeClr val="dk1">
+              <a:shade val="50000"/>
+            </a:schemeClr>
+          </a:lnRef>
+          <a:fillRef idx="1">
+            <a:schemeClr val="dk1"/>
+          </a:fillRef>
+          <a:effectRef idx="0">
+            <a:schemeClr val="dk1"/>
+          </a:effectRef>
+          <a:fontRef idx="minor">
+            <a:schemeClr val="lt1"/>
+          </a:fontRef>
+        </p:style>
+        <p:txBody>
+          <a:bodyPr wrap="square" rtlCol="0">
+            <a:spAutoFit/>
+          </a:bodyPr>
+          <a:lstStyle/>
+          <a:p>
+            <a:r>
+              <a:rPr lang="en-US" dirty="0" smtClean="0">
+                <a:latin typeface="Courier"/>
+                <a:cs typeface="Courier"/>
+              </a:rPr>
+              <a:t>21:15:00</a:t>
+            </a:r>
+            <a:endParaRPr lang="en-US" dirty="0">
+              <a:latin typeface="Courier"/>
+              <a:cs typeface="Courier"/>
+            </a:endParaRPr>
+          </a:p>
+        </p:txBody>
+      </p:sp>
+      <p:sp>
+        <p:nvSpPr>
+          <p:cNvPr id="16" name="TextBox 15"/>
+          <p:cNvSpPr txBox="1"/>
+          <p:nvPr/>
+        </p:nvSpPr>
+        <p:spPr>
+          <a:xfrm>
+            <a:off x="1642933" y="5147850"/>
+            <a:ext cx="1398381" cy="369332"/>
+          </a:xfrm>
+          <a:prstGeom prst="rect">
+            <a:avLst/>
+          </a:prstGeom>
+        </p:spPr>
+        <p:style>
+          <a:lnRef idx="2">
+            <a:schemeClr val="dk1">
+              <a:shade val="50000"/>
+            </a:schemeClr>
+          </a:lnRef>
+          <a:fillRef idx="1">
+            <a:schemeClr val="dk1"/>
+          </a:fillRef>
+          <a:effectRef idx="0">
+            <a:schemeClr val="dk1"/>
+          </a:effectRef>
+          <a:fontRef idx="minor">
+            <a:schemeClr val="lt1"/>
+          </a:fontRef>
+        </p:style>
+        <p:txBody>
+          <a:bodyPr wrap="square" rtlCol="0">
+            <a:spAutoFit/>
+          </a:bodyPr>
+          <a:lstStyle/>
+          <a:p>
+            <a:r>
+              <a:rPr lang="en-US" dirty="0" smtClean="0">
+                <a:latin typeface="Courier"/>
+                <a:cs typeface="Courier"/>
+              </a:rPr>
+              <a:t>21:15:00</a:t>
+            </a:r>
+            <a:endParaRPr lang="en-US" dirty="0">
+              <a:latin typeface="Courier"/>
+              <a:cs typeface="Courier"/>
+            </a:endParaRPr>
+          </a:p>
+        </p:txBody>
+      </p:sp>
+      <p:sp>
+        <p:nvSpPr>
+          <p:cNvPr id="17" name="TextBox 16"/>
+          <p:cNvSpPr txBox="1"/>
+          <p:nvPr/>
+        </p:nvSpPr>
+        <p:spPr>
+          <a:xfrm>
+            <a:off x="2851393" y="4046201"/>
+            <a:ext cx="1398381" cy="369332"/>
+          </a:xfrm>
+          <a:prstGeom prst="rect">
+            <a:avLst/>
+          </a:prstGeom>
+        </p:spPr>
+        <p:style>
+          <a:lnRef idx="2">
+            <a:schemeClr val="dk1">
+              <a:shade val="50000"/>
+            </a:schemeClr>
+          </a:lnRef>
+          <a:fillRef idx="1">
+            <a:schemeClr val="dk1"/>
+          </a:fillRef>
+          <a:effectRef idx="0">
+            <a:schemeClr val="dk1"/>
+          </a:effectRef>
+          <a:fontRef idx="minor">
+            <a:schemeClr val="lt1"/>
+          </a:fontRef>
+        </p:style>
+        <p:txBody>
+          <a:bodyPr wrap="square" rtlCol="0">
+            <a:spAutoFit/>
+          </a:bodyPr>
+          <a:lstStyle/>
+          <a:p>
+            <a:r>
+              <a:rPr lang="en-US" dirty="0" smtClean="0">
+                <a:latin typeface="Courier"/>
+                <a:cs typeface="Courier"/>
+              </a:rPr>
+              <a:t>21:15:00</a:t>
+            </a:r>
+            <a:endParaRPr lang="en-US" dirty="0">
+              <a:latin typeface="Courier"/>
+              <a:cs typeface="Courier"/>
+            </a:endParaRPr>
+          </a:p>
+        </p:txBody>
+      </p:sp>
+      <p:sp>
+        <p:nvSpPr>
+          <p:cNvPr id="18" name="TextBox 17"/>
+          <p:cNvSpPr txBox="1"/>
+          <p:nvPr/>
+        </p:nvSpPr>
+        <p:spPr>
+          <a:xfrm>
+            <a:off x="4145590" y="5147850"/>
+            <a:ext cx="1398381" cy="369332"/>
+          </a:xfrm>
+          <a:prstGeom prst="rect">
+            <a:avLst/>
+          </a:prstGeom>
+        </p:spPr>
+        <p:style>
+          <a:lnRef idx="2">
+            <a:schemeClr val="dk1">
+              <a:shade val="50000"/>
+            </a:schemeClr>
+          </a:lnRef>
+          <a:fillRef idx="1">
+            <a:schemeClr val="dk1"/>
+          </a:fillRef>
+          <a:effectRef idx="0">
+            <a:schemeClr val="dk1"/>
+          </a:effectRef>
+          <a:fontRef idx="minor">
+            <a:schemeClr val="lt1"/>
+          </a:fontRef>
+        </p:style>
+        <p:txBody>
+          <a:bodyPr wrap="square" rtlCol="0">
+            <a:spAutoFit/>
+          </a:bodyPr>
+          <a:lstStyle/>
+          <a:p>
+            <a:r>
+              <a:rPr lang="en-US" dirty="0" smtClean="0">
+                <a:latin typeface="Courier"/>
+                <a:cs typeface="Courier"/>
+              </a:rPr>
+              <a:t>21:15:00</a:t>
+            </a:r>
+            <a:endParaRPr lang="en-US" dirty="0">
+              <a:latin typeface="Courier"/>
+              <a:cs typeface="Courier"/>
+            </a:endParaRPr>
+          </a:p>
+        </p:txBody>
+      </p:sp>
+      <p:sp>
+        <p:nvSpPr>
+          <p:cNvPr id="19" name="TextBox 18"/>
+          <p:cNvSpPr txBox="1"/>
+          <p:nvPr/>
+        </p:nvSpPr>
+        <p:spPr>
+          <a:xfrm>
+            <a:off x="5503934" y="4046201"/>
+            <a:ext cx="1398381" cy="369332"/>
+          </a:xfrm>
+          <a:prstGeom prst="rect">
+            <a:avLst/>
+          </a:prstGeom>
+        </p:spPr>
+        <p:style>
+          <a:lnRef idx="2">
+            <a:schemeClr val="dk1">
+              <a:shade val="50000"/>
+            </a:schemeClr>
+          </a:lnRef>
+          <a:fillRef idx="1">
+            <a:schemeClr val="dk1"/>
+          </a:fillRef>
+          <a:effectRef idx="0">
+            <a:schemeClr val="dk1"/>
+          </a:effectRef>
+          <a:fontRef idx="minor">
+            <a:schemeClr val="lt1"/>
+          </a:fontRef>
+        </p:style>
+        <p:txBody>
+          <a:bodyPr wrap="square" rtlCol="0">
+            <a:spAutoFit/>
+          </a:bodyPr>
+          <a:lstStyle/>
+          <a:p>
+            <a:r>
+              <a:rPr lang="en-US" dirty="0" smtClean="0">
+                <a:latin typeface="Courier"/>
+                <a:cs typeface="Courier"/>
+              </a:rPr>
+              <a:t>21:15:00</a:t>
+            </a:r>
+            <a:endParaRPr lang="en-US" dirty="0">
+              <a:latin typeface="Courier"/>
+              <a:cs typeface="Courier"/>
+            </a:endParaRPr>
+          </a:p>
+        </p:txBody>
+      </p:sp>
+      <p:sp>
+        <p:nvSpPr>
+          <p:cNvPr id="20" name="TextBox 19"/>
+          <p:cNvSpPr txBox="1"/>
+          <p:nvPr/>
+        </p:nvSpPr>
+        <p:spPr>
+          <a:xfrm>
+            <a:off x="7338293" y="4989969"/>
+            <a:ext cx="1026334" cy="369332"/>
+          </a:xfrm>
+          <a:prstGeom prst="rect">
+            <a:avLst/>
+          </a:prstGeom>
+          <a:noFill/>
+        </p:spPr>
+        <p:txBody>
+          <a:bodyPr wrap="square" rtlCol="0">
+            <a:spAutoFit/>
+          </a:bodyPr>
+          <a:lstStyle/>
+          <a:p>
+            <a:r>
+              <a:rPr lang="en-US" dirty="0" smtClean="0"/>
+              <a:t>Distance</a:t>
+            </a:r>
+            <a:endParaRPr lang="en-US" dirty="0"/>
+          </a:p>
+        </p:txBody>
+      </p:sp>
+    </p:spTree>
+    <p:extLst>
+      <p:ext uri="{BB962C8B-B14F-4D97-AF65-F5344CB8AC3E}">
+        <p14:creationId xmlns:p14="http://schemas.microsoft.com/office/powerpoint/2010/main" val="563483356"/>
+      </p:ext>
+    </p:extLst>
+  </p:cSld>
+  <p:clrMapOvr>
+    <a:masterClrMapping/>
+  </p:clrMapOvr>
+  <p:timing>
+    <p:tnLst>
+      <p:par>
+        <p:cTn xmlns:p14="http://schemas.microsoft.com/office/powerpoint/2010/main" id="1" dur="indefinite" restart="never" nodeType="tmRoot"/>
+      </p:par>
+    </p:tnLst>
+  </p:timing>
+</p:sld>
+</file>
+
+<file path=ppt/slides/slide24.xml><?xml version="1.0" encoding="utf-8"?>
+<p:sld xmlns:a="http://schemas.openxmlformats.org/drawingml/2006/main" xmlns:r="http://schemas.openxmlformats.org/officeDocument/2006/relationships" xmlns:p="http://schemas.openxmlformats.org/presentationml/2006/main">
+  <p:cSld>
+    <p:spTree>
+      <p:nvGrpSpPr>
+        <p:cNvPr id="1" name=""/>
+        <p:cNvGrpSpPr/>
+        <p:nvPr/>
+      </p:nvGrpSpPr>
+      <p:grpSpPr>
+        <a:xfrm>
+          <a:off x="0" y="0"/>
+          <a:ext cx="0" cy="0"/>
+          <a:chOff x="0" y="0"/>
+          <a:chExt cx="0" cy="0"/>
+        </a:xfrm>
+      </p:grpSpPr>
+      <p:sp>
+        <p:nvSpPr>
+          <p:cNvPr id="2" name="Title 1"/>
+          <p:cNvSpPr>
+            <a:spLocks noGrp="1"/>
+          </p:cNvSpPr>
+          <p:nvPr>
+            <p:ph type="title"/>
+          </p:nvPr>
+        </p:nvSpPr>
+        <p:spPr/>
+        <p:txBody>
+          <a:bodyPr/>
+          <a:lstStyle/>
+          <a:p>
+            <a:r>
+              <a:rPr lang="en-US" dirty="0" err="1" smtClean="0"/>
+              <a:t>Mesure</a:t>
+            </a:r>
+            <a:r>
+              <a:rPr lang="en-US" dirty="0" smtClean="0"/>
+              <a:t> du temps relative</a:t>
+            </a:r>
+            <a:endParaRPr lang="en-US" dirty="0"/>
+          </a:p>
+        </p:txBody>
+      </p:sp>
+      <p:sp>
+        <p:nvSpPr>
+          <p:cNvPr id="3" name="Content Placeholder 2"/>
+          <p:cNvSpPr>
+            <a:spLocks noGrp="1"/>
+          </p:cNvSpPr>
+          <p:nvPr>
+            <p:ph idx="1"/>
+          </p:nvPr>
+        </p:nvSpPr>
+        <p:spPr/>
+        <p:txBody>
+          <a:bodyPr/>
+          <a:lstStyle/>
+          <a:p>
+            <a:pPr marL="0" indent="0">
+              <a:buNone/>
+            </a:pPr>
+            <a:endParaRPr lang="en-US" dirty="0"/>
+          </a:p>
+          <a:p>
+            <a:endParaRPr lang="en-US" dirty="0"/>
+          </a:p>
+        </p:txBody>
+      </p:sp>
+      <p:grpSp>
+        <p:nvGrpSpPr>
+          <p:cNvPr id="8" name="Group 7"/>
+          <p:cNvGrpSpPr/>
+          <p:nvPr/>
+        </p:nvGrpSpPr>
+        <p:grpSpPr>
+          <a:xfrm>
+            <a:off x="945987" y="3926261"/>
+            <a:ext cx="2112272" cy="2151021"/>
+            <a:chOff x="1373625" y="2850751"/>
+            <a:chExt cx="2112272" cy="2151021"/>
+          </a:xfrm>
+        </p:grpSpPr>
+        <p:cxnSp>
+          <p:nvCxnSpPr>
+            <p:cNvPr id="5" name="Straight Arrow Connector 4"/>
+            <p:cNvCxnSpPr/>
+            <p:nvPr/>
+          </p:nvCxnSpPr>
+          <p:spPr>
+            <a:xfrm flipH="1" flipV="1">
+              <a:off x="1373625" y="2850751"/>
+              <a:ext cx="12959" cy="2151021"/>
+            </a:xfrm>
+            <a:prstGeom prst="straightConnector1">
+              <a:avLst/>
+            </a:prstGeom>
+            <a:ln>
+              <a:tailEnd type="arrow"/>
+            </a:ln>
+          </p:spPr>
+          <p:style>
+            <a:lnRef idx="2">
+              <a:schemeClr val="accent1"/>
+            </a:lnRef>
+            <a:fillRef idx="0">
+              <a:schemeClr val="accent1"/>
+            </a:fillRef>
+            <a:effectRef idx="1">
+              <a:schemeClr val="accent1"/>
+            </a:effectRef>
+            <a:fontRef idx="minor">
+              <a:schemeClr val="tx1"/>
+            </a:fontRef>
+          </p:style>
+        </p:cxnSp>
+        <p:cxnSp>
+          <p:nvCxnSpPr>
+            <p:cNvPr id="7" name="Straight Arrow Connector 6"/>
+            <p:cNvCxnSpPr/>
+            <p:nvPr/>
+          </p:nvCxnSpPr>
+          <p:spPr>
+            <a:xfrm>
+              <a:off x="1386584" y="5001772"/>
+              <a:ext cx="2099313" cy="0"/>
+            </a:xfrm>
+            <a:prstGeom prst="straightConnector1">
+              <a:avLst/>
+            </a:prstGeom>
+            <a:ln>
+              <a:tailEnd type="arrow"/>
+            </a:ln>
+          </p:spPr>
+          <p:style>
+            <a:lnRef idx="2">
+              <a:schemeClr val="accent1"/>
+            </a:lnRef>
+            <a:fillRef idx="0">
+              <a:schemeClr val="accent1"/>
+            </a:fillRef>
+            <a:effectRef idx="1">
+              <a:schemeClr val="accent1"/>
+            </a:effectRef>
+            <a:fontRef idx="minor">
+              <a:schemeClr val="tx1"/>
+            </a:fontRef>
+          </p:style>
+        </p:cxnSp>
+      </p:grpSp>
+      <p:grpSp>
+        <p:nvGrpSpPr>
+          <p:cNvPr id="9" name="Group 8"/>
+          <p:cNvGrpSpPr/>
+          <p:nvPr/>
+        </p:nvGrpSpPr>
+        <p:grpSpPr>
+          <a:xfrm>
+            <a:off x="2073396" y="2324815"/>
+            <a:ext cx="2112272" cy="2151021"/>
+            <a:chOff x="1373625" y="2850751"/>
+            <a:chExt cx="2112272" cy="2151021"/>
+          </a:xfrm>
+        </p:grpSpPr>
+        <p:cxnSp>
+          <p:nvCxnSpPr>
+            <p:cNvPr id="10" name="Straight Arrow Connector 9"/>
+            <p:cNvCxnSpPr/>
+            <p:nvPr/>
+          </p:nvCxnSpPr>
+          <p:spPr>
+            <a:xfrm flipH="1" flipV="1">
+              <a:off x="1373625" y="2850751"/>
+              <a:ext cx="12959" cy="2151021"/>
+            </a:xfrm>
+            <a:prstGeom prst="straightConnector1">
+              <a:avLst/>
+            </a:prstGeom>
+            <a:ln>
+              <a:tailEnd type="arrow"/>
+            </a:ln>
+          </p:spPr>
+          <p:style>
+            <a:lnRef idx="2">
+              <a:schemeClr val="accent1"/>
+            </a:lnRef>
+            <a:fillRef idx="0">
+              <a:schemeClr val="accent1"/>
+            </a:fillRef>
+            <a:effectRef idx="1">
+              <a:schemeClr val="accent1"/>
+            </a:effectRef>
+            <a:fontRef idx="minor">
+              <a:schemeClr val="tx1"/>
+            </a:fontRef>
+          </p:style>
+        </p:cxnSp>
+        <p:cxnSp>
+          <p:nvCxnSpPr>
+            <p:cNvPr id="11" name="Straight Arrow Connector 10"/>
+            <p:cNvCxnSpPr/>
+            <p:nvPr/>
+          </p:nvCxnSpPr>
+          <p:spPr>
+            <a:xfrm>
+              <a:off x="1386584" y="5001772"/>
+              <a:ext cx="2099313" cy="0"/>
+            </a:xfrm>
+            <a:prstGeom prst="straightConnector1">
+              <a:avLst/>
+            </a:prstGeom>
+            <a:ln>
+              <a:tailEnd type="arrow"/>
+            </a:ln>
+          </p:spPr>
+          <p:style>
+            <a:lnRef idx="2">
+              <a:schemeClr val="accent1"/>
+            </a:lnRef>
+            <a:fillRef idx="0">
+              <a:schemeClr val="accent1"/>
+            </a:fillRef>
+            <a:effectRef idx="1">
+              <a:schemeClr val="accent1"/>
+            </a:effectRef>
+            <a:fontRef idx="minor">
+              <a:schemeClr val="tx1"/>
+            </a:fontRef>
+          </p:style>
+        </p:cxnSp>
+      </p:grpSp>
+      <p:sp>
+        <p:nvSpPr>
+          <p:cNvPr id="12" name="Right Arrow 11"/>
+          <p:cNvSpPr/>
+          <p:nvPr/>
+        </p:nvSpPr>
+        <p:spPr>
+          <a:xfrm>
+            <a:off x="2452304" y="3180041"/>
+            <a:ext cx="777524" cy="453529"/>
+          </a:xfrm>
+          <a:prstGeom prst="rightArrow">
+            <a:avLst/>
+          </a:prstGeom>
+        </p:spPr>
+        <p:style>
+          <a:lnRef idx="1">
+            <a:schemeClr val="accent1"/>
+          </a:lnRef>
+          <a:fillRef idx="3">
+            <a:schemeClr val="accent1"/>
+          </a:fillRef>
+          <a:effectRef idx="2">
+            <a:schemeClr val="accent1"/>
+          </a:effectRef>
+          <a:fontRef idx="minor">
+            <a:schemeClr val="lt1"/>
+          </a:fontRef>
+        </p:style>
+        <p:txBody>
+          <a:bodyPr rtlCol="0" anchor="ctr"/>
+          <a:lstStyle/>
+          <a:p>
+            <a:pPr algn="ctr"/>
+            <a:r>
+              <a:rPr lang="en-US" dirty="0"/>
+              <a:t>V</a:t>
+            </a:r>
+          </a:p>
+        </p:txBody>
+      </p:sp>
+      <p:sp>
+        <p:nvSpPr>
+          <p:cNvPr id="18" name="TextBox 17"/>
+          <p:cNvSpPr txBox="1"/>
+          <p:nvPr/>
+        </p:nvSpPr>
+        <p:spPr>
+          <a:xfrm>
+            <a:off x="547911" y="6126163"/>
+            <a:ext cx="501746" cy="369332"/>
+          </a:xfrm>
+          <a:prstGeom prst="rect">
+            <a:avLst/>
+          </a:prstGeom>
+          <a:noFill/>
+        </p:spPr>
+        <p:txBody>
+          <a:bodyPr wrap="square" rtlCol="0">
+            <a:spAutoFit/>
+          </a:bodyPr>
+          <a:lstStyle/>
+          <a:p>
+            <a:r>
+              <a:rPr lang="en-US" dirty="0" smtClean="0"/>
+              <a:t>O</a:t>
+            </a:r>
+            <a:endParaRPr lang="en-US" dirty="0"/>
+          </a:p>
+        </p:txBody>
+      </p:sp>
+      <p:sp>
+        <p:nvSpPr>
+          <p:cNvPr id="19" name="TextBox 18"/>
+          <p:cNvSpPr txBox="1"/>
+          <p:nvPr/>
+        </p:nvSpPr>
+        <p:spPr>
+          <a:xfrm>
+            <a:off x="1727155" y="4475836"/>
+            <a:ext cx="501746" cy="369332"/>
+          </a:xfrm>
+          <a:prstGeom prst="rect">
+            <a:avLst/>
+          </a:prstGeom>
+          <a:noFill/>
+        </p:spPr>
+        <p:txBody>
+          <a:bodyPr wrap="square" rtlCol="0">
+            <a:spAutoFit/>
+          </a:bodyPr>
+          <a:lstStyle/>
+          <a:p>
+            <a:r>
+              <a:rPr lang="en-US" dirty="0" smtClean="0"/>
+              <a:t>O’</a:t>
+            </a:r>
+            <a:endParaRPr lang="en-US" dirty="0"/>
+          </a:p>
+        </p:txBody>
+      </p:sp>
+      <p:cxnSp>
+        <p:nvCxnSpPr>
+          <p:cNvPr id="26" name="Straight Connector 25"/>
+          <p:cNvCxnSpPr/>
+          <p:nvPr/>
+        </p:nvCxnSpPr>
+        <p:spPr>
+          <a:xfrm>
+            <a:off x="2073396" y="5413282"/>
+            <a:ext cx="518099" cy="0"/>
+          </a:xfrm>
+          <a:prstGeom prst="line">
+            <a:avLst/>
+          </a:prstGeom>
+        </p:spPr>
+        <p:style>
+          <a:lnRef idx="2">
+            <a:schemeClr val="accent1"/>
+          </a:lnRef>
+          <a:fillRef idx="0">
+            <a:schemeClr val="accent1"/>
+          </a:fillRef>
+          <a:effectRef idx="1">
+            <a:schemeClr val="accent1"/>
+          </a:effectRef>
+          <a:fontRef idx="minor">
+            <a:schemeClr val="tx1"/>
+          </a:fontRef>
+        </p:style>
+      </p:cxnSp>
+      <p:cxnSp>
+        <p:nvCxnSpPr>
+          <p:cNvPr id="28" name="Straight Connector 27"/>
+          <p:cNvCxnSpPr/>
+          <p:nvPr/>
+        </p:nvCxnSpPr>
+        <p:spPr>
+          <a:xfrm>
+            <a:off x="2073396" y="5926390"/>
+            <a:ext cx="518099" cy="0"/>
+          </a:xfrm>
+          <a:prstGeom prst="line">
+            <a:avLst/>
+          </a:prstGeom>
+        </p:spPr>
+        <p:style>
+          <a:lnRef idx="2">
+            <a:schemeClr val="accent1"/>
+          </a:lnRef>
+          <a:fillRef idx="0">
+            <a:schemeClr val="accent1"/>
+          </a:fillRef>
+          <a:effectRef idx="1">
+            <a:schemeClr val="accent1"/>
+          </a:effectRef>
+          <a:fontRef idx="minor">
+            <a:schemeClr val="tx1"/>
+          </a:fontRef>
+        </p:style>
+      </p:cxnSp>
+      <p:cxnSp>
+        <p:nvCxnSpPr>
+          <p:cNvPr id="30" name="Straight Arrow Connector 29"/>
+          <p:cNvCxnSpPr/>
+          <p:nvPr/>
+        </p:nvCxnSpPr>
+        <p:spPr>
+          <a:xfrm flipV="1">
+            <a:off x="2334911" y="5413283"/>
+            <a:ext cx="0" cy="513107"/>
+          </a:xfrm>
+          <a:prstGeom prst="straightConnector1">
+            <a:avLst/>
+          </a:prstGeom>
+          <a:ln>
+            <a:prstDash val="sysDash"/>
+            <a:headEnd type="arrow"/>
+            <a:tailEnd type="arrow"/>
+          </a:ln>
+        </p:spPr>
+        <p:style>
+          <a:lnRef idx="2">
+            <a:schemeClr val="accent1"/>
+          </a:lnRef>
+          <a:fillRef idx="0">
+            <a:schemeClr val="accent1"/>
+          </a:fillRef>
+          <a:effectRef idx="1">
+            <a:schemeClr val="accent1"/>
+          </a:effectRef>
+          <a:fontRef idx="minor">
+            <a:schemeClr val="tx1"/>
+          </a:fontRef>
+        </p:style>
+      </p:cxnSp>
+      <p:cxnSp>
+        <p:nvCxnSpPr>
+          <p:cNvPr id="32" name="Straight Connector 31"/>
+          <p:cNvCxnSpPr/>
+          <p:nvPr/>
+        </p:nvCxnSpPr>
+        <p:spPr>
+          <a:xfrm>
+            <a:off x="3354765" y="3795462"/>
+            <a:ext cx="518099" cy="0"/>
+          </a:xfrm>
+          <a:prstGeom prst="line">
+            <a:avLst/>
+          </a:prstGeom>
+        </p:spPr>
+        <p:style>
+          <a:lnRef idx="2">
+            <a:schemeClr val="accent1"/>
+          </a:lnRef>
+          <a:fillRef idx="0">
+            <a:schemeClr val="accent1"/>
+          </a:fillRef>
+          <a:effectRef idx="1">
+            <a:schemeClr val="accent1"/>
+          </a:effectRef>
+          <a:fontRef idx="minor">
+            <a:schemeClr val="tx1"/>
+          </a:fontRef>
+        </p:style>
+      </p:cxnSp>
+      <p:cxnSp>
+        <p:nvCxnSpPr>
+          <p:cNvPr id="33" name="Straight Connector 32"/>
+          <p:cNvCxnSpPr/>
+          <p:nvPr/>
+        </p:nvCxnSpPr>
+        <p:spPr>
+          <a:xfrm>
+            <a:off x="3354765" y="4308570"/>
+            <a:ext cx="518099" cy="0"/>
+          </a:xfrm>
+          <a:prstGeom prst="line">
+            <a:avLst/>
+          </a:prstGeom>
+        </p:spPr>
+        <p:style>
+          <a:lnRef idx="2">
+            <a:schemeClr val="accent1"/>
+          </a:lnRef>
+          <a:fillRef idx="0">
+            <a:schemeClr val="accent1"/>
+          </a:fillRef>
+          <a:effectRef idx="1">
+            <a:schemeClr val="accent1"/>
+          </a:effectRef>
+          <a:fontRef idx="minor">
+            <a:schemeClr val="tx1"/>
+          </a:fontRef>
+        </p:style>
+      </p:cxnSp>
+      <p:cxnSp>
+        <p:nvCxnSpPr>
+          <p:cNvPr id="34" name="Straight Arrow Connector 33"/>
+          <p:cNvCxnSpPr/>
+          <p:nvPr/>
+        </p:nvCxnSpPr>
+        <p:spPr>
+          <a:xfrm flipV="1">
+            <a:off x="3616280" y="3795463"/>
+            <a:ext cx="0" cy="513107"/>
+          </a:xfrm>
+          <a:prstGeom prst="straightConnector1">
+            <a:avLst/>
+          </a:prstGeom>
+          <a:ln>
+            <a:prstDash val="sysDash"/>
+            <a:headEnd type="arrow"/>
+            <a:tailEnd type="arrow"/>
+          </a:ln>
+        </p:spPr>
+        <p:style>
+          <a:lnRef idx="2">
+            <a:schemeClr val="accent1"/>
+          </a:lnRef>
+          <a:fillRef idx="0">
+            <a:schemeClr val="accent1"/>
+          </a:fillRef>
+          <a:effectRef idx="1">
+            <a:schemeClr val="accent1"/>
+          </a:effectRef>
+          <a:fontRef idx="minor">
+            <a:schemeClr val="tx1"/>
+          </a:fontRef>
+        </p:style>
+      </p:cxnSp>
+      <p:sp>
+        <p:nvSpPr>
+          <p:cNvPr id="35" name="TextBox 34"/>
+          <p:cNvSpPr txBox="1"/>
+          <p:nvPr/>
+        </p:nvSpPr>
+        <p:spPr>
+          <a:xfrm>
+            <a:off x="2835249" y="5567214"/>
+            <a:ext cx="898043" cy="369332"/>
+          </a:xfrm>
+          <a:prstGeom prst="rect">
+            <a:avLst/>
+          </a:prstGeom>
+          <a:noFill/>
+        </p:spPr>
+        <p:txBody>
+          <a:bodyPr wrap="square" rtlCol="0">
+            <a:spAutoFit/>
+          </a:bodyPr>
+          <a:lstStyle/>
+          <a:p>
+            <a:r>
+              <a:rPr lang="en-US" dirty="0" smtClean="0"/>
+              <a:t>T=2h/c</a:t>
+            </a:r>
+            <a:endParaRPr lang="en-US" dirty="0"/>
+          </a:p>
+        </p:txBody>
+      </p:sp>
+      <p:sp>
+        <p:nvSpPr>
+          <p:cNvPr id="39" name="TextBox 38"/>
+          <p:cNvSpPr txBox="1"/>
+          <p:nvPr/>
+        </p:nvSpPr>
+        <p:spPr>
+          <a:xfrm>
+            <a:off x="3872864" y="3819586"/>
+            <a:ext cx="898043" cy="369332"/>
+          </a:xfrm>
+          <a:prstGeom prst="rect">
+            <a:avLst/>
+          </a:prstGeom>
+          <a:noFill/>
+        </p:spPr>
+        <p:txBody>
+          <a:bodyPr wrap="square" rtlCol="0">
+            <a:spAutoFit/>
+          </a:bodyPr>
+          <a:lstStyle/>
+          <a:p>
+            <a:r>
+              <a:rPr lang="en-US" dirty="0" smtClean="0"/>
+              <a:t>T’=2h/c</a:t>
+            </a:r>
+            <a:endParaRPr lang="en-US" dirty="0"/>
+          </a:p>
+        </p:txBody>
+      </p:sp>
+    </p:spTree>
+    <p:extLst>
+      <p:ext uri="{BB962C8B-B14F-4D97-AF65-F5344CB8AC3E}">
+        <p14:creationId xmlns:p14="http://schemas.microsoft.com/office/powerpoint/2010/main" val="3529463270"/>
+      </p:ext>
+    </p:extLst>
+  </p:cSld>
+  <p:clrMapOvr>
+    <a:masterClrMapping/>
+  </p:clrMapOvr>
+  <p:timing>
+    <p:tnLst>
+      <p:par>
+        <p:cTn xmlns:p14="http://schemas.microsoft.com/office/powerpoint/2010/main" id="1" dur="indefinite" restart="never" nodeType="tmRoot"/>
+      </p:par>
+    </p:tnLst>
+  </p:timing>
+</p:sld>
+</file>
+
+<file path=ppt/slides/slide25.xml><?xml version="1.0" encoding="utf-8"?>
+<p:sld xmlns:a="http://schemas.openxmlformats.org/drawingml/2006/main" xmlns:r="http://schemas.openxmlformats.org/officeDocument/2006/relationships" xmlns:p="http://schemas.openxmlformats.org/presentationml/2006/main">
+  <p:cSld>
+    <p:spTree>
+      <p:nvGrpSpPr>
+        <p:cNvPr id="1" name=""/>
+        <p:cNvGrpSpPr/>
+        <p:nvPr/>
+      </p:nvGrpSpPr>
+      <p:grpSpPr>
+        <a:xfrm>
+          <a:off x="0" y="0"/>
+          <a:ext cx="0" cy="0"/>
+          <a:chOff x="0" y="0"/>
+          <a:chExt cx="0" cy="0"/>
+        </a:xfrm>
+      </p:grpSpPr>
+      <p:sp>
+        <p:nvSpPr>
+          <p:cNvPr id="2" name="Title 1"/>
+          <p:cNvSpPr>
+            <a:spLocks noGrp="1"/>
+          </p:cNvSpPr>
+          <p:nvPr>
+            <p:ph type="title"/>
+          </p:nvPr>
+        </p:nvSpPr>
+        <p:spPr/>
+        <p:txBody>
+          <a:bodyPr/>
+          <a:lstStyle/>
+          <a:p>
+            <a:r>
+              <a:rPr lang="en-US" dirty="0" err="1" smtClean="0"/>
+              <a:t>Mesure</a:t>
+            </a:r>
+            <a:r>
+              <a:rPr lang="en-US" dirty="0" smtClean="0"/>
+              <a:t> du temps relative</a:t>
+            </a:r>
+            <a:endParaRPr lang="en-US" dirty="0"/>
+          </a:p>
+        </p:txBody>
+      </p:sp>
+      <p:sp>
+        <p:nvSpPr>
+          <p:cNvPr id="3" name="Content Placeholder 2"/>
+          <p:cNvSpPr>
+            <a:spLocks noGrp="1"/>
+          </p:cNvSpPr>
+          <p:nvPr>
+            <p:ph idx="1"/>
+          </p:nvPr>
+        </p:nvSpPr>
+        <p:spPr>
+          <a:xfrm>
+            <a:off x="457200" y="1600200"/>
+            <a:ext cx="8229600" cy="772921"/>
+          </a:xfrm>
+        </p:spPr>
+        <p:txBody>
+          <a:bodyPr/>
+          <a:lstStyle/>
+          <a:p>
+            <a:r>
+              <a:rPr lang="en-US" dirty="0" smtClean="0"/>
+              <a:t>Comment O </a:t>
+            </a:r>
+            <a:r>
+              <a:rPr lang="en-US" dirty="0" err="1" smtClean="0"/>
+              <a:t>voit</a:t>
+            </a:r>
+            <a:r>
+              <a:rPr lang="en-US" dirty="0" smtClean="0"/>
+              <a:t> </a:t>
+            </a:r>
+            <a:r>
+              <a:rPr lang="en-US" dirty="0" err="1" smtClean="0"/>
+              <a:t>l’horloge</a:t>
+            </a:r>
+            <a:r>
+              <a:rPr lang="en-US" dirty="0" smtClean="0"/>
+              <a:t> </a:t>
+            </a:r>
+            <a:r>
+              <a:rPr lang="en-US" dirty="0" err="1" smtClean="0"/>
+              <a:t>sur</a:t>
+            </a:r>
+            <a:r>
+              <a:rPr lang="en-US" dirty="0" smtClean="0"/>
+              <a:t> O’</a:t>
+            </a:r>
+            <a:endParaRPr lang="en-US" dirty="0"/>
+          </a:p>
+        </p:txBody>
+      </p:sp>
+      <p:grpSp>
+        <p:nvGrpSpPr>
+          <p:cNvPr id="8" name="Group 7"/>
+          <p:cNvGrpSpPr/>
+          <p:nvPr/>
+        </p:nvGrpSpPr>
+        <p:grpSpPr>
+          <a:xfrm>
+            <a:off x="667118" y="2873401"/>
+            <a:ext cx="1911548" cy="1409513"/>
+            <a:chOff x="667118" y="2873401"/>
+            <a:chExt cx="1911548" cy="1409513"/>
+          </a:xfrm>
+        </p:grpSpPr>
+        <p:cxnSp>
+          <p:nvCxnSpPr>
+            <p:cNvPr id="5" name="Straight Connector 4"/>
+            <p:cNvCxnSpPr/>
+            <p:nvPr/>
+          </p:nvCxnSpPr>
+          <p:spPr>
+            <a:xfrm>
+              <a:off x="667118" y="2873401"/>
+              <a:ext cx="1911548" cy="0"/>
+            </a:xfrm>
+            <a:prstGeom prst="line">
+              <a:avLst/>
+            </a:prstGeom>
+          </p:spPr>
+          <p:style>
+            <a:lnRef idx="2">
+              <a:schemeClr val="accent1"/>
+            </a:lnRef>
+            <a:fillRef idx="0">
+              <a:schemeClr val="accent1"/>
+            </a:fillRef>
+            <a:effectRef idx="1">
+              <a:schemeClr val="accent1"/>
+            </a:effectRef>
+            <a:fontRef idx="minor">
+              <a:schemeClr val="tx1"/>
+            </a:fontRef>
+          </p:style>
+        </p:cxnSp>
+        <p:cxnSp>
+          <p:nvCxnSpPr>
+            <p:cNvPr id="6" name="Straight Connector 5"/>
+            <p:cNvCxnSpPr/>
+            <p:nvPr/>
+          </p:nvCxnSpPr>
+          <p:spPr>
+            <a:xfrm>
+              <a:off x="667118" y="4282914"/>
+              <a:ext cx="1911548" cy="0"/>
+            </a:xfrm>
+            <a:prstGeom prst="line">
+              <a:avLst/>
+            </a:prstGeom>
+          </p:spPr>
+          <p:style>
+            <a:lnRef idx="2">
+              <a:schemeClr val="accent1"/>
+            </a:lnRef>
+            <a:fillRef idx="0">
+              <a:schemeClr val="accent1"/>
+            </a:fillRef>
+            <a:effectRef idx="1">
+              <a:schemeClr val="accent1"/>
+            </a:effectRef>
+            <a:fontRef idx="minor">
+              <a:schemeClr val="tx1"/>
+            </a:fontRef>
+          </p:style>
+        </p:cxnSp>
+      </p:grpSp>
+      <p:sp>
+        <p:nvSpPr>
+          <p:cNvPr id="9" name="Oval 8"/>
+          <p:cNvSpPr/>
+          <p:nvPr/>
+        </p:nvSpPr>
+        <p:spPr>
+          <a:xfrm>
+            <a:off x="1424039" y="3989410"/>
+            <a:ext cx="269413" cy="269413"/>
+          </a:xfrm>
+          <a:prstGeom prst="ellipse">
+            <a:avLst/>
+          </a:prstGeom>
+        </p:spPr>
+        <p:style>
+          <a:lnRef idx="1">
+            <a:schemeClr val="accent1"/>
+          </a:lnRef>
+          <a:fillRef idx="3">
+            <a:schemeClr val="accent1"/>
+          </a:fillRef>
+          <a:effectRef idx="2">
+            <a:schemeClr val="accent1"/>
+          </a:effectRef>
+          <a:fontRef idx="minor">
+            <a:schemeClr val="lt1"/>
+          </a:fontRef>
+        </p:style>
+        <p:txBody>
+          <a:bodyPr rtlCol="0" anchor="ctr"/>
+          <a:lstStyle/>
+          <a:p>
+            <a:pPr algn="ctr"/>
+            <a:endParaRPr lang="en-US"/>
+          </a:p>
+        </p:txBody>
+      </p:sp>
+    </p:spTree>
+    <p:extLst>
+      <p:ext uri="{BB962C8B-B14F-4D97-AF65-F5344CB8AC3E}">
+        <p14:creationId xmlns:p14="http://schemas.microsoft.com/office/powerpoint/2010/main" val="1574198539"/>
+      </p:ext>
+    </p:extLst>
+  </p:cSld>
+  <p:clrMapOvr>
+    <a:masterClrMapping/>
+  </p:clrMapOvr>
+  <p:timing>
+    <p:tnLst>
+      <p:par>
+        <p:cTn xmlns:p14="http://schemas.microsoft.com/office/powerpoint/2010/main" id="1" dur="indefinite" restart="never" nodeType="tmRoot">
+          <p:childTnLst>
+            <p:seq concurrent="1" nextAc="seek">
+              <p:cTn id="2" dur="indefinite" nodeType="mainSeq">
+                <p:childTnLst>
+                  <p:par>
+                    <p:cTn id="3" fill="hold">
+                      <p:stCondLst>
+                        <p:cond delay="indefinite"/>
+                      </p:stCondLst>
+                      <p:childTnLst>
+                        <p:par>
+                          <p:cTn id="4" fill="hold">
+                            <p:stCondLst>
+                              <p:cond delay="0"/>
+                            </p:stCondLst>
+                            <p:childTnLst>
+                              <p:par>
+                                <p:cTn id="5" presetID="0" presetClass="path" presetSubtype="0" fill="hold" nodeType="clickEffect">
+                                  <p:stCondLst>
+                                    <p:cond delay="0"/>
+                                  </p:stCondLst>
+                                  <p:childTnLst>
+                                    <p:animMotion origin="layout" path="M -5.76189E-7 1.70021E-6 L 0.71815 -0.00186 " pathEditMode="relative" ptsTypes="AA">
+                                      <p:cBhvr>
+                                        <p:cTn id="6" dur="5000" fill="hold"/>
+                                        <p:tgtEl>
+                                          <p:spTgt spid="8"/>
+                                        </p:tgtEl>
+                                        <p:attrNameLst>
+                                          <p:attrName>ppt_x</p:attrName>
+                                          <p:attrName>ppt_y</p:attrName>
+                                        </p:attrNameLst>
+                                      </p:cBhvr>
+                                    </p:animMotion>
+                                  </p:childTnLst>
+                                </p:cTn>
+                              </p:par>
+                              <p:par>
+                                <p:cTn id="7" presetID="0" presetClass="path" presetSubtype="0" fill="hold" grpId="0" nodeType="withEffect">
+                                  <p:stCondLst>
+                                    <p:cond delay="0"/>
+                                  </p:stCondLst>
+                                  <p:childTnLst>
+                                    <p:animMotion origin="layout" path="M 5.76189E-7 5.28337E-6 L 0.16973 -0.17025 L 0.32263 0.01296 L 0.49514 -0.18505 L 0.6817 0.01874 L 0.76293 -0.08049 " pathEditMode="relative" ptsTypes="AAAAAA">
+                                      <p:cBhvr>
+                                        <p:cTn id="8" dur="5000" fill="hold"/>
+                                        <p:tgtEl>
+                                          <p:spTgt spid="9"/>
+                                        </p:tgtEl>
+                                        <p:attrNameLst>
+                                          <p:attrName>ppt_x</p:attrName>
+                                          <p:attrName>ppt_y</p:attrName>
+                                        </p:attrNameLst>
+                                      </p:cBhvr>
+                                    </p:animMotion>
+                                  </p:childTnLst>
+                                </p:cTn>
+                              </p:par>
+                            </p:childTnLst>
+                          </p:cTn>
+                        </p:par>
+                      </p:childTnLst>
+                    </p:cTn>
+                  </p:par>
+                </p:childTnLst>
+              </p:cTn>
+              <p:prevCondLst>
+                <p:cond evt="onPrev" delay="0">
+                  <p:tgtEl>
+                    <p:sldTgt/>
+                  </p:tgtEl>
+                </p:cond>
+              </p:prevCondLst>
+              <p:nextCondLst>
+                <p:cond evt="onNext" delay="0">
+                  <p:tgtEl>
+                    <p:sldTgt/>
+                  </p:tgtEl>
+                </p:cond>
+              </p:nextCondLst>
+            </p:seq>
+          </p:childTnLst>
+        </p:cTn>
+      </p:par>
+    </p:tnLst>
+    <p:bldLst>
+      <p:bldP spid="9" grpId="0" animBg="1"/>
+    </p:bldLst>
+  </p:timing>
+</p:sld>
+</file>
+
+<file path=ppt/slides/slide26.xml><?xml version="1.0" encoding="utf-8"?>
+<p:sld xmlns:a="http://schemas.openxmlformats.org/drawingml/2006/main" xmlns:r="http://schemas.openxmlformats.org/officeDocument/2006/relationships" xmlns:p="http://schemas.openxmlformats.org/presentationml/2006/main">
+  <p:cSld>
+    <p:spTree>
+      <p:nvGrpSpPr>
+        <p:cNvPr id="1" name=""/>
+        <p:cNvGrpSpPr/>
+        <p:nvPr/>
+      </p:nvGrpSpPr>
+      <p:grpSpPr>
+        <a:xfrm>
+          <a:off x="0" y="0"/>
+          <a:ext cx="0" cy="0"/>
+          <a:chOff x="0" y="0"/>
+          <a:chExt cx="0" cy="0"/>
+        </a:xfrm>
+      </p:grpSpPr>
+      <p:sp>
+        <p:nvSpPr>
+          <p:cNvPr id="2" name="Title 1"/>
+          <p:cNvSpPr>
+            <a:spLocks noGrp="1"/>
+          </p:cNvSpPr>
+          <p:nvPr>
+            <p:ph type="title"/>
+          </p:nvPr>
+        </p:nvSpPr>
+        <p:spPr/>
+        <p:txBody>
+          <a:bodyPr/>
+          <a:lstStyle/>
+          <a:p>
+            <a:r>
+              <a:rPr lang="en-US" dirty="0" err="1" smtClean="0"/>
+              <a:t>Mesure</a:t>
+            </a:r>
+            <a:r>
+              <a:rPr lang="en-US" dirty="0" smtClean="0"/>
+              <a:t> du temps relative</a:t>
+            </a:r>
+            <a:endParaRPr lang="en-US" dirty="0"/>
+          </a:p>
+        </p:txBody>
+      </p:sp>
+      <p:sp>
+        <p:nvSpPr>
+          <p:cNvPr id="3" name="Content Placeholder 2"/>
+          <p:cNvSpPr>
+            <a:spLocks noGrp="1"/>
+          </p:cNvSpPr>
+          <p:nvPr>
+            <p:ph idx="1"/>
+          </p:nvPr>
+        </p:nvSpPr>
+        <p:spPr>
+          <a:xfrm>
+            <a:off x="457200" y="1600200"/>
+            <a:ext cx="8229600" cy="772921"/>
+          </a:xfrm>
+        </p:spPr>
+        <p:txBody>
+          <a:bodyPr/>
+          <a:lstStyle/>
+          <a:p>
+            <a:r>
+              <a:rPr lang="en-US" dirty="0" smtClean="0"/>
+              <a:t>Comment O </a:t>
+            </a:r>
+            <a:r>
+              <a:rPr lang="en-US" dirty="0" err="1" smtClean="0"/>
+              <a:t>voit</a:t>
+            </a:r>
+            <a:r>
+              <a:rPr lang="en-US" dirty="0" smtClean="0"/>
+              <a:t> </a:t>
+            </a:r>
+            <a:r>
+              <a:rPr lang="en-US" dirty="0" err="1" smtClean="0"/>
+              <a:t>l’horloge</a:t>
+            </a:r>
+            <a:r>
+              <a:rPr lang="en-US" dirty="0" smtClean="0"/>
+              <a:t> </a:t>
+            </a:r>
+            <a:r>
+              <a:rPr lang="en-US" dirty="0" err="1" smtClean="0"/>
+              <a:t>sur</a:t>
+            </a:r>
+            <a:r>
+              <a:rPr lang="en-US" dirty="0" smtClean="0"/>
+              <a:t> O’</a:t>
+            </a:r>
+            <a:endParaRPr lang="en-US" dirty="0"/>
+          </a:p>
+        </p:txBody>
+      </p:sp>
+      <p:grpSp>
+        <p:nvGrpSpPr>
+          <p:cNvPr id="8" name="Group 7"/>
+          <p:cNvGrpSpPr/>
+          <p:nvPr/>
+        </p:nvGrpSpPr>
+        <p:grpSpPr>
+          <a:xfrm>
+            <a:off x="667118" y="2873401"/>
+            <a:ext cx="4105338" cy="1409513"/>
+            <a:chOff x="667118" y="2873401"/>
+            <a:chExt cx="4105338" cy="1409513"/>
+          </a:xfrm>
+        </p:grpSpPr>
+        <p:cxnSp>
+          <p:nvCxnSpPr>
+            <p:cNvPr id="5" name="Straight Connector 4"/>
+            <p:cNvCxnSpPr/>
+            <p:nvPr/>
+          </p:nvCxnSpPr>
+          <p:spPr>
+            <a:xfrm>
+              <a:off x="667118" y="2873401"/>
+              <a:ext cx="3989875" cy="0"/>
+            </a:xfrm>
+            <a:prstGeom prst="line">
+              <a:avLst/>
+            </a:prstGeom>
+          </p:spPr>
+          <p:style>
+            <a:lnRef idx="2">
+              <a:schemeClr val="accent1"/>
+            </a:lnRef>
+            <a:fillRef idx="0">
+              <a:schemeClr val="accent1"/>
+            </a:fillRef>
+            <a:effectRef idx="1">
+              <a:schemeClr val="accent1"/>
+            </a:effectRef>
+            <a:fontRef idx="minor">
+              <a:schemeClr val="tx1"/>
+            </a:fontRef>
+          </p:style>
+        </p:cxnSp>
+        <p:cxnSp>
+          <p:nvCxnSpPr>
+            <p:cNvPr id="6" name="Straight Connector 5"/>
+            <p:cNvCxnSpPr/>
+            <p:nvPr/>
+          </p:nvCxnSpPr>
+          <p:spPr>
+            <a:xfrm>
+              <a:off x="667118" y="4282914"/>
+              <a:ext cx="4105338" cy="0"/>
+            </a:xfrm>
+            <a:prstGeom prst="line">
+              <a:avLst/>
+            </a:prstGeom>
+          </p:spPr>
+          <p:style>
+            <a:lnRef idx="2">
+              <a:schemeClr val="accent1"/>
+            </a:lnRef>
+            <a:fillRef idx="0">
+              <a:schemeClr val="accent1"/>
+            </a:fillRef>
+            <a:effectRef idx="1">
+              <a:schemeClr val="accent1"/>
+            </a:effectRef>
+            <a:fontRef idx="minor">
+              <a:schemeClr val="tx1"/>
+            </a:fontRef>
+          </p:style>
+        </p:cxnSp>
+      </p:grpSp>
+      <p:sp>
+        <p:nvSpPr>
+          <p:cNvPr id="14" name="Freeform 13"/>
+          <p:cNvSpPr/>
+          <p:nvPr/>
+        </p:nvSpPr>
+        <p:spPr>
+          <a:xfrm>
+            <a:off x="1539502" y="2911884"/>
+            <a:ext cx="3207296" cy="1321251"/>
+          </a:xfrm>
+          <a:custGeom>
+            <a:avLst/>
+            <a:gdLst>
+              <a:gd name="connsiteX0" fmla="*/ 0 w 3476708"/>
+              <a:gd name="connsiteY0" fmla="*/ 1321251 h 1321251"/>
+              <a:gd name="connsiteX1" fmla="*/ 1334235 w 3476708"/>
+              <a:gd name="connsiteY1" fmla="*/ 0 h 1321251"/>
+              <a:gd name="connsiteX2" fmla="*/ 2796762 w 3476708"/>
+              <a:gd name="connsiteY2" fmla="*/ 1321251 h 1321251"/>
+              <a:gd name="connsiteX3" fmla="*/ 3207296 w 3476708"/>
+              <a:gd name="connsiteY3" fmla="*/ 949249 h 1321251"/>
+              <a:gd name="connsiteX4" fmla="*/ 3476708 w 3476708"/>
+              <a:gd name="connsiteY4" fmla="*/ 974904 h 1321251"/>
+              <a:gd name="connsiteX0" fmla="*/ 0 w 3207296"/>
+              <a:gd name="connsiteY0" fmla="*/ 1321251 h 1321251"/>
+              <a:gd name="connsiteX1" fmla="*/ 1334235 w 3207296"/>
+              <a:gd name="connsiteY1" fmla="*/ 0 h 1321251"/>
+              <a:gd name="connsiteX2" fmla="*/ 2796762 w 3207296"/>
+              <a:gd name="connsiteY2" fmla="*/ 1321251 h 1321251"/>
+              <a:gd name="connsiteX3" fmla="*/ 3207296 w 3207296"/>
+              <a:gd name="connsiteY3" fmla="*/ 949249 h 1321251"/>
+            </a:gdLst>
+            <a:ahLst/>
+            <a:cxnLst>
+              <a:cxn ang="0">
+                <a:pos x="connsiteX0" y="connsiteY0"/>
+              </a:cxn>
+              <a:cxn ang="0">
+                <a:pos x="connsiteX1" y="connsiteY1"/>
+              </a:cxn>
+              <a:cxn ang="0">
+                <a:pos x="connsiteX2" y="connsiteY2"/>
+              </a:cxn>
+              <a:cxn ang="0">
+                <a:pos x="connsiteX3" y="connsiteY3"/>
+              </a:cxn>
+            </a:cxnLst>
+            <a:rect l="l" t="t" r="r" b="b"/>
+            <a:pathLst>
+              <a:path w="3207296" h="1321251">
+                <a:moveTo>
+                  <a:pt x="0" y="1321251"/>
+                </a:moveTo>
+                <a:lnTo>
+                  <a:pt x="1334235" y="0"/>
+                </a:lnTo>
+                <a:lnTo>
+                  <a:pt x="2796762" y="1321251"/>
+                </a:lnTo>
+                <a:lnTo>
+                  <a:pt x="3207296" y="949249"/>
+                </a:lnTo>
+              </a:path>
+            </a:pathLst>
+          </a:custGeom>
+          <a:ln>
+            <a:prstDash val="sysDash"/>
+          </a:ln>
+        </p:spPr>
+        <p:style>
+          <a:lnRef idx="2">
+            <a:schemeClr val="accent1"/>
+          </a:lnRef>
+          <a:fillRef idx="0">
+            <a:schemeClr val="accent1"/>
+          </a:fillRef>
+          <a:effectRef idx="1">
+            <a:schemeClr val="accent1"/>
+          </a:effectRef>
+          <a:fontRef idx="minor">
+            <a:schemeClr val="tx1"/>
+          </a:fontRef>
+        </p:style>
+        <p:txBody>
+          <a:bodyPr rtlCol="0" anchor="ctr"/>
+          <a:lstStyle/>
+          <a:p>
+            <a:pPr algn="ctr"/>
+            <a:endParaRPr lang="en-US"/>
+          </a:p>
+        </p:txBody>
+      </p:sp>
+      <p:sp>
+        <p:nvSpPr>
+          <p:cNvPr id="16" name="Left Brace 15"/>
+          <p:cNvSpPr/>
+          <p:nvPr/>
+        </p:nvSpPr>
+        <p:spPr>
+          <a:xfrm>
+            <a:off x="808239" y="2911884"/>
+            <a:ext cx="351039" cy="1321251"/>
+          </a:xfrm>
+          <a:prstGeom prst="leftBrace">
+            <a:avLst/>
+          </a:prstGeom>
+        </p:spPr>
+        <p:style>
+          <a:lnRef idx="2">
+            <a:schemeClr val="accent1"/>
+          </a:lnRef>
+          <a:fillRef idx="0">
+            <a:schemeClr val="accent1"/>
+          </a:fillRef>
+          <a:effectRef idx="1">
+            <a:schemeClr val="accent1"/>
+          </a:effectRef>
+          <a:fontRef idx="minor">
+            <a:schemeClr val="tx1"/>
+          </a:fontRef>
+        </p:style>
+        <p:txBody>
+          <a:bodyPr rtlCol="0" anchor="ctr"/>
+          <a:lstStyle/>
+          <a:p>
+            <a:pPr algn="ctr"/>
+            <a:endParaRPr lang="en-US"/>
+          </a:p>
+        </p:txBody>
+      </p:sp>
+      <p:sp>
+        <p:nvSpPr>
+          <p:cNvPr id="17" name="TextBox 16"/>
+          <p:cNvSpPr txBox="1"/>
+          <p:nvPr/>
+        </p:nvSpPr>
+        <p:spPr>
+          <a:xfrm>
+            <a:off x="307900" y="3360853"/>
+            <a:ext cx="359218" cy="369332"/>
+          </a:xfrm>
+          <a:prstGeom prst="rect">
+            <a:avLst/>
+          </a:prstGeom>
+          <a:noFill/>
+        </p:spPr>
+        <p:txBody>
+          <a:bodyPr wrap="square" rtlCol="0">
+            <a:spAutoFit/>
+          </a:bodyPr>
+          <a:lstStyle/>
+          <a:p>
+            <a:r>
+              <a:rPr lang="en-US" dirty="0" smtClean="0"/>
+              <a:t>h</a:t>
+            </a:r>
+            <a:endParaRPr lang="en-US" dirty="0"/>
+          </a:p>
+        </p:txBody>
+      </p:sp>
+      <p:cxnSp>
+        <p:nvCxnSpPr>
+          <p:cNvPr id="21" name="Straight Connector 20"/>
+          <p:cNvCxnSpPr/>
+          <p:nvPr/>
+        </p:nvCxnSpPr>
+        <p:spPr>
+          <a:xfrm>
+            <a:off x="2886566" y="2552709"/>
+            <a:ext cx="0" cy="1949808"/>
+          </a:xfrm>
+          <a:prstGeom prst="line">
+            <a:avLst/>
+          </a:prstGeom>
+        </p:spPr>
+        <p:style>
+          <a:lnRef idx="2">
+            <a:schemeClr val="accent1"/>
+          </a:lnRef>
+          <a:fillRef idx="0">
+            <a:schemeClr val="accent1"/>
+          </a:fillRef>
+          <a:effectRef idx="1">
+            <a:schemeClr val="accent1"/>
+          </a:effectRef>
+          <a:fontRef idx="minor">
+            <a:schemeClr val="tx1"/>
+          </a:fontRef>
+        </p:style>
+      </p:cxnSp>
+      <p:sp>
+        <p:nvSpPr>
+          <p:cNvPr id="22" name="Left Brace 21"/>
+          <p:cNvSpPr/>
+          <p:nvPr/>
+        </p:nvSpPr>
+        <p:spPr>
+          <a:xfrm rot="16200000">
+            <a:off x="1982140" y="3989363"/>
+            <a:ext cx="474680" cy="1334172"/>
+          </a:xfrm>
+          <a:prstGeom prst="leftBrace">
+            <a:avLst/>
+          </a:prstGeom>
+        </p:spPr>
+        <p:style>
+          <a:lnRef idx="2">
+            <a:schemeClr val="accent1"/>
+          </a:lnRef>
+          <a:fillRef idx="0">
+            <a:schemeClr val="accent1"/>
+          </a:fillRef>
+          <a:effectRef idx="1">
+            <a:schemeClr val="accent1"/>
+          </a:effectRef>
+          <a:fontRef idx="minor">
+            <a:schemeClr val="tx1"/>
+          </a:fontRef>
+        </p:style>
+        <p:txBody>
+          <a:bodyPr rtlCol="0" anchor="ctr"/>
+          <a:lstStyle/>
+          <a:p>
+            <a:pPr algn="ctr"/>
+            <a:endParaRPr lang="en-US"/>
+          </a:p>
+        </p:txBody>
+      </p:sp>
+      <p:sp>
+        <p:nvSpPr>
+          <p:cNvPr id="23" name="TextBox 22"/>
+          <p:cNvSpPr txBox="1"/>
+          <p:nvPr/>
+        </p:nvSpPr>
+        <p:spPr>
+          <a:xfrm>
+            <a:off x="1845851" y="4893789"/>
+            <a:ext cx="732813" cy="369332"/>
+          </a:xfrm>
+          <a:prstGeom prst="rect">
+            <a:avLst/>
+          </a:prstGeom>
+          <a:noFill/>
+        </p:spPr>
+        <p:txBody>
+          <a:bodyPr wrap="square" rtlCol="0">
+            <a:spAutoFit/>
+          </a:bodyPr>
+          <a:lstStyle/>
+          <a:p>
+            <a:r>
+              <a:rPr lang="en-US" dirty="0" smtClean="0"/>
+              <a:t>T*v/2</a:t>
+            </a:r>
+            <a:endParaRPr lang="en-US" dirty="0"/>
+          </a:p>
+        </p:txBody>
+      </p:sp>
+      <p:sp>
+        <p:nvSpPr>
+          <p:cNvPr id="24" name="TextBox 23"/>
+          <p:cNvSpPr txBox="1"/>
+          <p:nvPr/>
+        </p:nvSpPr>
+        <p:spPr>
+          <a:xfrm>
+            <a:off x="3438221" y="5169556"/>
+            <a:ext cx="3091833" cy="369332"/>
+          </a:xfrm>
+          <a:prstGeom prst="rect">
+            <a:avLst/>
+          </a:prstGeom>
+          <a:noFill/>
+        </p:spPr>
+        <p:txBody>
+          <a:bodyPr wrap="square" rtlCol="0">
+            <a:spAutoFit/>
+          </a:bodyPr>
+          <a:lstStyle/>
+          <a:p>
+            <a:r>
+              <a:rPr lang="en-US" dirty="0" smtClean="0"/>
+              <a:t>H</a:t>
+            </a:r>
+            <a:r>
+              <a:rPr lang="en-US" dirty="0" smtClean="0"/>
+              <a:t>^2+(T*v/2)^2=c</a:t>
+            </a:r>
+            <a:endParaRPr lang="en-US" dirty="0"/>
+          </a:p>
+        </p:txBody>
+      </p:sp>
+    </p:spTree>
+    <p:extLst>
+      <p:ext uri="{BB962C8B-B14F-4D97-AF65-F5344CB8AC3E}">
+        <p14:creationId xmlns:p14="http://schemas.microsoft.com/office/powerpoint/2010/main" val="2253422244"/>
+      </p:ext>
+    </p:extLst>
+  </p:cSld>
+  <p:clrMapOvr>
+    <a:masterClrMapping/>
+  </p:clrMapOvr>
+  <p:timing>
+    <p:tnLst>
+      <p:par>
+        <p:cTn xmlns:p14="http://schemas.microsoft.com/office/powerpoint/2010/main" id="1" dur="indefinite" restart="never" nodeType="tmRoot"/>
+      </p:par>
+    </p:tnLst>
+  </p:timing>
 </p:sld>
 </file>
 
@@ -4719,6 +9381,13 @@
   <p:clrMapOvr>
     <a:masterClrMapping/>
   </p:clrMapOvr>
+  <p:timing>
+    <p:tnLst>
+      <p:par>
+        <p:cTn xmlns:p14="http://schemas.microsoft.com/office/powerpoint/2010/main" id="1" dur="indefinite" restart="never" nodeType="tmRoot"/>
+      </p:par>
+    </p:tnLst>
+  </p:timing>
 </p:sld>
 </file>
 
@@ -5236,6 +9905,13 @@
   <p:clrMapOvr>
     <a:masterClrMapping/>
   </p:clrMapOvr>
+  <p:timing>
+    <p:tnLst>
+      <p:par>
+        <p:cTn xmlns:p14="http://schemas.microsoft.com/office/powerpoint/2010/main" id="1" dur="indefinite" restart="never" nodeType="tmRoot"/>
+      </p:par>
+    </p:tnLst>
+  </p:timing>
 </p:sld>
 </file>
 
@@ -5753,6 +10429,13 @@
   <p:clrMapOvr>
     <a:masterClrMapping/>
   </p:clrMapOvr>
+  <p:timing>
+    <p:tnLst>
+      <p:par>
+        <p:cTn xmlns:p14="http://schemas.microsoft.com/office/powerpoint/2010/main" id="1" dur="indefinite" restart="never" nodeType="tmRoot"/>
+      </p:par>
+    </p:tnLst>
+  </p:timing>
 </p:sld>
 </file>
 
@@ -5841,6 +10524,13 @@
   <p:clrMapOvr>
     <a:masterClrMapping/>
   </p:clrMapOvr>
+  <p:timing>
+    <p:tnLst>
+      <p:par>
+        <p:cTn xmlns:p14="http://schemas.microsoft.com/office/powerpoint/2010/main" id="1" dur="indefinite" restart="never" nodeType="tmRoot"/>
+      </p:par>
+    </p:tnLst>
+  </p:timing>
 </p:sld>
 </file>
 
@@ -5975,6 +10665,13 @@
   <p:clrMapOvr>
     <a:masterClrMapping/>
   </p:clrMapOvr>
+  <p:timing>
+    <p:tnLst>
+      <p:par>
+        <p:cTn xmlns:p14="http://schemas.microsoft.com/office/powerpoint/2010/main" id="1" dur="indefinite" restart="never" nodeType="tmRoot"/>
+      </p:par>
+    </p:tnLst>
+  </p:timing>
 </p:sld>
 </file>
 
@@ -6557,4 +11254,324 @@
   </a:objectDefaults>
   <a:extraClrSchemeLst/>
 </a:theme>
+</file>
+
+<file path=ppt/theme/theme2.xml><?xml version="1.0" encoding="utf-8"?>
+<a:theme xmlns:a="http://schemas.openxmlformats.org/drawingml/2006/main" name="Office Theme">
+  <a:themeElements>
+    <a:clrScheme name="Office">
+      <a:dk1>
+        <a:sysClr val="windowText" lastClr="000000"/>
+      </a:dk1>
+      <a:lt1>
+        <a:sysClr val="window" lastClr="FFFFFF"/>
+      </a:lt1>
+      <a:dk2>
+        <a:srgbClr val="1F497D"/>
+      </a:dk2>
+      <a:lt2>
+        <a:srgbClr val="EEECE1"/>
+      </a:lt2>
+      <a:accent1>
+        <a:srgbClr val="4F81BD"/>
+      </a:accent1>
+      <a:accent2>
+        <a:srgbClr val="C0504D"/>
+      </a:accent2>
+      <a:accent3>
+        <a:srgbClr val="9BBB59"/>
+      </a:accent3>
+      <a:accent4>
+        <a:srgbClr val="8064A2"/>
+      </a:accent4>
+      <a:accent5>
+        <a:srgbClr val="4BACC6"/>
+      </a:accent5>
+      <a:accent6>
+        <a:srgbClr val="F79646"/>
+      </a:accent6>
+      <a:hlink>
+        <a:srgbClr val="0000FF"/>
+      </a:hlink>
+      <a:folHlink>
+        <a:srgbClr val="800080"/>
+      </a:folHlink>
+    </a:clrScheme>
+    <a:fontScheme name="Office">
+      <a:majorFont>
+        <a:latin typeface="Calibri"/>
+        <a:ea typeface=""/>
+        <a:cs typeface=""/>
+        <a:font script="Jpan" typeface="ＭＳ Ｐゴシック"/>
+        <a:font script="Hang" typeface="맑은 고딕"/>
+        <a:font script="Hans" typeface="宋体"/>
+        <a:font script="Hant" typeface="新細明體"/>
+        <a:font script="Arab" typeface="Times New Roman"/>
+        <a:font script="Hebr" typeface="Times New Roman"/>
+        <a:font script="Thai" typeface="Angsana New"/>
+        <a:font script="Ethi" typeface="Nyala"/>
+        <a:font script="Beng" typeface="Vrinda"/>
+        <a:font script="Gujr" typeface="Shruti"/>
+        <a:font script="Khmr" typeface="MoolBoran"/>
+        <a:font script="Knda" typeface="Tunga"/>
+        <a:font script="Guru" typeface="Raavi"/>
+        <a:font script="Cans" typeface="Euphemia"/>
+        <a:font script="Cher" typeface="Plantagenet Cherokee"/>
+        <a:font script="Yiii" typeface="Microsoft Yi Baiti"/>
+        <a:font script="Tibt" typeface="Microsoft Himalaya"/>
+        <a:font script="Thaa" typeface="MV Boli"/>
+        <a:font script="Deva" typeface="Mangal"/>
+        <a:font script="Telu" typeface="Gautami"/>
+        <a:font script="Taml" typeface="Latha"/>
+        <a:font script="Syrc" typeface="Estrangelo Edessa"/>
+        <a:font script="Orya" typeface="Kalinga"/>
+        <a:font script="Mlym" typeface="Kartika"/>
+        <a:font script="Laoo" typeface="DokChampa"/>
+        <a:font script="Sinh" typeface="Iskoola Pota"/>
+        <a:font script="Mong" typeface="Mongolian Baiti"/>
+        <a:font script="Viet" typeface="Times New Roman"/>
+        <a:font script="Uigh" typeface="Microsoft Uighur"/>
+        <a:font script="Geor" typeface="Sylfaen"/>
+      </a:majorFont>
+      <a:minorFont>
+        <a:latin typeface="Calibri"/>
+        <a:ea typeface=""/>
+        <a:cs typeface=""/>
+        <a:font script="Jpan" typeface="ＭＳ Ｐゴシック"/>
+        <a:font script="Hang" typeface="맑은 고딕"/>
+        <a:font script="Hans" typeface="宋体"/>
+        <a:font script="Hant" typeface="新細明體"/>
+        <a:font script="Arab" typeface="Arial"/>
+        <a:font script="Hebr" typeface="Arial"/>
+        <a:font script="Thai" typeface="Cordia New"/>
+        <a:font script="Ethi" typeface="Nyala"/>
+        <a:font script="Beng" typeface="Vrinda"/>
+        <a:font script="Gujr" typeface="Shruti"/>
+        <a:font script="Khmr" typeface="DaunPenh"/>
+        <a:font script="Knda" typeface="Tunga"/>
+        <a:font script="Guru" typeface="Raavi"/>
+        <a:font script="Cans" typeface="Euphemia"/>
+        <a:font script="Cher" typeface="Plantagenet Cherokee"/>
+        <a:font script="Yiii" typeface="Microsoft Yi Baiti"/>
+        <a:font script="Tibt" typeface="Microsoft Himalaya"/>
+        <a:font script="Thaa" typeface="MV Boli"/>
+        <a:font script="Deva" typeface="Mangal"/>
+        <a:font script="Telu" typeface="Gautami"/>
+        <a:font script="Taml" typeface="Latha"/>
+        <a:font script="Syrc" typeface="Estrangelo Edessa"/>
+        <a:font script="Orya" typeface="Kalinga"/>
+        <a:font script="Mlym" typeface="Kartika"/>
+        <a:font script="Laoo" typeface="DokChampa"/>
+        <a:font script="Sinh" typeface="Iskoola Pota"/>
+        <a:font script="Mong" typeface="Mongolian Baiti"/>
+        <a:font script="Viet" typeface="Arial"/>
+        <a:font script="Uigh" typeface="Microsoft Uighur"/>
+        <a:font script="Geor" typeface="Sylfaen"/>
+      </a:minorFont>
+    </a:fontScheme>
+    <a:fmtScheme name="Office">
+      <a:fillStyleLst>
+        <a:solidFill>
+          <a:schemeClr val="phClr"/>
+        </a:solidFill>
+        <a:gradFill rotWithShape="1">
+          <a:gsLst>
+            <a:gs pos="0">
+              <a:schemeClr val="phClr">
+                <a:tint val="50000"/>
+                <a:satMod val="300000"/>
+              </a:schemeClr>
+            </a:gs>
+            <a:gs pos="35000">
+              <a:schemeClr val="phClr">
+                <a:tint val="37000"/>
+                <a:satMod val="300000"/>
+              </a:schemeClr>
+            </a:gs>
+            <a:gs pos="100000">
+              <a:schemeClr val="phClr">
+                <a:tint val="15000"/>
+                <a:satMod val="350000"/>
+              </a:schemeClr>
+            </a:gs>
+          </a:gsLst>
+          <a:lin ang="16200000" scaled="1"/>
+        </a:gradFill>
+        <a:gradFill rotWithShape="1">
+          <a:gsLst>
+            <a:gs pos="0">
+              <a:schemeClr val="phClr">
+                <a:tint val="100000"/>
+                <a:shade val="100000"/>
+                <a:satMod val="130000"/>
+              </a:schemeClr>
+            </a:gs>
+            <a:gs pos="100000">
+              <a:schemeClr val="phClr">
+                <a:tint val="50000"/>
+                <a:shade val="100000"/>
+                <a:satMod val="350000"/>
+              </a:schemeClr>
+            </a:gs>
+          </a:gsLst>
+          <a:lin ang="16200000" scaled="0"/>
+        </a:gradFill>
+      </a:fillStyleLst>
+      <a:lnStyleLst>
+        <a:ln w="9525" cap="flat" cmpd="sng" algn="ctr">
+          <a:solidFill>
+            <a:schemeClr val="phClr">
+              <a:shade val="95000"/>
+              <a:satMod val="105000"/>
+            </a:schemeClr>
+          </a:solidFill>
+          <a:prstDash val="solid"/>
+        </a:ln>
+        <a:ln w="25400" cap="flat" cmpd="sng" algn="ctr">
+          <a:solidFill>
+            <a:schemeClr val="phClr"/>
+          </a:solidFill>
+          <a:prstDash val="solid"/>
+        </a:ln>
+        <a:ln w="38100" cap="flat" cmpd="sng" algn="ctr">
+          <a:solidFill>
+            <a:schemeClr val="phClr"/>
+          </a:solidFill>
+          <a:prstDash val="solid"/>
+        </a:ln>
+      </a:lnStyleLst>
+      <a:effectStyleLst>
+        <a:effectStyle>
+          <a:effectLst>
+            <a:outerShdw blurRad="40000" dist="20000" dir="5400000" rotWithShape="0">
+              <a:srgbClr val="000000">
+                <a:alpha val="38000"/>
+              </a:srgbClr>
+            </a:outerShdw>
+          </a:effectLst>
+        </a:effectStyle>
+        <a:effectStyle>
+          <a:effectLst>
+            <a:outerShdw blurRad="40000" dist="23000" dir="5400000" rotWithShape="0">
+              <a:srgbClr val="000000">
+                <a:alpha val="35000"/>
+              </a:srgbClr>
+            </a:outerShdw>
+          </a:effectLst>
+        </a:effectStyle>
+        <a:effectStyle>
+          <a:effectLst>
+            <a:outerShdw blurRad="40000" dist="23000" dir="5400000" rotWithShape="0">
+              <a:srgbClr val="000000">
+                <a:alpha val="35000"/>
+              </a:srgbClr>
+            </a:outerShdw>
+          </a:effectLst>
+          <a:scene3d>
+            <a:camera prst="orthographicFront">
+              <a:rot lat="0" lon="0" rev="0"/>
+            </a:camera>
+            <a:lightRig rig="threePt" dir="t">
+              <a:rot lat="0" lon="0" rev="1200000"/>
+            </a:lightRig>
+          </a:scene3d>
+          <a:sp3d>
+            <a:bevelT w="63500" h="25400"/>
+          </a:sp3d>
+        </a:effectStyle>
+      </a:effectStyleLst>
+      <a:bgFillStyleLst>
+        <a:solidFill>
+          <a:schemeClr val="phClr"/>
+        </a:solidFill>
+        <a:gradFill rotWithShape="1">
+          <a:gsLst>
+            <a:gs pos="0">
+              <a:schemeClr val="phClr">
+                <a:tint val="40000"/>
+                <a:satMod val="350000"/>
+              </a:schemeClr>
+            </a:gs>
+            <a:gs pos="40000">
+              <a:schemeClr val="phClr">
+                <a:tint val="45000"/>
+                <a:shade val="99000"/>
+                <a:satMod val="350000"/>
+              </a:schemeClr>
+            </a:gs>
+            <a:gs pos="100000">
+              <a:schemeClr val="phClr">
+                <a:shade val="20000"/>
+                <a:satMod val="255000"/>
+              </a:schemeClr>
+            </a:gs>
+          </a:gsLst>
+          <a:path path="circle">
+            <a:fillToRect l="50000" t="-80000" r="50000" b="180000"/>
+          </a:path>
+        </a:gradFill>
+        <a:gradFill rotWithShape="1">
+          <a:gsLst>
+            <a:gs pos="0">
+              <a:schemeClr val="phClr">
+                <a:tint val="80000"/>
+                <a:satMod val="300000"/>
+              </a:schemeClr>
+            </a:gs>
+            <a:gs pos="100000">
+              <a:schemeClr val="phClr">
+                <a:shade val="30000"/>
+                <a:satMod val="200000"/>
+              </a:schemeClr>
+            </a:gs>
+          </a:gsLst>
+          <a:path path="circle">
+            <a:fillToRect l="50000" t="50000" r="50000" b="50000"/>
+          </a:path>
+        </a:gradFill>
+      </a:bgFillStyleLst>
+    </a:fmtScheme>
+  </a:themeElements>
+  <a:objectDefaults>
+    <a:spDef>
+      <a:spPr/>
+      <a:bodyPr/>
+      <a:lstStyle/>
+      <a:style>
+        <a:lnRef idx="1">
+          <a:schemeClr val="accent1"/>
+        </a:lnRef>
+        <a:fillRef idx="3">
+          <a:schemeClr val="accent1"/>
+        </a:fillRef>
+        <a:effectRef idx="2">
+          <a:schemeClr val="accent1"/>
+        </a:effectRef>
+        <a:fontRef idx="minor">
+          <a:schemeClr val="lt1"/>
+        </a:fontRef>
+      </a:style>
+    </a:spDef>
+    <a:lnDef>
+      <a:spPr/>
+      <a:bodyPr/>
+      <a:lstStyle/>
+      <a:style>
+        <a:lnRef idx="2">
+          <a:schemeClr val="accent1"/>
+        </a:lnRef>
+        <a:fillRef idx="0">
+          <a:schemeClr val="accent1"/>
+        </a:fillRef>
+        <a:effectRef idx="1">
+          <a:schemeClr val="accent1"/>
+        </a:effectRef>
+        <a:fontRef idx="minor">
+          <a:schemeClr val="tx1"/>
+        </a:fontRef>
+      </a:style>
+    </a:lnDef>
+  </a:objectDefaults>
+  <a:extraClrSchemeLst/>
+</a:theme>
 </file>
--- a/Presentation1.pptx
+++ b/Presentation1.pptx
@@ -5,7 +5,7 @@
     <p:sldMasterId id="2147483648" r:id="rId1"/>
   </p:sldMasterIdLst>
   <p:notesMasterIdLst>
-    <p:notesMasterId r:id="rId28"/>
+    <p:notesMasterId r:id="rId35"/>
   </p:notesMasterIdLst>
   <p:sldIdLst>
     <p:sldId id="256" r:id="rId2"/>
@@ -34,6 +34,13 @@
     <p:sldId id="280" r:id="rId25"/>
     <p:sldId id="281" r:id="rId26"/>
     <p:sldId id="282" r:id="rId27"/>
+    <p:sldId id="283" r:id="rId28"/>
+    <p:sldId id="284" r:id="rId29"/>
+    <p:sldId id="285" r:id="rId30"/>
+    <p:sldId id="289" r:id="rId31"/>
+    <p:sldId id="286" r:id="rId32"/>
+    <p:sldId id="287" r:id="rId33"/>
+    <p:sldId id="288" r:id="rId34"/>
   </p:sldIdLst>
   <p:sldSz cx="9144000" cy="6858000" type="screen4x3"/>
   <p:notesSz cx="6858000" cy="9144000"/>
@@ -217,7 +224,7 @@
           <a:p>
             <a:fld id="{87764EC1-07A0-CE40-9915-4D23F0194C19}" type="datetimeFigureOut">
               <a:rPr lang="en-US" smtClean="0"/>
-              <a:t>15/11/16</a:t>
+              <a:t>16/11/16</a:t>
             </a:fld>
             <a:endParaRPr lang="en-US"/>
           </a:p>
@@ -750,7 +757,7 @@
           <a:p>
             <a:fld id="{1E117D9B-D405-764E-B1BF-DA8239726E8E}" type="datetimeFigureOut">
               <a:rPr lang="en-US" smtClean="0"/>
-              <a:t>15/11/16</a:t>
+              <a:t>16/11/16</a:t>
             </a:fld>
             <a:endParaRPr lang="en-US"/>
           </a:p>
@@ -920,7 +927,7 @@
           <a:p>
             <a:fld id="{1E117D9B-D405-764E-B1BF-DA8239726E8E}" type="datetimeFigureOut">
               <a:rPr lang="en-US" smtClean="0"/>
-              <a:t>15/11/16</a:t>
+              <a:t>16/11/16</a:t>
             </a:fld>
             <a:endParaRPr lang="en-US"/>
           </a:p>
@@ -1100,7 +1107,7 @@
           <a:p>
             <a:fld id="{1E117D9B-D405-764E-B1BF-DA8239726E8E}" type="datetimeFigureOut">
               <a:rPr lang="en-US" smtClean="0"/>
-              <a:t>15/11/16</a:t>
+              <a:t>16/11/16</a:t>
             </a:fld>
             <a:endParaRPr lang="en-US"/>
           </a:p>
@@ -1270,7 +1277,7 @@
           <a:p>
             <a:fld id="{1E117D9B-D405-764E-B1BF-DA8239726E8E}" type="datetimeFigureOut">
               <a:rPr lang="en-US" smtClean="0"/>
-              <a:t>15/11/16</a:t>
+              <a:t>16/11/16</a:t>
             </a:fld>
             <a:endParaRPr lang="en-US"/>
           </a:p>
@@ -1516,7 +1523,7 @@
           <a:p>
             <a:fld id="{1E117D9B-D405-764E-B1BF-DA8239726E8E}" type="datetimeFigureOut">
               <a:rPr lang="en-US" smtClean="0"/>
-              <a:t>15/11/16</a:t>
+              <a:t>16/11/16</a:t>
             </a:fld>
             <a:endParaRPr lang="en-US"/>
           </a:p>
@@ -1804,7 +1811,7 @@
           <a:p>
             <a:fld id="{1E117D9B-D405-764E-B1BF-DA8239726E8E}" type="datetimeFigureOut">
               <a:rPr lang="en-US" smtClean="0"/>
-              <a:t>15/11/16</a:t>
+              <a:t>16/11/16</a:t>
             </a:fld>
             <a:endParaRPr lang="en-US"/>
           </a:p>
@@ -2226,7 +2233,7 @@
           <a:p>
             <a:fld id="{1E117D9B-D405-764E-B1BF-DA8239726E8E}" type="datetimeFigureOut">
               <a:rPr lang="en-US" smtClean="0"/>
-              <a:t>15/11/16</a:t>
+              <a:t>16/11/16</a:t>
             </a:fld>
             <a:endParaRPr lang="en-US"/>
           </a:p>
@@ -2344,7 +2351,7 @@
           <a:p>
             <a:fld id="{1E117D9B-D405-764E-B1BF-DA8239726E8E}" type="datetimeFigureOut">
               <a:rPr lang="en-US" smtClean="0"/>
-              <a:t>15/11/16</a:t>
+              <a:t>16/11/16</a:t>
             </a:fld>
             <a:endParaRPr lang="en-US"/>
           </a:p>
@@ -2439,7 +2446,7 @@
           <a:p>
             <a:fld id="{1E117D9B-D405-764E-B1BF-DA8239726E8E}" type="datetimeFigureOut">
               <a:rPr lang="en-US" smtClean="0"/>
-              <a:t>15/11/16</a:t>
+              <a:t>16/11/16</a:t>
             </a:fld>
             <a:endParaRPr lang="en-US"/>
           </a:p>
@@ -2716,7 +2723,7 @@
           <a:p>
             <a:fld id="{1E117D9B-D405-764E-B1BF-DA8239726E8E}" type="datetimeFigureOut">
               <a:rPr lang="en-US" smtClean="0"/>
-              <a:t>15/11/16</a:t>
+              <a:t>16/11/16</a:t>
             </a:fld>
             <a:endParaRPr lang="en-US"/>
           </a:p>
@@ -2969,7 +2976,7 @@
           <a:p>
             <a:fld id="{1E117D9B-D405-764E-B1BF-DA8239726E8E}" type="datetimeFigureOut">
               <a:rPr lang="en-US" smtClean="0"/>
-              <a:t>15/11/16</a:t>
+              <a:t>16/11/16</a:t>
             </a:fld>
             <a:endParaRPr lang="en-US"/>
           </a:p>
@@ -3182,7 +3189,7 @@
           <a:p>
             <a:fld id="{1E117D9B-D405-764E-B1BF-DA8239726E8E}" type="datetimeFigureOut">
               <a:rPr lang="en-US" smtClean="0"/>
-              <a:t>15/11/16</a:t>
+              <a:t>16/11/16</a:t>
             </a:fld>
             <a:endParaRPr lang="en-US"/>
           </a:p>
@@ -3573,18 +3580,10 @@
           <a:lstStyle/>
           <a:p>
             <a:r>
-              <a:rPr lang="en-US" dirty="0" err="1" smtClean="0"/>
-              <a:t>Rélativité</a:t>
-            </a:r>
-            <a:r>
-              <a:rPr lang="en-US" dirty="0" smtClean="0"/>
-              <a:t> </a:t>
-            </a:r>
-            <a:r>
-              <a:rPr lang="en-US" dirty="0" err="1" smtClean="0"/>
-              <a:t>Restreinte</a:t>
-            </a:r>
-            <a:endParaRPr lang="en-US" dirty="0"/>
+              <a:rPr lang="fr-FR" noProof="0" smtClean="0"/>
+              <a:t>Rélativité Restreinte</a:t>
+            </a:r>
+            <a:endParaRPr lang="fr-FR" noProof="0"/>
           </a:p>
         </p:txBody>
       </p:sp>
@@ -3660,26 +3659,10 @@
           <a:lstStyle/>
           <a:p>
             <a:r>
-              <a:rPr lang="en-US" dirty="0" err="1" smtClean="0"/>
-              <a:t>Précession</a:t>
-            </a:r>
-            <a:r>
-              <a:rPr lang="en-US" dirty="0" smtClean="0"/>
-              <a:t> du </a:t>
-            </a:r>
-            <a:r>
-              <a:rPr lang="en-US" dirty="0" err="1" smtClean="0"/>
-              <a:t>perihelie</a:t>
-            </a:r>
-            <a:r>
-              <a:rPr lang="en-US" dirty="0" smtClean="0"/>
-              <a:t> de </a:t>
-            </a:r>
-            <a:r>
-              <a:rPr lang="en-US" dirty="0" err="1" smtClean="0"/>
-              <a:t>Mercure</a:t>
-            </a:r>
-            <a:endParaRPr lang="en-US" dirty="0"/>
+              <a:rPr lang="fr-FR" noProof="0" smtClean="0"/>
+              <a:t>Précession du perihelie de Mercure</a:t>
+            </a:r>
+            <a:endParaRPr lang="fr-FR" noProof="0"/>
           </a:p>
         </p:txBody>
       </p:sp>
@@ -3699,75 +3682,19 @@
           <a:lstStyle/>
           <a:p>
             <a:r>
-              <a:rPr lang="en-US" dirty="0" smtClean="0"/>
-              <a:t>Pas explicable par la </a:t>
-            </a:r>
-            <a:r>
-              <a:rPr lang="en-US" dirty="0" err="1" smtClean="0"/>
-              <a:t>theorie</a:t>
-            </a:r>
-            <a:r>
-              <a:rPr lang="en-US" dirty="0" smtClean="0"/>
-              <a:t> de Newton</a:t>
-            </a:r>
-          </a:p>
-          <a:p>
-            <a:endParaRPr lang="en-US" dirty="0"/>
-          </a:p>
-          <a:p>
-            <a:r>
-              <a:rPr lang="en-US" dirty="0" err="1" smtClean="0"/>
-              <a:t>Recherche</a:t>
-            </a:r>
-            <a:r>
-              <a:rPr lang="en-US" dirty="0" smtClean="0"/>
-              <a:t> </a:t>
-            </a:r>
-            <a:r>
-              <a:rPr lang="en-US" dirty="0" err="1" smtClean="0"/>
-              <a:t>d’une</a:t>
-            </a:r>
-            <a:r>
-              <a:rPr lang="en-US" dirty="0" smtClean="0"/>
-              <a:t> </a:t>
-            </a:r>
-            <a:r>
-              <a:rPr lang="en-US" dirty="0" err="1" smtClean="0"/>
-              <a:t>planète</a:t>
-            </a:r>
-            <a:r>
-              <a:rPr lang="en-US" dirty="0" smtClean="0"/>
-              <a:t>, Vulcan, qui </a:t>
-            </a:r>
-            <a:r>
-              <a:rPr lang="en-US" dirty="0" err="1" smtClean="0"/>
-              <a:t>pourrait</a:t>
-            </a:r>
-            <a:r>
-              <a:rPr lang="en-US" dirty="0" smtClean="0"/>
-              <a:t> </a:t>
-            </a:r>
-            <a:r>
-              <a:rPr lang="en-US" dirty="0" err="1" smtClean="0"/>
-              <a:t>expliquer</a:t>
-            </a:r>
-            <a:r>
-              <a:rPr lang="en-US" dirty="0" smtClean="0"/>
-              <a:t> </a:t>
-            </a:r>
-            <a:r>
-              <a:rPr lang="en-US" dirty="0" err="1" smtClean="0"/>
-              <a:t>ce</a:t>
-            </a:r>
-            <a:r>
-              <a:rPr lang="en-US" dirty="0" smtClean="0"/>
-              <a:t> </a:t>
-            </a:r>
-            <a:r>
-              <a:rPr lang="en-US" dirty="0" err="1" smtClean="0"/>
-              <a:t>phénomene</a:t>
-            </a:r>
-            <a:endParaRPr lang="en-US" dirty="0" smtClean="0"/>
+              <a:rPr lang="fr-FR" noProof="0" smtClean="0"/>
+              <a:t>Pas explicable par la theorie de Newton</a:t>
+            </a:r>
+          </a:p>
+          <a:p>
+            <a:endParaRPr lang="fr-FR" noProof="0" smtClean="0"/>
+          </a:p>
+          <a:p>
+            <a:r>
+              <a:rPr lang="fr-FR" noProof="0" smtClean="0"/>
+              <a:t>Recherche d’une planète, Vulcan, qui pourrait expliquer ce phénomene</a:t>
+            </a:r>
+            <a:endParaRPr lang="fr-FR" noProof="0" smtClean="0"/>
           </a:p>
         </p:txBody>
       </p:sp>
@@ -3824,10 +3751,10 @@
           <a:lstStyle/>
           <a:p>
             <a:r>
-              <a:rPr lang="en-US" dirty="0" err="1" smtClean="0"/>
+              <a:rPr lang="fr-FR" noProof="0" smtClean="0"/>
               <a:t>L’atome</a:t>
             </a:r>
-            <a:endParaRPr lang="en-US" dirty="0"/>
+            <a:endParaRPr lang="fr-FR" noProof="0"/>
           </a:p>
         </p:txBody>
       </p:sp>
@@ -3847,76 +3774,19 @@
           <a:lstStyle/>
           <a:p>
             <a:r>
-              <a:rPr lang="en-US" dirty="0" err="1" smtClean="0"/>
-              <a:t>D’après</a:t>
-            </a:r>
-            <a:r>
-              <a:rPr lang="en-US" dirty="0" smtClean="0"/>
-              <a:t> les equations de Maxwell, les electrons </a:t>
-            </a:r>
-            <a:r>
-              <a:rPr lang="en-US" dirty="0" err="1" smtClean="0"/>
-              <a:t>devraient</a:t>
-            </a:r>
-            <a:r>
-              <a:rPr lang="en-US" dirty="0" smtClean="0"/>
-              <a:t> </a:t>
-            </a:r>
-            <a:r>
-              <a:rPr lang="en-US" dirty="0" err="1" smtClean="0"/>
-              <a:t>s’ecraser</a:t>
-            </a:r>
-            <a:r>
-              <a:rPr lang="en-US" dirty="0" smtClean="0"/>
-              <a:t> </a:t>
-            </a:r>
-            <a:r>
-              <a:rPr lang="en-US" dirty="0" err="1" smtClean="0"/>
-              <a:t>sur</a:t>
-            </a:r>
-            <a:r>
-              <a:rPr lang="en-US" dirty="0" smtClean="0"/>
-              <a:t> </a:t>
-            </a:r>
-            <a:r>
-              <a:rPr lang="en-US" dirty="0" err="1" smtClean="0"/>
-              <a:t>l’atome</a:t>
-            </a:r>
-            <a:endParaRPr lang="en-US" dirty="0" smtClean="0"/>
-          </a:p>
-          <a:p>
-            <a:endParaRPr lang="en-US" dirty="0"/>
-          </a:p>
-          <a:p>
-            <a:r>
-              <a:rPr lang="en-US" dirty="0" smtClean="0"/>
-              <a:t>Hors </a:t>
-            </a:r>
-            <a:r>
-              <a:rPr lang="en-US" dirty="0" err="1" smtClean="0"/>
-              <a:t>ce</a:t>
-            </a:r>
-            <a:r>
-              <a:rPr lang="en-US" dirty="0" smtClean="0"/>
-              <a:t> </a:t>
-            </a:r>
-            <a:r>
-              <a:rPr lang="en-US" dirty="0" err="1" smtClean="0"/>
-              <a:t>n’est</a:t>
-            </a:r>
-            <a:r>
-              <a:rPr lang="en-US" dirty="0" smtClean="0"/>
-              <a:t> pas le </a:t>
-            </a:r>
-            <a:r>
-              <a:rPr lang="en-US" dirty="0" err="1" smtClean="0"/>
-              <a:t>cas</a:t>
-            </a:r>
-            <a:r>
-              <a:rPr lang="is-IS" dirty="0" smtClean="0"/>
-              <a:t>…</a:t>
-            </a:r>
-            <a:endParaRPr lang="en-US" dirty="0"/>
+              <a:rPr lang="fr-FR" noProof="0" smtClean="0"/>
+              <a:t>D’après les equations de Maxwell, les electrons devraient s’ecraser sur l’atome</a:t>
+            </a:r>
+          </a:p>
+          <a:p>
+            <a:endParaRPr lang="fr-FR" noProof="0" smtClean="0"/>
+          </a:p>
+          <a:p>
+            <a:r>
+              <a:rPr lang="fr-FR" noProof="0" smtClean="0"/>
+              <a:t>Hors ce n’est pas le cas…</a:t>
+            </a:r>
+            <a:endParaRPr lang="fr-FR" noProof="0"/>
           </a:p>
         </p:txBody>
       </p:sp>
@@ -3973,10 +3843,10 @@
           <a:lstStyle/>
           <a:p>
             <a:r>
-              <a:rPr lang="en-US" dirty="0" smtClean="0"/>
+              <a:rPr lang="fr-FR" noProof="0" smtClean="0"/>
               <a:t>Nature de la lumière</a:t>
             </a:r>
-            <a:endParaRPr lang="en-US" dirty="0"/>
+            <a:endParaRPr lang="fr-FR" noProof="0"/>
           </a:p>
         </p:txBody>
       </p:sp>
@@ -3996,95 +3866,33 @@
           <a:lstStyle/>
           <a:p>
             <a:r>
-              <a:rPr lang="en-US" dirty="0" err="1" smtClean="0"/>
-              <a:t>Comportement</a:t>
-            </a:r>
-            <a:r>
-              <a:rPr lang="en-US" dirty="0" smtClean="0"/>
-              <a:t> </a:t>
-            </a:r>
-            <a:r>
-              <a:rPr lang="en-US" dirty="0" err="1" smtClean="0"/>
-              <a:t>ondulatoire</a:t>
-            </a:r>
-            <a:r>
-              <a:rPr lang="en-US" dirty="0" smtClean="0"/>
-              <a:t> et </a:t>
-            </a:r>
-            <a:r>
-              <a:rPr lang="en-US" dirty="0" err="1" smtClean="0"/>
-              <a:t>corpusculaire</a:t>
-            </a:r>
-            <a:endParaRPr lang="en-US" dirty="0" smtClean="0"/>
-          </a:p>
-          <a:p>
-            <a:endParaRPr lang="en-US" dirty="0" smtClean="0"/>
-          </a:p>
-          <a:p>
-            <a:r>
-              <a:rPr lang="en-US" dirty="0" smtClean="0"/>
-              <a:t>Aberration de </a:t>
-            </a:r>
-            <a:r>
-              <a:rPr lang="en-US" smtClean="0"/>
-              <a:t>la lumière</a:t>
-            </a:r>
-          </a:p>
-          <a:p>
-            <a:endParaRPr lang="en-US" dirty="0"/>
-          </a:p>
-          <a:p>
-            <a:r>
-              <a:rPr lang="en-US" dirty="0" err="1" smtClean="0"/>
-              <a:t>Recherche</a:t>
-            </a:r>
-            <a:r>
-              <a:rPr lang="en-US" dirty="0" smtClean="0"/>
-              <a:t> de </a:t>
-            </a:r>
-            <a:r>
-              <a:rPr lang="en-US" dirty="0" err="1" smtClean="0"/>
-              <a:t>l’ether</a:t>
-            </a:r>
-            <a:r>
-              <a:rPr lang="en-US" dirty="0" smtClean="0"/>
-              <a:t> </a:t>
-            </a:r>
-            <a:r>
-              <a:rPr lang="en-US" dirty="0" err="1" smtClean="0"/>
-              <a:t>luminifère</a:t>
-            </a:r>
-            <a:r>
-              <a:rPr lang="en-US" dirty="0" smtClean="0"/>
-              <a:t>, milieu qui </a:t>
-            </a:r>
-            <a:r>
-              <a:rPr lang="en-US" dirty="0" err="1" smtClean="0"/>
-              <a:t>permetrait</a:t>
-            </a:r>
-            <a:r>
-              <a:rPr lang="en-US" dirty="0" smtClean="0"/>
-              <a:t> la propagation de la lumière en </a:t>
-            </a:r>
-            <a:r>
-              <a:rPr lang="en-US" dirty="0" err="1" smtClean="0"/>
-              <a:t>tant</a:t>
-            </a:r>
-            <a:r>
-              <a:rPr lang="en-US" dirty="0" smtClean="0"/>
-              <a:t> </a:t>
-            </a:r>
-            <a:r>
-              <a:rPr lang="en-US" dirty="0" err="1" smtClean="0"/>
-              <a:t>qu’onde</a:t>
-            </a:r>
-            <a:endParaRPr lang="en-US" dirty="0" smtClean="0"/>
-          </a:p>
-          <a:p>
-            <a:endParaRPr lang="en-US" dirty="0"/>
-          </a:p>
-          <a:p>
-            <a:endParaRPr lang="en-US" dirty="0"/>
+              <a:rPr lang="fr-FR" noProof="0" smtClean="0"/>
+              <a:t>Comportement ondulatoire et corpusculaire</a:t>
+            </a:r>
+          </a:p>
+          <a:p>
+            <a:endParaRPr lang="fr-FR" noProof="0" smtClean="0"/>
+          </a:p>
+          <a:p>
+            <a:r>
+              <a:rPr lang="fr-FR" noProof="0" smtClean="0"/>
+              <a:t>Aberration de la lumière</a:t>
+            </a:r>
+          </a:p>
+          <a:p>
+            <a:endParaRPr lang="fr-FR" noProof="0" smtClean="0"/>
+          </a:p>
+          <a:p>
+            <a:r>
+              <a:rPr lang="fr-FR" noProof="0" smtClean="0"/>
+              <a:t>Recherche de l’ether luminifère, milieu qui permetrait la propagation de la lumière en tant qu’onde</a:t>
+            </a:r>
+          </a:p>
+          <a:p>
+            <a:endParaRPr lang="fr-FR" noProof="0" smtClean="0"/>
+          </a:p>
+          <a:p>
+            <a:endParaRPr lang="fr-FR" noProof="0"/>
           </a:p>
         </p:txBody>
       </p:sp>
@@ -4098,6 +3906,13 @@
   <p:clrMapOvr>
     <a:masterClrMapping/>
   </p:clrMapOvr>
+  <p:timing>
+    <p:tnLst>
+      <p:par>
+        <p:cTn xmlns:p14="http://schemas.microsoft.com/office/powerpoint/2010/main" id="1" dur="indefinite" restart="never" nodeType="tmRoot"/>
+      </p:par>
+    </p:tnLst>
+  </p:timing>
 </p:sld>
 </file>
 
@@ -4134,14 +3949,10 @@
           <a:lstStyle/>
           <a:p>
             <a:r>
-              <a:rPr lang="en-US" dirty="0" err="1" smtClean="0"/>
-              <a:t>Experiènce</a:t>
-            </a:r>
-            <a:r>
-              <a:rPr lang="en-US" dirty="0" smtClean="0"/>
-              <a:t> de Michelson-Morley</a:t>
-            </a:r>
-            <a:endParaRPr lang="en-US" dirty="0"/>
+              <a:rPr lang="fr-FR" noProof="0" smtClean="0"/>
+              <a:t>Experiènce de Michelson-Morley</a:t>
+            </a:r>
+            <a:endParaRPr lang="fr-FR" noProof="0"/>
           </a:p>
         </p:txBody>
       </p:sp>
@@ -4161,87 +3972,33 @@
           <a:lstStyle/>
           <a:p>
             <a:r>
-              <a:rPr lang="en-US" dirty="0" err="1" smtClean="0"/>
-              <a:t>Mesure</a:t>
-            </a:r>
-            <a:r>
-              <a:rPr lang="en-US" dirty="0" smtClean="0"/>
-              <a:t> de la </a:t>
-            </a:r>
-            <a:r>
-              <a:rPr lang="en-US" dirty="0" err="1" smtClean="0"/>
-              <a:t>diffèrence</a:t>
-            </a:r>
-            <a:r>
-              <a:rPr lang="en-US" dirty="0" smtClean="0"/>
-              <a:t> de </a:t>
-            </a:r>
-            <a:r>
-              <a:rPr lang="en-US" dirty="0" err="1" smtClean="0"/>
-              <a:t>vitesse</a:t>
-            </a:r>
-            <a:r>
-              <a:rPr lang="en-US" dirty="0" smtClean="0"/>
-              <a:t> de la lumière </a:t>
-            </a:r>
-            <a:r>
-              <a:rPr lang="en-US" dirty="0" err="1" smtClean="0"/>
-              <a:t>dans</a:t>
-            </a:r>
-            <a:r>
-              <a:rPr lang="en-US" dirty="0" smtClean="0"/>
-              <a:t> </a:t>
-            </a:r>
-            <a:r>
-              <a:rPr lang="en-US" dirty="0" err="1" smtClean="0"/>
-              <a:t>deux</a:t>
-            </a:r>
-            <a:r>
-              <a:rPr lang="en-US" dirty="0" smtClean="0"/>
-              <a:t> directions </a:t>
-            </a:r>
-            <a:r>
-              <a:rPr lang="en-US" dirty="0" err="1" smtClean="0"/>
-              <a:t>perpendiculaires</a:t>
-            </a:r>
-            <a:endParaRPr lang="en-US" dirty="0" smtClean="0"/>
-          </a:p>
-          <a:p>
-            <a:endParaRPr lang="en-US" dirty="0"/>
-          </a:p>
-          <a:p>
-            <a:r>
-              <a:rPr lang="en-US" dirty="0" smtClean="0"/>
-              <a:t>A six </a:t>
-            </a:r>
-            <a:r>
-              <a:rPr lang="en-US" dirty="0" err="1" smtClean="0"/>
-              <a:t>mois</a:t>
-            </a:r>
-            <a:r>
-              <a:rPr lang="en-US" dirty="0" smtClean="0"/>
-              <a:t> </a:t>
-            </a:r>
-            <a:r>
-              <a:rPr lang="en-US" dirty="0" err="1" smtClean="0"/>
-              <a:t>d’intervale</a:t>
-            </a:r>
-            <a:endParaRPr lang="en-US" dirty="0" smtClean="0"/>
-          </a:p>
-          <a:p>
-            <a:endParaRPr lang="en-US" dirty="0"/>
+              <a:rPr lang="fr-FR" noProof="0" smtClean="0"/>
+              <a:t>Mesure de la diffèrence de vitesse de la lumière dans deux directions perpendiculaires</a:t>
+            </a:r>
+          </a:p>
+          <a:p>
+            <a:endParaRPr lang="fr-FR" noProof="0" smtClean="0"/>
+          </a:p>
+          <a:p>
+            <a:r>
+              <a:rPr lang="fr-FR" noProof="0" smtClean="0"/>
+              <a:t>A six mois d’intervale</a:t>
+            </a:r>
+          </a:p>
+          <a:p>
+            <a:endParaRPr lang="fr-FR" noProof="0" smtClean="0"/>
           </a:p>
           <a:p>
             <a:pPr marL="0" indent="0">
               <a:buNone/>
             </a:pPr>
-            <a:endParaRPr lang="en-US" dirty="0" smtClean="0"/>
-          </a:p>
-          <a:p>
-            <a:endParaRPr lang="en-US" dirty="0"/>
-          </a:p>
-          <a:p>
-            <a:endParaRPr lang="en-US" dirty="0"/>
+            <a:endParaRPr lang="fr-FR" noProof="0" smtClean="0"/>
+          </a:p>
+          <a:p>
+            <a:endParaRPr lang="fr-FR" noProof="0" smtClean="0"/>
+          </a:p>
+          <a:p>
+            <a:endParaRPr lang="fr-FR" noProof="0"/>
           </a:p>
         </p:txBody>
       </p:sp>
@@ -4255,6 +4012,13 @@
   <p:clrMapOvr>
     <a:masterClrMapping/>
   </p:clrMapOvr>
+  <p:timing>
+    <p:tnLst>
+      <p:par>
+        <p:cTn xmlns:p14="http://schemas.microsoft.com/office/powerpoint/2010/main" id="1" dur="indefinite" restart="never" nodeType="tmRoot"/>
+      </p:par>
+    </p:tnLst>
+  </p:timing>
 </p:sld>
 </file>
 
@@ -4291,10 +4055,10 @@
           <a:lstStyle/>
           <a:p>
             <a:r>
-              <a:rPr lang="en-US" dirty="0" smtClean="0"/>
+              <a:rPr lang="fr-FR" noProof="0" smtClean="0"/>
               <a:t>Experience de Michelson-Morley</a:t>
             </a:r>
-            <a:endParaRPr lang="en-US" dirty="0"/>
+            <a:endParaRPr lang="fr-FR" noProof="0"/>
           </a:p>
         </p:txBody>
       </p:sp>
@@ -4327,6 +4091,13 @@
   <p:clrMapOvr>
     <a:masterClrMapping/>
   </p:clrMapOvr>
+  <p:timing>
+    <p:tnLst>
+      <p:par>
+        <p:cTn xmlns:p14="http://schemas.microsoft.com/office/powerpoint/2010/main" id="1" dur="indefinite" restart="never" nodeType="tmRoot"/>
+      </p:par>
+    </p:tnLst>
+  </p:timing>
 </p:sld>
 </file>
 
@@ -4362,7 +4133,7 @@
           <a:bodyPr/>
           <a:lstStyle/>
           <a:p>
-            <a:endParaRPr lang="en-US"/>
+            <a:endParaRPr lang="fr-FR" noProof="0"/>
           </a:p>
         </p:txBody>
       </p:sp>
@@ -4395,6 +4166,13 @@
   <p:clrMapOvr>
     <a:masterClrMapping/>
   </p:clrMapOvr>
+  <p:timing>
+    <p:tnLst>
+      <p:par>
+        <p:cTn xmlns:p14="http://schemas.microsoft.com/office/powerpoint/2010/main" id="1" dur="indefinite" restart="never" nodeType="tmRoot"/>
+      </p:par>
+    </p:tnLst>
+  </p:timing>
 </p:sld>
 </file>
 
@@ -4431,10 +4209,10 @@
           <a:lstStyle/>
           <a:p>
             <a:r>
-              <a:rPr lang="en-US" dirty="0" err="1" smtClean="0"/>
+              <a:rPr lang="fr-FR" noProof="0" smtClean="0"/>
               <a:t>Resultat</a:t>
             </a:r>
-            <a:endParaRPr lang="en-US" dirty="0"/>
+            <a:endParaRPr lang="fr-FR" noProof="0"/>
           </a:p>
         </p:txBody>
       </p:sp>
@@ -4454,60 +4232,24 @@
           <a:lstStyle/>
           <a:p>
             <a:r>
-              <a:rPr lang="en-US" dirty="0" err="1" smtClean="0"/>
-              <a:t>L’experience</a:t>
-            </a:r>
-            <a:r>
-              <a:rPr lang="en-US" dirty="0" smtClean="0"/>
-              <a:t> de Michelson-Morley ne </a:t>
-            </a:r>
-            <a:r>
-              <a:rPr lang="en-US" dirty="0" err="1" smtClean="0"/>
-              <a:t>detecte</a:t>
-            </a:r>
-            <a:r>
-              <a:rPr lang="en-US" dirty="0" smtClean="0"/>
-              <a:t> pas de difference </a:t>
-            </a:r>
-            <a:r>
-              <a:rPr lang="en-US" dirty="0" err="1" smtClean="0"/>
-              <a:t>dans</a:t>
-            </a:r>
-            <a:r>
-              <a:rPr lang="en-US" dirty="0" smtClean="0"/>
-              <a:t> la </a:t>
-            </a:r>
-            <a:r>
-              <a:rPr lang="en-US" dirty="0" err="1" smtClean="0"/>
-              <a:t>vitesse</a:t>
-            </a:r>
-            <a:r>
-              <a:rPr lang="en-US" dirty="0" smtClean="0"/>
-              <a:t> de la lumière</a:t>
-            </a:r>
-          </a:p>
-          <a:p>
-            <a:endParaRPr lang="en-US" dirty="0"/>
-          </a:p>
-          <a:p>
-            <a:r>
-              <a:rPr lang="en-US" dirty="0" smtClean="0"/>
-              <a:t>Pas de trace de la </a:t>
-            </a:r>
-            <a:r>
-              <a:rPr lang="en-US" dirty="0" err="1" smtClean="0"/>
-              <a:t>planète</a:t>
-            </a:r>
-            <a:r>
-              <a:rPr lang="en-US" dirty="0" smtClean="0"/>
-              <a:t> Vulcan</a:t>
-            </a:r>
-          </a:p>
-          <a:p>
-            <a:endParaRPr lang="en-US" dirty="0"/>
-          </a:p>
-          <a:p>
-            <a:endParaRPr lang="en-US" dirty="0"/>
+              <a:rPr lang="fr-FR" noProof="0" smtClean="0"/>
+              <a:t>L’experience de Michelson-Morley ne detecte pas de difference dans la vitesse de la lumière</a:t>
+            </a:r>
+          </a:p>
+          <a:p>
+            <a:endParaRPr lang="fr-FR" noProof="0" smtClean="0"/>
+          </a:p>
+          <a:p>
+            <a:r>
+              <a:rPr lang="fr-FR" noProof="0" smtClean="0"/>
+              <a:t>Pas de trace de la planète Vulcan</a:t>
+            </a:r>
+          </a:p>
+          <a:p>
+            <a:endParaRPr lang="fr-FR" noProof="0" smtClean="0"/>
+          </a:p>
+          <a:p>
+            <a:endParaRPr lang="fr-FR" noProof="0"/>
           </a:p>
         </p:txBody>
       </p:sp>
@@ -4521,6 +4263,13 @@
   <p:clrMapOvr>
     <a:masterClrMapping/>
   </p:clrMapOvr>
+  <p:timing>
+    <p:tnLst>
+      <p:par>
+        <p:cTn xmlns:p14="http://schemas.microsoft.com/office/powerpoint/2010/main" id="1" dur="indefinite" restart="never" nodeType="tmRoot"/>
+      </p:par>
+    </p:tnLst>
+  </p:timing>
 </p:sld>
 </file>
 
@@ -4557,10 +4306,10 @@
           <a:lstStyle/>
           <a:p>
             <a:r>
-              <a:rPr lang="en-US" dirty="0" err="1" smtClean="0"/>
+              <a:rPr lang="fr-FR" noProof="0" smtClean="0"/>
               <a:t>Tatonments</a:t>
             </a:r>
-            <a:endParaRPr lang="en-US" dirty="0"/>
+            <a:endParaRPr lang="fr-FR" noProof="0"/>
           </a:p>
         </p:txBody>
       </p:sp>
@@ -4582,101 +4331,40 @@
           <a:lstStyle/>
           <a:p>
             <a:r>
-              <a:rPr lang="en-US" dirty="0" err="1" smtClean="0"/>
-              <a:t>Hendrik</a:t>
-            </a:r>
-            <a:r>
-              <a:rPr lang="en-US" dirty="0" smtClean="0"/>
-              <a:t> Lorentz</a:t>
+              <a:rPr lang="fr-FR" noProof="0" smtClean="0"/>
+              <a:t>Hendrik Lorentz</a:t>
             </a:r>
           </a:p>
           <a:p>
             <a:pPr lvl="1"/>
             <a:r>
-              <a:rPr lang="en-US" dirty="0" smtClean="0"/>
-              <a:t>Contraction </a:t>
-            </a:r>
-            <a:r>
-              <a:rPr lang="en-US" dirty="0" err="1" smtClean="0"/>
-              <a:t>réelle</a:t>
-            </a:r>
-            <a:r>
-              <a:rPr lang="en-US" dirty="0" smtClean="0"/>
-              <a:t> des </a:t>
-            </a:r>
-            <a:r>
-              <a:rPr lang="en-US" dirty="0" err="1" smtClean="0"/>
-              <a:t>longueurs</a:t>
-            </a:r>
-            <a:r>
-              <a:rPr lang="en-US" dirty="0" smtClean="0"/>
-              <a:t> pour </a:t>
-            </a:r>
-            <a:r>
-              <a:rPr lang="en-US" dirty="0" err="1" smtClean="0"/>
-              <a:t>expliquer</a:t>
-            </a:r>
-            <a:r>
-              <a:rPr lang="en-US" dirty="0" smtClean="0"/>
-              <a:t> </a:t>
-            </a:r>
-            <a:r>
-              <a:rPr lang="en-US" dirty="0" err="1" smtClean="0"/>
-              <a:t>résultat</a:t>
-            </a:r>
-            <a:r>
-              <a:rPr lang="en-US" dirty="0" smtClean="0"/>
-              <a:t> null de </a:t>
-            </a:r>
-            <a:r>
-              <a:rPr lang="en-US" dirty="0" err="1" smtClean="0"/>
-              <a:t>l’expérience</a:t>
-            </a:r>
-            <a:r>
-              <a:rPr lang="en-US" dirty="0" smtClean="0"/>
-              <a:t> de Michelson et Morley</a:t>
-            </a:r>
-          </a:p>
-          <a:p>
-            <a:endParaRPr lang="en-US" dirty="0"/>
-          </a:p>
-          <a:p>
-            <a:r>
-              <a:rPr lang="en-US" dirty="0" smtClean="0"/>
-              <a:t>Henri </a:t>
-            </a:r>
-            <a:r>
-              <a:rPr lang="en-US" dirty="0" err="1" smtClean="0"/>
-              <a:t>Poincaré</a:t>
-            </a:r>
-            <a:endParaRPr lang="en-US" dirty="0" smtClean="0"/>
+              <a:rPr lang="fr-FR" noProof="0" smtClean="0"/>
+              <a:t>Contraction réelle des longueurs pour expliquer résultat null de l’expérience de Michelson et Morley</a:t>
+            </a:r>
+          </a:p>
+          <a:p>
+            <a:endParaRPr lang="fr-FR" noProof="0" smtClean="0"/>
+          </a:p>
+          <a:p>
+            <a:r>
+              <a:rPr lang="fr-FR" noProof="0" smtClean="0"/>
+              <a:t>Henri Poincaré</a:t>
+            </a:r>
           </a:p>
           <a:p>
             <a:pPr lvl="1"/>
             <a:r>
-              <a:rPr lang="en-US" dirty="0" smtClean="0"/>
+              <a:rPr lang="fr-FR" noProof="0" smtClean="0"/>
               <a:t>Invariance des equations de Maxwell par transformation de Lorentz</a:t>
             </a:r>
           </a:p>
           <a:p>
             <a:pPr lvl="1"/>
             <a:r>
-              <a:rPr lang="en-US" dirty="0" smtClean="0"/>
-              <a:t>Pas de temps et </a:t>
-            </a:r>
-            <a:r>
-              <a:rPr lang="en-US" dirty="0" err="1" smtClean="0"/>
-              <a:t>espace</a:t>
-            </a:r>
-            <a:r>
-              <a:rPr lang="en-US" dirty="0" smtClean="0"/>
-              <a:t> </a:t>
-            </a:r>
-            <a:r>
-              <a:rPr lang="en-US" dirty="0" err="1" smtClean="0"/>
-              <a:t>absolu</a:t>
-            </a:r>
-            <a:endParaRPr lang="en-US" dirty="0"/>
+              <a:rPr lang="fr-FR" noProof="0" smtClean="0"/>
+              <a:t>Pas de temps et espace absolu</a:t>
+            </a:r>
+            <a:endParaRPr lang="fr-FR" noProof="0"/>
           </a:p>
         </p:txBody>
       </p:sp>
@@ -4690,6 +4378,13 @@
   <p:clrMapOvr>
     <a:masterClrMapping/>
   </p:clrMapOvr>
+  <p:timing>
+    <p:tnLst>
+      <p:par>
+        <p:cTn xmlns:p14="http://schemas.microsoft.com/office/powerpoint/2010/main" id="1" dur="indefinite" restart="never" nodeType="tmRoot"/>
+      </p:par>
+    </p:tnLst>
+  </p:timing>
 </p:sld>
 </file>
 
@@ -4726,10 +4421,10 @@
           <a:lstStyle/>
           <a:p>
             <a:r>
-              <a:rPr lang="en-US" dirty="0" smtClean="0"/>
+              <a:rPr lang="fr-FR" noProof="0" smtClean="0"/>
               <a:t>Consolidation</a:t>
             </a:r>
-            <a:endParaRPr lang="en-US" dirty="0"/>
+            <a:endParaRPr lang="fr-FR" noProof="0"/>
           </a:p>
         </p:txBody>
       </p:sp>
@@ -4749,139 +4444,41 @@
           <a:lstStyle/>
           <a:p>
             <a:r>
-              <a:rPr lang="en-US" dirty="0" smtClean="0"/>
+              <a:rPr lang="fr-FR" noProof="0" smtClean="0"/>
               <a:t>1905 “</a:t>
             </a:r>
             <a:r>
-              <a:rPr lang="en-US" i="1" dirty="0" smtClean="0"/>
-              <a:t>De </a:t>
-            </a:r>
-            <a:r>
-              <a:rPr lang="en-US" i="1" dirty="0" err="1" smtClean="0"/>
-              <a:t>l’electrodynamique</a:t>
-            </a:r>
-            <a:r>
-              <a:rPr lang="en-US" i="1" dirty="0" smtClean="0"/>
-              <a:t> des corps en </a:t>
-            </a:r>
-            <a:r>
-              <a:rPr lang="en-US" i="1" dirty="0" err="1" smtClean="0"/>
-              <a:t>mouvement</a:t>
-            </a:r>
-            <a:r>
-              <a:rPr lang="en-US" dirty="0" smtClean="0"/>
+              <a:rPr lang="fr-FR" i="1" noProof="0" smtClean="0"/>
+              <a:t>De l’electrodynamique des corps en mouvement</a:t>
+            </a:r>
+            <a:r>
+              <a:rPr lang="fr-FR" noProof="0" smtClean="0"/>
               <a:t>” Albert Einstein</a:t>
             </a:r>
           </a:p>
           <a:p>
-            <a:endParaRPr lang="en-US" dirty="0"/>
-          </a:p>
-          <a:p>
-            <a:r>
-              <a:rPr lang="en-US" dirty="0" smtClean="0"/>
-              <a:t>2 </a:t>
-            </a:r>
-            <a:r>
-              <a:rPr lang="en-US" dirty="0" err="1" smtClean="0"/>
-              <a:t>postulats</a:t>
-            </a:r>
-            <a:endParaRPr lang="en-US" dirty="0" smtClean="0"/>
+            <a:endParaRPr lang="fr-FR" noProof="0" smtClean="0"/>
+          </a:p>
+          <a:p>
+            <a:r>
+              <a:rPr lang="fr-FR" noProof="0" smtClean="0"/>
+              <a:t>2 postulats</a:t>
+            </a:r>
           </a:p>
           <a:p>
             <a:pPr lvl="1"/>
             <a:r>
-              <a:rPr lang="en-US" dirty="0" smtClean="0"/>
-              <a:t>Invariance des </a:t>
-            </a:r>
-            <a:r>
-              <a:rPr lang="en-US" dirty="0" err="1" smtClean="0"/>
-              <a:t>lois</a:t>
-            </a:r>
-            <a:r>
-              <a:rPr lang="en-US" dirty="0" smtClean="0"/>
-              <a:t> de la physique </a:t>
-            </a:r>
-            <a:r>
-              <a:rPr lang="en-US" dirty="0" err="1" smtClean="0"/>
-              <a:t>dans</a:t>
-            </a:r>
-            <a:r>
-              <a:rPr lang="en-US" dirty="0" smtClean="0"/>
-              <a:t> des </a:t>
-            </a:r>
-            <a:r>
-              <a:rPr lang="en-US" dirty="0" err="1" smtClean="0"/>
-              <a:t>referntiels</a:t>
-            </a:r>
-            <a:r>
-              <a:rPr lang="en-US" dirty="0" smtClean="0"/>
-              <a:t> </a:t>
-            </a:r>
-            <a:r>
-              <a:rPr lang="en-US" dirty="0" err="1" smtClean="0"/>
-              <a:t>intértiels</a:t>
-            </a:r>
-            <a:endParaRPr lang="en-US" dirty="0" smtClean="0"/>
+              <a:rPr lang="fr-FR" noProof="0" smtClean="0"/>
+              <a:t>Invariance des lois de la physique dans des referntiels intértiels</a:t>
+            </a:r>
           </a:p>
           <a:p>
             <a:pPr lvl="1"/>
             <a:r>
-              <a:rPr lang="en-US" dirty="0" smtClean="0"/>
-              <a:t>La </a:t>
-            </a:r>
-            <a:r>
-              <a:rPr lang="en-US" dirty="0" err="1" smtClean="0"/>
-              <a:t>vitesse</a:t>
-            </a:r>
-            <a:r>
-              <a:rPr lang="en-US" dirty="0" smtClean="0"/>
-              <a:t> de la lumière </a:t>
-            </a:r>
-            <a:r>
-              <a:rPr lang="en-US" dirty="0" err="1" smtClean="0"/>
-              <a:t>est</a:t>
-            </a:r>
-            <a:r>
-              <a:rPr lang="en-US" dirty="0" smtClean="0"/>
-              <a:t> la </a:t>
-            </a:r>
-            <a:r>
-              <a:rPr lang="en-US" dirty="0" err="1" smtClean="0"/>
-              <a:t>même</a:t>
-            </a:r>
-            <a:r>
-              <a:rPr lang="en-US" dirty="0" smtClean="0"/>
-              <a:t> </a:t>
-            </a:r>
-            <a:r>
-              <a:rPr lang="en-US" dirty="0" err="1" smtClean="0"/>
-              <a:t>dans</a:t>
-            </a:r>
-            <a:r>
-              <a:rPr lang="en-US" dirty="0" smtClean="0"/>
-              <a:t> </a:t>
-            </a:r>
-            <a:r>
-              <a:rPr lang="en-US" dirty="0" err="1" smtClean="0"/>
-              <a:t>tous</a:t>
-            </a:r>
-            <a:r>
-              <a:rPr lang="en-US" dirty="0" smtClean="0"/>
-              <a:t> les </a:t>
-            </a:r>
-            <a:r>
-              <a:rPr lang="en-US" dirty="0" err="1" smtClean="0"/>
-              <a:t>réferentiels</a:t>
-            </a:r>
-            <a:r>
-              <a:rPr lang="en-US" dirty="0" smtClean="0"/>
-              <a:t> </a:t>
-            </a:r>
-            <a:r>
-              <a:rPr lang="en-US" dirty="0" err="1" smtClean="0"/>
-              <a:t>intertiels</a:t>
-            </a:r>
-            <a:endParaRPr lang="en-US" dirty="0"/>
+              <a:rPr lang="fr-FR" noProof="0" smtClean="0"/>
+              <a:t>La vitesse de la lumière est la même dans tous les réferentiels intertiels</a:t>
+            </a:r>
+            <a:endParaRPr lang="fr-FR" noProof="0"/>
           </a:p>
         </p:txBody>
       </p:sp>
@@ -4937,7 +4534,7 @@
           <a:bodyPr/>
           <a:lstStyle/>
           <a:p>
-            <a:endParaRPr lang="en-US"/>
+            <a:endParaRPr lang="fr-FR" noProof="0"/>
           </a:p>
         </p:txBody>
       </p:sp>
@@ -5018,10 +4615,10 @@
           <a:lstStyle/>
           <a:p>
             <a:r>
-              <a:rPr lang="en-US" dirty="0" smtClean="0"/>
+              <a:rPr lang="fr-FR" noProof="0" smtClean="0"/>
               <a:t>introduction</a:t>
             </a:r>
-            <a:endParaRPr lang="en-US" dirty="0"/>
+            <a:endParaRPr lang="fr-FR" noProof="0"/>
           </a:p>
         </p:txBody>
       </p:sp>
@@ -5097,14 +4694,10 @@
           <a:lstStyle/>
           <a:p>
             <a:r>
-              <a:rPr lang="en-US" dirty="0" err="1" smtClean="0"/>
-              <a:t>Mesure</a:t>
-            </a:r>
-            <a:r>
-              <a:rPr lang="en-US" dirty="0" smtClean="0"/>
-              <a:t> du temps</a:t>
-            </a:r>
-            <a:endParaRPr lang="en-US" dirty="0"/>
+              <a:rPr lang="fr-FR" noProof="0" smtClean="0"/>
+              <a:t>Mesure du temps</a:t>
+            </a:r>
+            <a:endParaRPr lang="fr-FR" noProof="0"/>
           </a:p>
         </p:txBody>
       </p:sp>
@@ -5506,18 +5099,10 @@
           <a:lstStyle/>
           <a:p>
             <a:r>
-              <a:rPr lang="en-US" dirty="0" err="1" smtClean="0"/>
-              <a:t>Synchronisation</a:t>
-            </a:r>
-            <a:r>
-              <a:rPr lang="en-US" dirty="0" smtClean="0"/>
-              <a:t> </a:t>
-            </a:r>
-            <a:r>
-              <a:rPr lang="en-US" dirty="0" err="1" smtClean="0"/>
-              <a:t>horloges</a:t>
-            </a:r>
-            <a:endParaRPr lang="en-US" dirty="0"/>
+              <a:rPr lang="fr-FR" noProof="0" smtClean="0"/>
+              <a:t>Synchronisation horloges</a:t>
+            </a:r>
+            <a:endParaRPr lang="fr-FR" noProof="0"/>
           </a:p>
         </p:txBody>
       </p:sp>
@@ -6320,18 +5905,10 @@
           <a:lstStyle/>
           <a:p>
             <a:r>
-              <a:rPr lang="en-US" dirty="0" err="1" smtClean="0"/>
-              <a:t>Synchronisation</a:t>
-            </a:r>
-            <a:r>
-              <a:rPr lang="en-US" dirty="0" smtClean="0"/>
-              <a:t> </a:t>
-            </a:r>
-            <a:r>
-              <a:rPr lang="en-US" dirty="0" err="1" smtClean="0"/>
-              <a:t>horloges</a:t>
-            </a:r>
-            <a:endParaRPr lang="en-US" dirty="0"/>
+              <a:rPr lang="fr-FR" noProof="0" smtClean="0"/>
+              <a:t>Synchronisation horloges</a:t>
+            </a:r>
+            <a:endParaRPr lang="fr-FR" noProof="0"/>
           </a:p>
         </p:txBody>
       </p:sp>
@@ -7270,14 +6847,10 @@
           <a:lstStyle/>
           <a:p>
             <a:r>
-              <a:rPr lang="en-US" dirty="0" err="1" smtClean="0"/>
-              <a:t>Espace</a:t>
-            </a:r>
-            <a:r>
-              <a:rPr lang="en-US" dirty="0" smtClean="0"/>
-              <a:t> et temps</a:t>
-            </a:r>
-            <a:endParaRPr lang="en-US" dirty="0"/>
+              <a:rPr lang="fr-FR" noProof="0" smtClean="0"/>
+              <a:t>Espace et temps</a:t>
+            </a:r>
+            <a:endParaRPr lang="fr-FR" noProof="0"/>
           </a:p>
         </p:txBody>
       </p:sp>
@@ -7802,14 +7375,10 @@
           <a:lstStyle/>
           <a:p>
             <a:r>
-              <a:rPr lang="en-US" dirty="0" err="1" smtClean="0"/>
-              <a:t>Mesure</a:t>
-            </a:r>
-            <a:r>
-              <a:rPr lang="en-US" dirty="0" smtClean="0"/>
-              <a:t> du temps relative</a:t>
-            </a:r>
-            <a:endParaRPr lang="en-US" dirty="0"/>
+              <a:rPr lang="fr-FR" noProof="0" dirty="0" smtClean="0"/>
+              <a:t>Mesure du temps relative</a:t>
+            </a:r>
+            <a:endParaRPr lang="fr-FR" noProof="0" dirty="0"/>
           </a:p>
         </p:txBody>
       </p:sp>
@@ -7823,7 +7392,12 @@
             <p:ph idx="1"/>
           </p:nvPr>
         </p:nvSpPr>
-        <p:spPr/>
+        <p:spPr>
+          <a:xfrm>
+            <a:off x="457200" y="1663279"/>
+            <a:ext cx="8229600" cy="4525963"/>
+          </a:xfrm>
+        </p:spPr>
         <p:txBody>
           <a:bodyPr/>
           <a:lstStyle/>
@@ -7831,10 +7405,10 @@
             <a:pPr marL="0" indent="0">
               <a:buNone/>
             </a:pPr>
-            <a:endParaRPr lang="en-US" dirty="0"/>
-          </a:p>
-          <a:p>
-            <a:endParaRPr lang="en-US" dirty="0"/>
+            <a:endParaRPr lang="fr-FR" noProof="0" smtClean="0"/>
+          </a:p>
+          <a:p>
+            <a:endParaRPr lang="fr-FR" noProof="0"/>
           </a:p>
         </p:txBody>
       </p:sp>
@@ -8404,14 +7978,10 @@
           <a:lstStyle/>
           <a:p>
             <a:r>
-              <a:rPr lang="en-US" dirty="0" err="1" smtClean="0"/>
-              <a:t>Mesure</a:t>
-            </a:r>
-            <a:r>
-              <a:rPr lang="en-US" dirty="0" smtClean="0"/>
-              <a:t> du temps relative</a:t>
-            </a:r>
-            <a:endParaRPr lang="en-US" dirty="0"/>
+              <a:rPr lang="fr-FR" noProof="0" smtClean="0"/>
+              <a:t>Mesure du temps relative</a:t>
+            </a:r>
+            <a:endParaRPr lang="fr-FR" noProof="0"/>
           </a:p>
         </p:txBody>
       </p:sp>
@@ -8436,34 +8006,10 @@
           <a:lstStyle/>
           <a:p>
             <a:r>
-              <a:rPr lang="en-US" dirty="0" smtClean="0"/>
-              <a:t>Comment O </a:t>
-            </a:r>
-            <a:r>
-              <a:rPr lang="en-US" dirty="0" err="1" smtClean="0"/>
-              <a:t>voit</a:t>
-            </a:r>
-            <a:r>
-              <a:rPr lang="en-US" dirty="0" smtClean="0"/>
-              <a:t> </a:t>
-            </a:r>
-            <a:r>
-              <a:rPr lang="en-US" dirty="0" err="1" smtClean="0"/>
-              <a:t>l’horloge</a:t>
-            </a:r>
-            <a:r>
-              <a:rPr lang="en-US" dirty="0" smtClean="0"/>
-              <a:t> </a:t>
-            </a:r>
-            <a:r>
-              <a:rPr lang="en-US" dirty="0" err="1" smtClean="0"/>
-              <a:t>sur</a:t>
-            </a:r>
-            <a:r>
-              <a:rPr lang="en-US" dirty="0" smtClean="0"/>
-              <a:t> O’</a:t>
-            </a:r>
-            <a:endParaRPr lang="en-US" dirty="0"/>
+              <a:rPr lang="fr-FR" noProof="0" smtClean="0"/>
+              <a:t>Comment O voit l’horloge sur O’</a:t>
+            </a:r>
+            <a:endParaRPr lang="fr-FR" noProof="0"/>
           </a:p>
         </p:txBody>
       </p:sp>
@@ -8719,14 +8265,10 @@
           <a:lstStyle/>
           <a:p>
             <a:r>
-              <a:rPr lang="en-US" dirty="0" err="1" smtClean="0"/>
-              <a:t>Mesure</a:t>
-            </a:r>
-            <a:r>
-              <a:rPr lang="en-US" dirty="0" smtClean="0"/>
-              <a:t> du temps relative</a:t>
-            </a:r>
-            <a:endParaRPr lang="en-US" dirty="0"/>
+              <a:rPr lang="fr-FR" noProof="0" smtClean="0"/>
+              <a:t>Mesure du temps relative</a:t>
+            </a:r>
+            <a:endParaRPr lang="fr-FR" noProof="0"/>
           </a:p>
         </p:txBody>
       </p:sp>
@@ -8751,34 +8293,10 @@
           <a:lstStyle/>
           <a:p>
             <a:r>
-              <a:rPr lang="en-US" dirty="0" smtClean="0"/>
-              <a:t>Comment O </a:t>
-            </a:r>
-            <a:r>
-              <a:rPr lang="en-US" dirty="0" err="1" smtClean="0"/>
-              <a:t>voit</a:t>
-            </a:r>
-            <a:r>
-              <a:rPr lang="en-US" dirty="0" smtClean="0"/>
-              <a:t> </a:t>
-            </a:r>
-            <a:r>
-              <a:rPr lang="en-US" dirty="0" err="1" smtClean="0"/>
-              <a:t>l’horloge</a:t>
-            </a:r>
-            <a:r>
-              <a:rPr lang="en-US" dirty="0" smtClean="0"/>
-              <a:t> </a:t>
-            </a:r>
-            <a:r>
-              <a:rPr lang="en-US" dirty="0" err="1" smtClean="0"/>
-              <a:t>sur</a:t>
-            </a:r>
-            <a:r>
-              <a:rPr lang="en-US" dirty="0" smtClean="0"/>
-              <a:t> O’</a:t>
-            </a:r>
-            <a:endParaRPr lang="en-US" dirty="0"/>
+              <a:rPr lang="fr-FR" noProof="0" smtClean="0"/>
+              <a:t>Comment O voit l’horloge sur O’</a:t>
+            </a:r>
+            <a:endParaRPr lang="fr-FR" noProof="0"/>
           </a:p>
         </p:txBody>
       </p:sp>
@@ -9140,11 +8658,7 @@
           <a:p>
             <a:r>
               <a:rPr lang="en-US" dirty="0" smtClean="0"/>
-              <a:t>H</a:t>
-            </a:r>
-            <a:r>
-              <a:rPr lang="en-US" dirty="0" smtClean="0"/>
-              <a:t>^2+(T*v/2)^2=c</a:t>
+              <a:t>H^2+(T*v/2)^2=c</a:t>
             </a:r>
             <a:endParaRPr lang="en-US" dirty="0"/>
           </a:p>
@@ -9154,6 +8668,991 @@
     <p:extLst>
       <p:ext uri="{BB962C8B-B14F-4D97-AF65-F5344CB8AC3E}">
         <p14:creationId xmlns:p14="http://schemas.microsoft.com/office/powerpoint/2010/main" val="2253422244"/>
+      </p:ext>
+    </p:extLst>
+  </p:cSld>
+  <p:clrMapOvr>
+    <a:masterClrMapping/>
+  </p:clrMapOvr>
+  <p:timing>
+    <p:tnLst>
+      <p:par>
+        <p:cTn xmlns:p14="http://schemas.microsoft.com/office/powerpoint/2010/main" id="1" dur="indefinite" restart="never" nodeType="tmRoot"/>
+      </p:par>
+    </p:tnLst>
+  </p:timing>
+</p:sld>
+</file>
+
+<file path=ppt/slides/slide27.xml><?xml version="1.0" encoding="utf-8"?>
+<p:sld xmlns:a="http://schemas.openxmlformats.org/drawingml/2006/main" xmlns:r="http://schemas.openxmlformats.org/officeDocument/2006/relationships" xmlns:p="http://schemas.openxmlformats.org/presentationml/2006/main">
+  <p:cSld>
+    <p:spTree>
+      <p:nvGrpSpPr>
+        <p:cNvPr id="1" name=""/>
+        <p:cNvGrpSpPr/>
+        <p:nvPr/>
+      </p:nvGrpSpPr>
+      <p:grpSpPr>
+        <a:xfrm>
+          <a:off x="0" y="0"/>
+          <a:ext cx="0" cy="0"/>
+          <a:chOff x="0" y="0"/>
+          <a:chExt cx="0" cy="0"/>
+        </a:xfrm>
+      </p:grpSpPr>
+      <p:sp>
+        <p:nvSpPr>
+          <p:cNvPr id="2" name="Title 1"/>
+          <p:cNvSpPr>
+            <a:spLocks noGrp="1"/>
+          </p:cNvSpPr>
+          <p:nvPr>
+            <p:ph type="title"/>
+          </p:nvPr>
+        </p:nvSpPr>
+        <p:spPr/>
+        <p:txBody>
+          <a:bodyPr/>
+          <a:lstStyle/>
+          <a:p>
+            <a:r>
+              <a:rPr lang="fr-FR" noProof="0" smtClean="0"/>
+              <a:t>Dilatation du temps</a:t>
+            </a:r>
+            <a:endParaRPr lang="fr-FR" noProof="0"/>
+          </a:p>
+        </p:txBody>
+      </p:sp>
+      <p:sp>
+        <p:nvSpPr>
+          <p:cNvPr id="3" name="Content Placeholder 2"/>
+          <p:cNvSpPr>
+            <a:spLocks noGrp="1"/>
+          </p:cNvSpPr>
+          <p:nvPr>
+            <p:ph idx="1"/>
+          </p:nvPr>
+        </p:nvSpPr>
+        <p:spPr/>
+        <p:txBody>
+          <a:bodyPr/>
+          <a:lstStyle/>
+          <a:p>
+            <a:endParaRPr lang="en-US"/>
+          </a:p>
+        </p:txBody>
+      </p:sp>
+    </p:spTree>
+    <p:extLst>
+      <p:ext uri="{BB962C8B-B14F-4D97-AF65-F5344CB8AC3E}">
+        <p14:creationId xmlns:p14="http://schemas.microsoft.com/office/powerpoint/2010/main" val="3412147667"/>
+      </p:ext>
+    </p:extLst>
+  </p:cSld>
+  <p:clrMapOvr>
+    <a:masterClrMapping/>
+  </p:clrMapOvr>
+  <p:timing>
+    <p:tnLst>
+      <p:par>
+        <p:cTn xmlns:p14="http://schemas.microsoft.com/office/powerpoint/2010/main" id="1" dur="indefinite" restart="never" nodeType="tmRoot"/>
+      </p:par>
+    </p:tnLst>
+  </p:timing>
+</p:sld>
+</file>
+
+<file path=ppt/slides/slide28.xml><?xml version="1.0" encoding="utf-8"?>
+<p:sld xmlns:a="http://schemas.openxmlformats.org/drawingml/2006/main" xmlns:r="http://schemas.openxmlformats.org/officeDocument/2006/relationships" xmlns:p="http://schemas.openxmlformats.org/presentationml/2006/main">
+  <p:cSld>
+    <p:spTree>
+      <p:nvGrpSpPr>
+        <p:cNvPr id="1" name=""/>
+        <p:cNvGrpSpPr/>
+        <p:nvPr/>
+      </p:nvGrpSpPr>
+      <p:grpSpPr>
+        <a:xfrm>
+          <a:off x="0" y="0"/>
+          <a:ext cx="0" cy="0"/>
+          <a:chOff x="0" y="0"/>
+          <a:chExt cx="0" cy="0"/>
+        </a:xfrm>
+      </p:grpSpPr>
+      <p:sp>
+        <p:nvSpPr>
+          <p:cNvPr id="2" name="Title 1"/>
+          <p:cNvSpPr>
+            <a:spLocks noGrp="1"/>
+          </p:cNvSpPr>
+          <p:nvPr>
+            <p:ph type="title"/>
+          </p:nvPr>
+        </p:nvSpPr>
+        <p:spPr/>
+        <p:txBody>
+          <a:bodyPr/>
+          <a:lstStyle/>
+          <a:p>
+            <a:r>
+              <a:rPr lang="fr-FR" noProof="0" smtClean="0"/>
+              <a:t>Relativité de la simultaneité</a:t>
+            </a:r>
+            <a:endParaRPr lang="fr-FR" noProof="0"/>
+          </a:p>
+        </p:txBody>
+      </p:sp>
+      <p:cxnSp>
+        <p:nvCxnSpPr>
+          <p:cNvPr id="22" name="Straight Connector 21"/>
+          <p:cNvCxnSpPr/>
+          <p:nvPr/>
+        </p:nvCxnSpPr>
+        <p:spPr>
+          <a:xfrm>
+            <a:off x="1898719" y="3270035"/>
+            <a:ext cx="3183045" cy="0"/>
+          </a:xfrm>
+          <a:prstGeom prst="line">
+            <a:avLst/>
+          </a:prstGeom>
+        </p:spPr>
+        <p:style>
+          <a:lnRef idx="2">
+            <a:schemeClr val="accent1"/>
+          </a:lnRef>
+          <a:fillRef idx="0">
+            <a:schemeClr val="accent1"/>
+          </a:fillRef>
+          <a:effectRef idx="1">
+            <a:schemeClr val="accent1"/>
+          </a:effectRef>
+          <a:fontRef idx="minor">
+            <a:schemeClr val="tx1"/>
+          </a:fontRef>
+        </p:style>
+      </p:cxnSp>
+      <p:sp>
+        <p:nvSpPr>
+          <p:cNvPr id="23" name="Lightning Bolt 22"/>
+          <p:cNvSpPr/>
+          <p:nvPr/>
+        </p:nvSpPr>
+        <p:spPr>
+          <a:xfrm>
+            <a:off x="1205943" y="2065257"/>
+            <a:ext cx="705605" cy="1233531"/>
+          </a:xfrm>
+          <a:prstGeom prst="lightningBolt">
+            <a:avLst/>
+          </a:prstGeom>
+        </p:spPr>
+        <p:style>
+          <a:lnRef idx="1">
+            <a:schemeClr val="accent3"/>
+          </a:lnRef>
+          <a:fillRef idx="3">
+            <a:schemeClr val="accent3"/>
+          </a:fillRef>
+          <a:effectRef idx="2">
+            <a:schemeClr val="accent3"/>
+          </a:effectRef>
+          <a:fontRef idx="minor">
+            <a:schemeClr val="lt1"/>
+          </a:fontRef>
+        </p:style>
+        <p:txBody>
+          <a:bodyPr rtlCol="0" anchor="ctr"/>
+          <a:lstStyle/>
+          <a:p>
+            <a:pPr algn="ctr"/>
+            <a:endParaRPr lang="en-US"/>
+          </a:p>
+        </p:txBody>
+      </p:sp>
+      <p:sp>
+        <p:nvSpPr>
+          <p:cNvPr id="24" name="Lightning Bolt 23"/>
+          <p:cNvSpPr/>
+          <p:nvPr/>
+        </p:nvSpPr>
+        <p:spPr>
+          <a:xfrm>
+            <a:off x="4413239" y="2065258"/>
+            <a:ext cx="668525" cy="1204778"/>
+          </a:xfrm>
+          <a:prstGeom prst="lightningBolt">
+            <a:avLst/>
+          </a:prstGeom>
+        </p:spPr>
+        <p:style>
+          <a:lnRef idx="1">
+            <a:schemeClr val="accent3"/>
+          </a:lnRef>
+          <a:fillRef idx="3">
+            <a:schemeClr val="accent3"/>
+          </a:fillRef>
+          <a:effectRef idx="2">
+            <a:schemeClr val="accent3"/>
+          </a:effectRef>
+          <a:fontRef idx="minor">
+            <a:schemeClr val="lt1"/>
+          </a:fontRef>
+        </p:style>
+        <p:txBody>
+          <a:bodyPr rtlCol="0" anchor="ctr"/>
+          <a:lstStyle/>
+          <a:p>
+            <a:pPr algn="ctr"/>
+            <a:endParaRPr lang="en-US"/>
+          </a:p>
+        </p:txBody>
+      </p:sp>
+      <p:sp>
+        <p:nvSpPr>
+          <p:cNvPr id="25" name="Right Arrow 24"/>
+          <p:cNvSpPr/>
+          <p:nvPr/>
+        </p:nvSpPr>
+        <p:spPr>
+          <a:xfrm>
+            <a:off x="5606353" y="3090448"/>
+            <a:ext cx="1051993" cy="359175"/>
+          </a:xfrm>
+          <a:prstGeom prst="rightArrow">
+            <a:avLst/>
+          </a:prstGeom>
+        </p:spPr>
+        <p:style>
+          <a:lnRef idx="1">
+            <a:schemeClr val="accent1"/>
+          </a:lnRef>
+          <a:fillRef idx="3">
+            <a:schemeClr val="accent1"/>
+          </a:fillRef>
+          <a:effectRef idx="2">
+            <a:schemeClr val="accent1"/>
+          </a:effectRef>
+          <a:fontRef idx="minor">
+            <a:schemeClr val="lt1"/>
+          </a:fontRef>
+        </p:style>
+        <p:txBody>
+          <a:bodyPr rtlCol="0" anchor="ctr"/>
+          <a:lstStyle/>
+          <a:p>
+            <a:pPr algn="ctr"/>
+            <a:r>
+              <a:rPr lang="en-US" dirty="0" smtClean="0"/>
+              <a:t>V</a:t>
+            </a:r>
+          </a:p>
+        </p:txBody>
+      </p:sp>
+      <p:grpSp>
+        <p:nvGrpSpPr>
+          <p:cNvPr id="26" name="Group 25"/>
+          <p:cNvGrpSpPr/>
+          <p:nvPr/>
+        </p:nvGrpSpPr>
+        <p:grpSpPr>
+          <a:xfrm>
+            <a:off x="3136859" y="5251560"/>
+            <a:ext cx="665710" cy="1090353"/>
+            <a:chOff x="3515196" y="2899056"/>
+            <a:chExt cx="1039164" cy="1795876"/>
+          </a:xfrm>
+        </p:grpSpPr>
+        <p:sp>
+          <p:nvSpPr>
+            <p:cNvPr id="27" name="Oval 26"/>
+            <p:cNvSpPr/>
+            <p:nvPr/>
+          </p:nvSpPr>
+          <p:spPr>
+            <a:xfrm>
+              <a:off x="3771780" y="2899056"/>
+              <a:ext cx="577313" cy="513108"/>
+            </a:xfrm>
+            <a:prstGeom prst="ellipse">
+              <a:avLst/>
+            </a:prstGeom>
+          </p:spPr>
+          <p:style>
+            <a:lnRef idx="2">
+              <a:schemeClr val="accent3">
+                <a:shade val="50000"/>
+              </a:schemeClr>
+            </a:lnRef>
+            <a:fillRef idx="1">
+              <a:schemeClr val="accent3"/>
+            </a:fillRef>
+            <a:effectRef idx="0">
+              <a:schemeClr val="accent3"/>
+            </a:effectRef>
+            <a:fontRef idx="minor">
+              <a:schemeClr val="lt1"/>
+            </a:fontRef>
+          </p:style>
+          <p:txBody>
+            <a:bodyPr rtlCol="0" anchor="ctr"/>
+            <a:lstStyle/>
+            <a:p>
+              <a:pPr algn="ctr"/>
+              <a:endParaRPr lang="en-US"/>
+            </a:p>
+          </p:txBody>
+        </p:sp>
+        <p:cxnSp>
+          <p:nvCxnSpPr>
+            <p:cNvPr id="28" name="Straight Connector 27"/>
+            <p:cNvCxnSpPr>
+              <a:stCxn id="27" idx="4"/>
+            </p:cNvCxnSpPr>
+            <p:nvPr/>
+          </p:nvCxnSpPr>
+          <p:spPr>
+            <a:xfrm flipH="1">
+              <a:off x="4041193" y="3412164"/>
+              <a:ext cx="19244" cy="744005"/>
+            </a:xfrm>
+            <a:prstGeom prst="line">
+              <a:avLst/>
+            </a:prstGeom>
+          </p:spPr>
+          <p:style>
+            <a:lnRef idx="2">
+              <a:schemeClr val="accent3">
+                <a:shade val="50000"/>
+              </a:schemeClr>
+            </a:lnRef>
+            <a:fillRef idx="1">
+              <a:schemeClr val="accent3"/>
+            </a:fillRef>
+            <a:effectRef idx="0">
+              <a:schemeClr val="accent3"/>
+            </a:effectRef>
+            <a:fontRef idx="minor">
+              <a:schemeClr val="lt1"/>
+            </a:fontRef>
+          </p:style>
+        </p:cxnSp>
+        <p:cxnSp>
+          <p:nvCxnSpPr>
+            <p:cNvPr id="29" name="Straight Connector 28"/>
+            <p:cNvCxnSpPr/>
+            <p:nvPr/>
+          </p:nvCxnSpPr>
+          <p:spPr>
+            <a:xfrm flipH="1">
+              <a:off x="3656317" y="4156169"/>
+              <a:ext cx="384876" cy="538763"/>
+            </a:xfrm>
+            <a:prstGeom prst="line">
+              <a:avLst/>
+            </a:prstGeom>
+          </p:spPr>
+          <p:style>
+            <a:lnRef idx="2">
+              <a:schemeClr val="accent3">
+                <a:shade val="50000"/>
+              </a:schemeClr>
+            </a:lnRef>
+            <a:fillRef idx="1">
+              <a:schemeClr val="accent3"/>
+            </a:fillRef>
+            <a:effectRef idx="0">
+              <a:schemeClr val="accent3"/>
+            </a:effectRef>
+            <a:fontRef idx="minor">
+              <a:schemeClr val="lt1"/>
+            </a:fontRef>
+          </p:style>
+        </p:cxnSp>
+        <p:cxnSp>
+          <p:nvCxnSpPr>
+            <p:cNvPr id="30" name="Straight Connector 29"/>
+            <p:cNvCxnSpPr/>
+            <p:nvPr/>
+          </p:nvCxnSpPr>
+          <p:spPr>
+            <a:xfrm>
+              <a:off x="4060437" y="4156169"/>
+              <a:ext cx="288656" cy="538763"/>
+            </a:xfrm>
+            <a:prstGeom prst="line">
+              <a:avLst/>
+            </a:prstGeom>
+          </p:spPr>
+          <p:style>
+            <a:lnRef idx="2">
+              <a:schemeClr val="accent3">
+                <a:shade val="50000"/>
+              </a:schemeClr>
+            </a:lnRef>
+            <a:fillRef idx="1">
+              <a:schemeClr val="accent3"/>
+            </a:fillRef>
+            <a:effectRef idx="0">
+              <a:schemeClr val="accent3"/>
+            </a:effectRef>
+            <a:fontRef idx="minor">
+              <a:schemeClr val="lt1"/>
+            </a:fontRef>
+          </p:style>
+        </p:cxnSp>
+        <p:cxnSp>
+          <p:nvCxnSpPr>
+            <p:cNvPr id="31" name="Straight Connector 30"/>
+            <p:cNvCxnSpPr/>
+            <p:nvPr/>
+          </p:nvCxnSpPr>
+          <p:spPr>
+            <a:xfrm flipV="1">
+              <a:off x="3515196" y="3604579"/>
+              <a:ext cx="545241" cy="230898"/>
+            </a:xfrm>
+            <a:prstGeom prst="line">
+              <a:avLst/>
+            </a:prstGeom>
+          </p:spPr>
+          <p:style>
+            <a:lnRef idx="2">
+              <a:schemeClr val="accent3">
+                <a:shade val="50000"/>
+              </a:schemeClr>
+            </a:lnRef>
+            <a:fillRef idx="1">
+              <a:schemeClr val="accent3"/>
+            </a:fillRef>
+            <a:effectRef idx="0">
+              <a:schemeClr val="accent3"/>
+            </a:effectRef>
+            <a:fontRef idx="minor">
+              <a:schemeClr val="lt1"/>
+            </a:fontRef>
+          </p:style>
+        </p:cxnSp>
+        <p:cxnSp>
+          <p:nvCxnSpPr>
+            <p:cNvPr id="32" name="Straight Connector 31"/>
+            <p:cNvCxnSpPr/>
+            <p:nvPr/>
+          </p:nvCxnSpPr>
+          <p:spPr>
+            <a:xfrm>
+              <a:off x="4060437" y="3604579"/>
+              <a:ext cx="493923" cy="230898"/>
+            </a:xfrm>
+            <a:prstGeom prst="line">
+              <a:avLst/>
+            </a:prstGeom>
+          </p:spPr>
+          <p:style>
+            <a:lnRef idx="2">
+              <a:schemeClr val="accent3">
+                <a:shade val="50000"/>
+              </a:schemeClr>
+            </a:lnRef>
+            <a:fillRef idx="1">
+              <a:schemeClr val="accent3"/>
+            </a:fillRef>
+            <a:effectRef idx="0">
+              <a:schemeClr val="accent3"/>
+            </a:effectRef>
+            <a:fontRef idx="minor">
+              <a:schemeClr val="lt1"/>
+            </a:fontRef>
+          </p:style>
+        </p:cxnSp>
+      </p:grpSp>
+      <p:grpSp>
+        <p:nvGrpSpPr>
+          <p:cNvPr id="33" name="Group 32"/>
+          <p:cNvGrpSpPr/>
+          <p:nvPr/>
+        </p:nvGrpSpPr>
+        <p:grpSpPr>
+          <a:xfrm>
+            <a:off x="3127879" y="2208435"/>
+            <a:ext cx="665710" cy="1090353"/>
+            <a:chOff x="3515196" y="2899056"/>
+            <a:chExt cx="1039164" cy="1795876"/>
+          </a:xfrm>
+        </p:grpSpPr>
+        <p:sp>
+          <p:nvSpPr>
+            <p:cNvPr id="34" name="Oval 33"/>
+            <p:cNvSpPr/>
+            <p:nvPr/>
+          </p:nvSpPr>
+          <p:spPr>
+            <a:xfrm>
+              <a:off x="3771780" y="2899056"/>
+              <a:ext cx="577313" cy="513108"/>
+            </a:xfrm>
+            <a:prstGeom prst="ellipse">
+              <a:avLst/>
+            </a:prstGeom>
+          </p:spPr>
+          <p:style>
+            <a:lnRef idx="2">
+              <a:schemeClr val="accent2">
+                <a:shade val="50000"/>
+              </a:schemeClr>
+            </a:lnRef>
+            <a:fillRef idx="1">
+              <a:schemeClr val="accent2"/>
+            </a:fillRef>
+            <a:effectRef idx="0">
+              <a:schemeClr val="accent2"/>
+            </a:effectRef>
+            <a:fontRef idx="minor">
+              <a:schemeClr val="lt1"/>
+            </a:fontRef>
+          </p:style>
+          <p:txBody>
+            <a:bodyPr rtlCol="0" anchor="ctr"/>
+            <a:lstStyle/>
+            <a:p>
+              <a:pPr algn="ctr"/>
+              <a:endParaRPr lang="en-US"/>
+            </a:p>
+          </p:txBody>
+        </p:sp>
+        <p:cxnSp>
+          <p:nvCxnSpPr>
+            <p:cNvPr id="35" name="Straight Connector 34"/>
+            <p:cNvCxnSpPr>
+              <a:stCxn id="34" idx="4"/>
+            </p:cNvCxnSpPr>
+            <p:nvPr/>
+          </p:nvCxnSpPr>
+          <p:spPr>
+            <a:xfrm flipH="1">
+              <a:off x="4041193" y="3412164"/>
+              <a:ext cx="19244" cy="744005"/>
+            </a:xfrm>
+            <a:prstGeom prst="line">
+              <a:avLst/>
+            </a:prstGeom>
+          </p:spPr>
+          <p:style>
+            <a:lnRef idx="2">
+              <a:schemeClr val="accent2">
+                <a:shade val="50000"/>
+              </a:schemeClr>
+            </a:lnRef>
+            <a:fillRef idx="1">
+              <a:schemeClr val="accent2"/>
+            </a:fillRef>
+            <a:effectRef idx="0">
+              <a:schemeClr val="accent2"/>
+            </a:effectRef>
+            <a:fontRef idx="minor">
+              <a:schemeClr val="lt1"/>
+            </a:fontRef>
+          </p:style>
+        </p:cxnSp>
+        <p:cxnSp>
+          <p:nvCxnSpPr>
+            <p:cNvPr id="36" name="Straight Connector 35"/>
+            <p:cNvCxnSpPr/>
+            <p:nvPr/>
+          </p:nvCxnSpPr>
+          <p:spPr>
+            <a:xfrm flipH="1">
+              <a:off x="3656317" y="4156169"/>
+              <a:ext cx="384876" cy="538763"/>
+            </a:xfrm>
+            <a:prstGeom prst="line">
+              <a:avLst/>
+            </a:prstGeom>
+          </p:spPr>
+          <p:style>
+            <a:lnRef idx="2">
+              <a:schemeClr val="accent2">
+                <a:shade val="50000"/>
+              </a:schemeClr>
+            </a:lnRef>
+            <a:fillRef idx="1">
+              <a:schemeClr val="accent2"/>
+            </a:fillRef>
+            <a:effectRef idx="0">
+              <a:schemeClr val="accent2"/>
+            </a:effectRef>
+            <a:fontRef idx="minor">
+              <a:schemeClr val="lt1"/>
+            </a:fontRef>
+          </p:style>
+        </p:cxnSp>
+        <p:cxnSp>
+          <p:nvCxnSpPr>
+            <p:cNvPr id="37" name="Straight Connector 36"/>
+            <p:cNvCxnSpPr/>
+            <p:nvPr/>
+          </p:nvCxnSpPr>
+          <p:spPr>
+            <a:xfrm>
+              <a:off x="4060437" y="4156169"/>
+              <a:ext cx="288656" cy="538763"/>
+            </a:xfrm>
+            <a:prstGeom prst="line">
+              <a:avLst/>
+            </a:prstGeom>
+          </p:spPr>
+          <p:style>
+            <a:lnRef idx="2">
+              <a:schemeClr val="accent2">
+                <a:shade val="50000"/>
+              </a:schemeClr>
+            </a:lnRef>
+            <a:fillRef idx="1">
+              <a:schemeClr val="accent2"/>
+            </a:fillRef>
+            <a:effectRef idx="0">
+              <a:schemeClr val="accent2"/>
+            </a:effectRef>
+            <a:fontRef idx="minor">
+              <a:schemeClr val="lt1"/>
+            </a:fontRef>
+          </p:style>
+        </p:cxnSp>
+        <p:cxnSp>
+          <p:nvCxnSpPr>
+            <p:cNvPr id="38" name="Straight Connector 37"/>
+            <p:cNvCxnSpPr/>
+            <p:nvPr/>
+          </p:nvCxnSpPr>
+          <p:spPr>
+            <a:xfrm flipV="1">
+              <a:off x="3515196" y="3604579"/>
+              <a:ext cx="545241" cy="230898"/>
+            </a:xfrm>
+            <a:prstGeom prst="line">
+              <a:avLst/>
+            </a:prstGeom>
+          </p:spPr>
+          <p:style>
+            <a:lnRef idx="2">
+              <a:schemeClr val="accent2">
+                <a:shade val="50000"/>
+              </a:schemeClr>
+            </a:lnRef>
+            <a:fillRef idx="1">
+              <a:schemeClr val="accent2"/>
+            </a:fillRef>
+            <a:effectRef idx="0">
+              <a:schemeClr val="accent2"/>
+            </a:effectRef>
+            <a:fontRef idx="minor">
+              <a:schemeClr val="lt1"/>
+            </a:fontRef>
+          </p:style>
+        </p:cxnSp>
+        <p:cxnSp>
+          <p:nvCxnSpPr>
+            <p:cNvPr id="39" name="Straight Connector 38"/>
+            <p:cNvCxnSpPr/>
+            <p:nvPr/>
+          </p:nvCxnSpPr>
+          <p:spPr>
+            <a:xfrm>
+              <a:off x="4060437" y="3604579"/>
+              <a:ext cx="493923" cy="230898"/>
+            </a:xfrm>
+            <a:prstGeom prst="line">
+              <a:avLst/>
+            </a:prstGeom>
+          </p:spPr>
+          <p:style>
+            <a:lnRef idx="2">
+              <a:schemeClr val="accent2">
+                <a:shade val="50000"/>
+              </a:schemeClr>
+            </a:lnRef>
+            <a:fillRef idx="1">
+              <a:schemeClr val="accent2"/>
+            </a:fillRef>
+            <a:effectRef idx="0">
+              <a:schemeClr val="accent2"/>
+            </a:effectRef>
+            <a:fontRef idx="minor">
+              <a:schemeClr val="lt1"/>
+            </a:fontRef>
+          </p:style>
+        </p:cxnSp>
+      </p:grpSp>
+    </p:spTree>
+    <p:extLst>
+      <p:ext uri="{BB962C8B-B14F-4D97-AF65-F5344CB8AC3E}">
+        <p14:creationId xmlns:p14="http://schemas.microsoft.com/office/powerpoint/2010/main" val="570214839"/>
+      </p:ext>
+    </p:extLst>
+  </p:cSld>
+  <p:clrMapOvr>
+    <a:masterClrMapping/>
+  </p:clrMapOvr>
+  <p:timing>
+    <p:tnLst>
+      <p:par>
+        <p:cTn xmlns:p14="http://schemas.microsoft.com/office/powerpoint/2010/main" id="1" dur="indefinite" restart="never" nodeType="tmRoot"/>
+      </p:par>
+    </p:tnLst>
+  </p:timing>
+</p:sld>
+</file>
+
+<file path=ppt/slides/slide29.xml><?xml version="1.0" encoding="utf-8"?>
+<p:sld xmlns:a="http://schemas.openxmlformats.org/drawingml/2006/main" xmlns:r="http://schemas.openxmlformats.org/officeDocument/2006/relationships" xmlns:p="http://schemas.openxmlformats.org/presentationml/2006/main">
+  <p:cSld>
+    <p:spTree>
+      <p:nvGrpSpPr>
+        <p:cNvPr id="1" name=""/>
+        <p:cNvGrpSpPr/>
+        <p:nvPr/>
+      </p:nvGrpSpPr>
+      <p:grpSpPr>
+        <a:xfrm>
+          <a:off x="0" y="0"/>
+          <a:ext cx="0" cy="0"/>
+          <a:chOff x="0" y="0"/>
+          <a:chExt cx="0" cy="0"/>
+        </a:xfrm>
+      </p:grpSpPr>
+      <p:sp>
+        <p:nvSpPr>
+          <p:cNvPr id="2" name="Title 1"/>
+          <p:cNvSpPr>
+            <a:spLocks noGrp="1"/>
+          </p:cNvSpPr>
+          <p:nvPr>
+            <p:ph type="title"/>
+          </p:nvPr>
+        </p:nvSpPr>
+        <p:spPr/>
+        <p:txBody>
+          <a:bodyPr/>
+          <a:lstStyle/>
+          <a:p>
+            <a:r>
+              <a:rPr lang="fr-FR" noProof="0" smtClean="0"/>
+              <a:t>Mesure des longueurs relative</a:t>
+            </a:r>
+            <a:endParaRPr lang="fr-FR" noProof="0"/>
+          </a:p>
+        </p:txBody>
+      </p:sp>
+      <p:grpSp>
+        <p:nvGrpSpPr>
+          <p:cNvPr id="15" name="Group 14"/>
+          <p:cNvGrpSpPr/>
+          <p:nvPr/>
+        </p:nvGrpSpPr>
+        <p:grpSpPr>
+          <a:xfrm>
+            <a:off x="3515196" y="2899056"/>
+            <a:ext cx="1039164" cy="1795876"/>
+            <a:chOff x="3515196" y="2899056"/>
+            <a:chExt cx="1039164" cy="1795876"/>
+          </a:xfrm>
+        </p:grpSpPr>
+        <p:sp>
+          <p:nvSpPr>
+            <p:cNvPr id="4" name="Oval 3"/>
+            <p:cNvSpPr/>
+            <p:nvPr/>
+          </p:nvSpPr>
+          <p:spPr>
+            <a:xfrm>
+              <a:off x="3771780" y="2899056"/>
+              <a:ext cx="577313" cy="513108"/>
+            </a:xfrm>
+            <a:prstGeom prst="ellipse">
+              <a:avLst/>
+            </a:prstGeom>
+          </p:spPr>
+          <p:style>
+            <a:lnRef idx="2">
+              <a:schemeClr val="dk1"/>
+            </a:lnRef>
+            <a:fillRef idx="1">
+              <a:schemeClr val="lt1"/>
+            </a:fillRef>
+            <a:effectRef idx="0">
+              <a:schemeClr val="dk1"/>
+            </a:effectRef>
+            <a:fontRef idx="minor">
+              <a:schemeClr val="dk1"/>
+            </a:fontRef>
+          </p:style>
+          <p:txBody>
+            <a:bodyPr rtlCol="0" anchor="ctr"/>
+            <a:lstStyle/>
+            <a:p>
+              <a:pPr algn="ctr"/>
+              <a:endParaRPr lang="en-US"/>
+            </a:p>
+          </p:txBody>
+        </p:sp>
+        <p:cxnSp>
+          <p:nvCxnSpPr>
+            <p:cNvPr id="6" name="Straight Connector 5"/>
+            <p:cNvCxnSpPr>
+              <a:stCxn id="4" idx="4"/>
+            </p:cNvCxnSpPr>
+            <p:nvPr/>
+          </p:nvCxnSpPr>
+          <p:spPr>
+            <a:xfrm flipH="1">
+              <a:off x="4041193" y="3412164"/>
+              <a:ext cx="19244" cy="744005"/>
+            </a:xfrm>
+            <a:prstGeom prst="line">
+              <a:avLst/>
+            </a:prstGeom>
+          </p:spPr>
+          <p:style>
+            <a:lnRef idx="2">
+              <a:schemeClr val="dk1"/>
+            </a:lnRef>
+            <a:fillRef idx="1">
+              <a:schemeClr val="lt1"/>
+            </a:fillRef>
+            <a:effectRef idx="0">
+              <a:schemeClr val="dk1"/>
+            </a:effectRef>
+            <a:fontRef idx="minor">
+              <a:schemeClr val="dk1"/>
+            </a:fontRef>
+          </p:style>
+        </p:cxnSp>
+        <p:cxnSp>
+          <p:nvCxnSpPr>
+            <p:cNvPr id="8" name="Straight Connector 7"/>
+            <p:cNvCxnSpPr/>
+            <p:nvPr/>
+          </p:nvCxnSpPr>
+          <p:spPr>
+            <a:xfrm flipH="1">
+              <a:off x="3656317" y="4156169"/>
+              <a:ext cx="384876" cy="538763"/>
+            </a:xfrm>
+            <a:prstGeom prst="line">
+              <a:avLst/>
+            </a:prstGeom>
+          </p:spPr>
+          <p:style>
+            <a:lnRef idx="2">
+              <a:schemeClr val="dk1"/>
+            </a:lnRef>
+            <a:fillRef idx="1">
+              <a:schemeClr val="lt1"/>
+            </a:fillRef>
+            <a:effectRef idx="0">
+              <a:schemeClr val="dk1"/>
+            </a:effectRef>
+            <a:fontRef idx="minor">
+              <a:schemeClr val="dk1"/>
+            </a:fontRef>
+          </p:style>
+        </p:cxnSp>
+        <p:cxnSp>
+          <p:nvCxnSpPr>
+            <p:cNvPr id="10" name="Straight Connector 9"/>
+            <p:cNvCxnSpPr/>
+            <p:nvPr/>
+          </p:nvCxnSpPr>
+          <p:spPr>
+            <a:xfrm>
+              <a:off x="4060437" y="4156169"/>
+              <a:ext cx="288656" cy="538763"/>
+            </a:xfrm>
+            <a:prstGeom prst="line">
+              <a:avLst/>
+            </a:prstGeom>
+          </p:spPr>
+          <p:style>
+            <a:lnRef idx="2">
+              <a:schemeClr val="dk1"/>
+            </a:lnRef>
+            <a:fillRef idx="1">
+              <a:schemeClr val="lt1"/>
+            </a:fillRef>
+            <a:effectRef idx="0">
+              <a:schemeClr val="dk1"/>
+            </a:effectRef>
+            <a:fontRef idx="minor">
+              <a:schemeClr val="dk1"/>
+            </a:fontRef>
+          </p:style>
+        </p:cxnSp>
+        <p:cxnSp>
+          <p:nvCxnSpPr>
+            <p:cNvPr id="12" name="Straight Connector 11"/>
+            <p:cNvCxnSpPr/>
+            <p:nvPr/>
+          </p:nvCxnSpPr>
+          <p:spPr>
+            <a:xfrm flipV="1">
+              <a:off x="3515196" y="3604579"/>
+              <a:ext cx="545241" cy="230898"/>
+            </a:xfrm>
+            <a:prstGeom prst="line">
+              <a:avLst/>
+            </a:prstGeom>
+          </p:spPr>
+          <p:style>
+            <a:lnRef idx="2">
+              <a:schemeClr val="dk1"/>
+            </a:lnRef>
+            <a:fillRef idx="1">
+              <a:schemeClr val="lt1"/>
+            </a:fillRef>
+            <a:effectRef idx="0">
+              <a:schemeClr val="dk1"/>
+            </a:effectRef>
+            <a:fontRef idx="minor">
+              <a:schemeClr val="dk1"/>
+            </a:fontRef>
+          </p:style>
+        </p:cxnSp>
+        <p:cxnSp>
+          <p:nvCxnSpPr>
+            <p:cNvPr id="14" name="Straight Connector 13"/>
+            <p:cNvCxnSpPr/>
+            <p:nvPr/>
+          </p:nvCxnSpPr>
+          <p:spPr>
+            <a:xfrm>
+              <a:off x="4060437" y="3604579"/>
+              <a:ext cx="493923" cy="230898"/>
+            </a:xfrm>
+            <a:prstGeom prst="line">
+              <a:avLst/>
+            </a:prstGeom>
+          </p:spPr>
+          <p:style>
+            <a:lnRef idx="2">
+              <a:schemeClr val="dk1"/>
+            </a:lnRef>
+            <a:fillRef idx="1">
+              <a:schemeClr val="lt1"/>
+            </a:fillRef>
+            <a:effectRef idx="0">
+              <a:schemeClr val="dk1"/>
+            </a:effectRef>
+            <a:fontRef idx="minor">
+              <a:schemeClr val="dk1"/>
+            </a:fontRef>
+          </p:style>
+        </p:cxnSp>
+      </p:grpSp>
+    </p:spTree>
+    <p:extLst>
+      <p:ext uri="{BB962C8B-B14F-4D97-AF65-F5344CB8AC3E}">
+        <p14:creationId xmlns:p14="http://schemas.microsoft.com/office/powerpoint/2010/main" val="1332295069"/>
       </p:ext>
     </p:extLst>
   </p:cSld>
@@ -9203,14 +9702,10 @@
           <a:lstStyle/>
           <a:p>
             <a:r>
-              <a:rPr lang="en-US" dirty="0" smtClean="0"/>
-              <a:t>Invariance </a:t>
-            </a:r>
-            <a:r>
-              <a:rPr lang="en-US" dirty="0" err="1" smtClean="0"/>
-              <a:t>Galiléenne</a:t>
-            </a:r>
-            <a:endParaRPr lang="en-US" dirty="0"/>
+              <a:rPr lang="fr-FR" noProof="0" smtClean="0"/>
+              <a:t>Invariance Galiléenne</a:t>
+            </a:r>
+            <a:endParaRPr lang="fr-FR" noProof="0"/>
           </a:p>
         </p:txBody>
       </p:sp>
@@ -9230,144 +9725,30 @@
           <a:lstStyle/>
           <a:p>
             <a:r>
-              <a:rPr lang="en-US" dirty="0" smtClean="0"/>
-              <a:t>Les </a:t>
-            </a:r>
-            <a:r>
-              <a:rPr lang="en-US" dirty="0" err="1" smtClean="0"/>
-              <a:t>lois</a:t>
-            </a:r>
-            <a:r>
-              <a:rPr lang="en-US" dirty="0" smtClean="0"/>
-              <a:t> de la </a:t>
-            </a:r>
-            <a:r>
-              <a:rPr lang="en-US" dirty="0" err="1" smtClean="0"/>
-              <a:t>méchanique</a:t>
-            </a:r>
-            <a:r>
-              <a:rPr lang="en-US" dirty="0" smtClean="0"/>
-              <a:t> </a:t>
-            </a:r>
-            <a:r>
-              <a:rPr lang="en-US" dirty="0" err="1" smtClean="0"/>
-              <a:t>sont</a:t>
-            </a:r>
-            <a:r>
-              <a:rPr lang="en-US" dirty="0" smtClean="0"/>
-              <a:t> </a:t>
-            </a:r>
-            <a:r>
-              <a:rPr lang="en-US" dirty="0" err="1" smtClean="0"/>
-              <a:t>indentiques</a:t>
-            </a:r>
-            <a:r>
-              <a:rPr lang="en-US" dirty="0" smtClean="0"/>
-              <a:t> </a:t>
-            </a:r>
-            <a:r>
-              <a:rPr lang="en-US" dirty="0" err="1" smtClean="0"/>
-              <a:t>dans</a:t>
-            </a:r>
-            <a:r>
-              <a:rPr lang="en-US" dirty="0" smtClean="0"/>
-              <a:t> des </a:t>
-            </a:r>
-            <a:r>
-              <a:rPr lang="en-US" dirty="0" err="1" smtClean="0"/>
-              <a:t>referentiels</a:t>
-            </a:r>
-            <a:r>
-              <a:rPr lang="en-US" dirty="0" smtClean="0"/>
-              <a:t> </a:t>
-            </a:r>
-            <a:r>
-              <a:rPr lang="en-US" dirty="0" err="1" smtClean="0"/>
-              <a:t>inértiels</a:t>
-            </a:r>
-            <a:endParaRPr lang="en-US" dirty="0" smtClean="0"/>
-          </a:p>
-          <a:p>
-            <a:endParaRPr lang="en-US" dirty="0"/>
-          </a:p>
-          <a:p>
-            <a:r>
-              <a:rPr lang="en-US" dirty="0" smtClean="0"/>
-              <a:t>Les </a:t>
-            </a:r>
-            <a:r>
-              <a:rPr lang="en-US" dirty="0" err="1" smtClean="0"/>
-              <a:t>referentiels</a:t>
-            </a:r>
-            <a:r>
-              <a:rPr lang="en-US" dirty="0" smtClean="0"/>
-              <a:t> </a:t>
-            </a:r>
-            <a:r>
-              <a:rPr lang="en-US" dirty="0" err="1" smtClean="0"/>
-              <a:t>inértiels</a:t>
-            </a:r>
-            <a:r>
-              <a:rPr lang="en-US" dirty="0" smtClean="0"/>
-              <a:t> </a:t>
-            </a:r>
-            <a:r>
-              <a:rPr lang="en-US" dirty="0" err="1" smtClean="0"/>
-              <a:t>sont</a:t>
-            </a:r>
-            <a:r>
-              <a:rPr lang="en-US" dirty="0" smtClean="0"/>
-              <a:t> en </a:t>
-            </a:r>
-            <a:r>
-              <a:rPr lang="en-US" dirty="0" err="1" smtClean="0"/>
-              <a:t>mouvement</a:t>
-            </a:r>
-            <a:r>
-              <a:rPr lang="en-US" dirty="0" smtClean="0"/>
-              <a:t> </a:t>
-            </a:r>
-            <a:r>
-              <a:rPr lang="en-US" dirty="0" err="1" smtClean="0"/>
-              <a:t>rectiligne</a:t>
-            </a:r>
-            <a:r>
-              <a:rPr lang="en-US" dirty="0" smtClean="0"/>
-              <a:t> </a:t>
-            </a:r>
-            <a:r>
-              <a:rPr lang="en-US" dirty="0" err="1" smtClean="0"/>
-              <a:t>uniforme</a:t>
-            </a:r>
-            <a:r>
-              <a:rPr lang="en-US" dirty="0" smtClean="0"/>
-              <a:t> les </a:t>
-            </a:r>
-            <a:r>
-              <a:rPr lang="en-US" dirty="0" err="1" smtClean="0"/>
-              <a:t>uns</a:t>
-            </a:r>
-            <a:r>
-              <a:rPr lang="en-US" dirty="0" smtClean="0"/>
-              <a:t> par rapport aux </a:t>
-            </a:r>
-            <a:r>
-              <a:rPr lang="en-US" dirty="0" err="1" smtClean="0"/>
-              <a:t>autres</a:t>
-            </a:r>
-            <a:endParaRPr lang="en-US" dirty="0" smtClean="0"/>
-          </a:p>
-          <a:p>
-            <a:endParaRPr lang="en-US" dirty="0"/>
-          </a:p>
-          <a:p>
-            <a:endParaRPr lang="en-US" dirty="0" smtClean="0"/>
-          </a:p>
-          <a:p>
-            <a:endParaRPr lang="en-US" dirty="0"/>
-          </a:p>
-          <a:p>
-            <a:endParaRPr lang="en-US" dirty="0"/>
+              <a:rPr lang="fr-FR" noProof="0" smtClean="0"/>
+              <a:t>Les lois de la méchanique sont indentiques dans des referentiels inértiels</a:t>
+            </a:r>
+          </a:p>
+          <a:p>
+            <a:endParaRPr lang="fr-FR" noProof="0" smtClean="0"/>
+          </a:p>
+          <a:p>
+            <a:r>
+              <a:rPr lang="fr-FR" noProof="0" smtClean="0"/>
+              <a:t>Les referentiels inértiels sont en mouvement rectiligne uniforme les uns par rapport aux autres</a:t>
+            </a:r>
+          </a:p>
+          <a:p>
+            <a:endParaRPr lang="fr-FR" noProof="0" smtClean="0"/>
+          </a:p>
+          <a:p>
+            <a:endParaRPr lang="fr-FR" noProof="0" smtClean="0"/>
+          </a:p>
+          <a:p>
+            <a:endParaRPr lang="fr-FR" noProof="0" smtClean="0"/>
+          </a:p>
+          <a:p>
+            <a:endParaRPr lang="fr-FR" noProof="0"/>
           </a:p>
         </p:txBody>
       </p:sp>
@@ -9375,6 +9756,405 @@
     <p:extLst>
       <p:ext uri="{BB962C8B-B14F-4D97-AF65-F5344CB8AC3E}">
         <p14:creationId xmlns:p14="http://schemas.microsoft.com/office/powerpoint/2010/main" val="557853833"/>
+      </p:ext>
+    </p:extLst>
+  </p:cSld>
+  <p:clrMapOvr>
+    <a:masterClrMapping/>
+  </p:clrMapOvr>
+  <p:timing>
+    <p:tnLst>
+      <p:par>
+        <p:cTn xmlns:p14="http://schemas.microsoft.com/office/powerpoint/2010/main" id="1" dur="indefinite" restart="never" nodeType="tmRoot"/>
+      </p:par>
+    </p:tnLst>
+  </p:timing>
+</p:sld>
+</file>
+
+<file path=ppt/slides/slide30.xml><?xml version="1.0" encoding="utf-8"?>
+<p:sld xmlns:a="http://schemas.openxmlformats.org/drawingml/2006/main" xmlns:r="http://schemas.openxmlformats.org/officeDocument/2006/relationships" xmlns:p="http://schemas.openxmlformats.org/presentationml/2006/main">
+  <p:cSld>
+    <p:spTree>
+      <p:nvGrpSpPr>
+        <p:cNvPr id="1" name=""/>
+        <p:cNvGrpSpPr/>
+        <p:nvPr/>
+      </p:nvGrpSpPr>
+      <p:grpSpPr>
+        <a:xfrm>
+          <a:off x="0" y="0"/>
+          <a:ext cx="0" cy="0"/>
+          <a:chOff x="0" y="0"/>
+          <a:chExt cx="0" cy="0"/>
+        </a:xfrm>
+      </p:grpSpPr>
+      <p:sp>
+        <p:nvSpPr>
+          <p:cNvPr id="2" name="Title 1"/>
+          <p:cNvSpPr>
+            <a:spLocks noGrp="1"/>
+          </p:cNvSpPr>
+          <p:nvPr>
+            <p:ph type="title"/>
+          </p:nvPr>
+        </p:nvSpPr>
+        <p:spPr/>
+        <p:txBody>
+          <a:bodyPr/>
+          <a:lstStyle/>
+          <a:p>
+            <a:r>
+              <a:rPr lang="fr-FR" noProof="0" smtClean="0"/>
+              <a:t>Mesure des longueurs</a:t>
+            </a:r>
+            <a:endParaRPr lang="fr-FR" noProof="0"/>
+          </a:p>
+        </p:txBody>
+      </p:sp>
+      <p:cxnSp>
+        <p:nvCxnSpPr>
+          <p:cNvPr id="4" name="Straight Connector 3"/>
+          <p:cNvCxnSpPr/>
+          <p:nvPr/>
+        </p:nvCxnSpPr>
+        <p:spPr>
+          <a:xfrm rot="5400000">
+            <a:off x="1750309" y="3213724"/>
+            <a:ext cx="2399057" cy="12828"/>
+          </a:xfrm>
+          <a:prstGeom prst="line">
+            <a:avLst/>
+          </a:prstGeom>
+        </p:spPr>
+        <p:style>
+          <a:lnRef idx="2">
+            <a:schemeClr val="accent1"/>
+          </a:lnRef>
+          <a:fillRef idx="0">
+            <a:schemeClr val="accent1"/>
+          </a:fillRef>
+          <a:effectRef idx="1">
+            <a:schemeClr val="accent1"/>
+          </a:effectRef>
+          <a:fontRef idx="minor">
+            <a:schemeClr val="tx1"/>
+          </a:fontRef>
+        </p:style>
+      </p:cxnSp>
+      <p:cxnSp>
+        <p:nvCxnSpPr>
+          <p:cNvPr id="5" name="Straight Connector 4"/>
+          <p:cNvCxnSpPr/>
+          <p:nvPr/>
+        </p:nvCxnSpPr>
+        <p:spPr>
+          <a:xfrm rot="5400000">
+            <a:off x="-146658" y="3213724"/>
+            <a:ext cx="2399057" cy="12828"/>
+          </a:xfrm>
+          <a:prstGeom prst="line">
+            <a:avLst/>
+          </a:prstGeom>
+        </p:spPr>
+        <p:style>
+          <a:lnRef idx="2">
+            <a:schemeClr val="accent1"/>
+          </a:lnRef>
+          <a:fillRef idx="0">
+            <a:schemeClr val="accent1"/>
+          </a:fillRef>
+          <a:effectRef idx="1">
+            <a:schemeClr val="accent1"/>
+          </a:effectRef>
+          <a:fontRef idx="minor">
+            <a:schemeClr val="tx1"/>
+          </a:fontRef>
+        </p:style>
+      </p:cxnSp>
+      <p:sp>
+        <p:nvSpPr>
+          <p:cNvPr id="6" name="Oval 5"/>
+          <p:cNvSpPr/>
+          <p:nvPr/>
+        </p:nvSpPr>
+        <p:spPr>
+          <a:xfrm rot="5400000">
+            <a:off x="1059269" y="3046958"/>
+            <a:ext cx="269413" cy="269381"/>
+          </a:xfrm>
+          <a:prstGeom prst="ellipse">
+            <a:avLst/>
+          </a:prstGeom>
+        </p:spPr>
+        <p:style>
+          <a:lnRef idx="1">
+            <a:schemeClr val="accent1"/>
+          </a:lnRef>
+          <a:fillRef idx="3">
+            <a:schemeClr val="accent1"/>
+          </a:fillRef>
+          <a:effectRef idx="2">
+            <a:schemeClr val="accent1"/>
+          </a:effectRef>
+          <a:fontRef idx="minor">
+            <a:schemeClr val="lt1"/>
+          </a:fontRef>
+        </p:style>
+        <p:txBody>
+          <a:bodyPr rtlCol="0" anchor="ctr"/>
+          <a:lstStyle/>
+          <a:p>
+            <a:pPr algn="ctr"/>
+            <a:endParaRPr lang="en-US"/>
+          </a:p>
+        </p:txBody>
+      </p:sp>
+    </p:spTree>
+    <p:extLst>
+      <p:ext uri="{BB962C8B-B14F-4D97-AF65-F5344CB8AC3E}">
+        <p14:creationId xmlns:p14="http://schemas.microsoft.com/office/powerpoint/2010/main" val="2922726403"/>
+      </p:ext>
+    </p:extLst>
+  </p:cSld>
+  <p:clrMapOvr>
+    <a:masterClrMapping/>
+  </p:clrMapOvr>
+  <p:timing>
+    <p:tnLst>
+      <p:par>
+        <p:cTn xmlns:p14="http://schemas.microsoft.com/office/powerpoint/2010/main" id="1" dur="indefinite" restart="never" nodeType="tmRoot"/>
+      </p:par>
+    </p:tnLst>
+  </p:timing>
+</p:sld>
+</file>
+
+<file path=ppt/slides/slide31.xml><?xml version="1.0" encoding="utf-8"?>
+<p:sld xmlns:a="http://schemas.openxmlformats.org/drawingml/2006/main" xmlns:r="http://schemas.openxmlformats.org/officeDocument/2006/relationships" xmlns:p="http://schemas.openxmlformats.org/presentationml/2006/main">
+  <p:cSld>
+    <p:spTree>
+      <p:nvGrpSpPr>
+        <p:cNvPr id="1" name=""/>
+        <p:cNvGrpSpPr/>
+        <p:nvPr/>
+      </p:nvGrpSpPr>
+      <p:grpSpPr>
+        <a:xfrm>
+          <a:off x="0" y="0"/>
+          <a:ext cx="0" cy="0"/>
+          <a:chOff x="0" y="0"/>
+          <a:chExt cx="0" cy="0"/>
+        </a:xfrm>
+      </p:grpSpPr>
+      <p:sp>
+        <p:nvSpPr>
+          <p:cNvPr id="2" name="Title 1"/>
+          <p:cNvSpPr>
+            <a:spLocks noGrp="1"/>
+          </p:cNvSpPr>
+          <p:nvPr>
+            <p:ph type="title"/>
+          </p:nvPr>
+        </p:nvSpPr>
+        <p:spPr/>
+        <p:txBody>
+          <a:bodyPr/>
+          <a:lstStyle/>
+          <a:p>
+            <a:r>
+              <a:rPr lang="fr-FR" noProof="0" smtClean="0"/>
+              <a:t>Transformée de Lorentz</a:t>
+            </a:r>
+            <a:endParaRPr lang="fr-FR" noProof="0"/>
+          </a:p>
+        </p:txBody>
+      </p:sp>
+      <p:sp>
+        <p:nvSpPr>
+          <p:cNvPr id="3" name="Content Placeholder 2"/>
+          <p:cNvSpPr>
+            <a:spLocks noGrp="1"/>
+          </p:cNvSpPr>
+          <p:nvPr>
+            <p:ph idx="1"/>
+          </p:nvPr>
+        </p:nvSpPr>
+        <p:spPr/>
+        <p:txBody>
+          <a:bodyPr/>
+          <a:lstStyle/>
+          <a:p>
+            <a:endParaRPr lang="en-US"/>
+          </a:p>
+        </p:txBody>
+      </p:sp>
+    </p:spTree>
+    <p:extLst>
+      <p:ext uri="{BB962C8B-B14F-4D97-AF65-F5344CB8AC3E}">
+        <p14:creationId xmlns:p14="http://schemas.microsoft.com/office/powerpoint/2010/main" val="1785265941"/>
+      </p:ext>
+    </p:extLst>
+  </p:cSld>
+  <p:clrMapOvr>
+    <a:masterClrMapping/>
+  </p:clrMapOvr>
+  <p:timing>
+    <p:tnLst>
+      <p:par>
+        <p:cTn xmlns:p14="http://schemas.microsoft.com/office/powerpoint/2010/main" id="1" dur="indefinite" restart="never" nodeType="tmRoot"/>
+      </p:par>
+    </p:tnLst>
+  </p:timing>
+</p:sld>
+</file>
+
+<file path=ppt/slides/slide32.xml><?xml version="1.0" encoding="utf-8"?>
+<p:sld xmlns:a="http://schemas.openxmlformats.org/drawingml/2006/main" xmlns:r="http://schemas.openxmlformats.org/officeDocument/2006/relationships" xmlns:p="http://schemas.openxmlformats.org/presentationml/2006/main">
+  <p:cSld>
+    <p:spTree>
+      <p:nvGrpSpPr>
+        <p:cNvPr id="1" name=""/>
+        <p:cNvGrpSpPr/>
+        <p:nvPr/>
+      </p:nvGrpSpPr>
+      <p:grpSpPr>
+        <a:xfrm>
+          <a:off x="0" y="0"/>
+          <a:ext cx="0" cy="0"/>
+          <a:chOff x="0" y="0"/>
+          <a:chExt cx="0" cy="0"/>
+        </a:xfrm>
+      </p:grpSpPr>
+      <p:sp>
+        <p:nvSpPr>
+          <p:cNvPr id="2" name="Title 1"/>
+          <p:cNvSpPr>
+            <a:spLocks noGrp="1"/>
+          </p:cNvSpPr>
+          <p:nvPr>
+            <p:ph type="title"/>
+          </p:nvPr>
+        </p:nvSpPr>
+        <p:spPr/>
+        <p:txBody>
+          <a:bodyPr/>
+          <a:lstStyle/>
+          <a:p>
+            <a:r>
+              <a:rPr lang="fr-FR" noProof="0" smtClean="0"/>
+              <a:t>Espace de Minkowski</a:t>
+            </a:r>
+            <a:endParaRPr lang="fr-FR" noProof="0"/>
+          </a:p>
+        </p:txBody>
+      </p:sp>
+      <p:sp>
+        <p:nvSpPr>
+          <p:cNvPr id="3" name="Content Placeholder 2"/>
+          <p:cNvSpPr>
+            <a:spLocks noGrp="1"/>
+          </p:cNvSpPr>
+          <p:nvPr>
+            <p:ph idx="1"/>
+          </p:nvPr>
+        </p:nvSpPr>
+        <p:spPr/>
+        <p:txBody>
+          <a:bodyPr/>
+          <a:lstStyle/>
+          <a:p>
+            <a:endParaRPr lang="en-US"/>
+          </a:p>
+        </p:txBody>
+      </p:sp>
+    </p:spTree>
+    <p:extLst>
+      <p:ext uri="{BB962C8B-B14F-4D97-AF65-F5344CB8AC3E}">
+        <p14:creationId xmlns:p14="http://schemas.microsoft.com/office/powerpoint/2010/main" val="64684894"/>
+      </p:ext>
+    </p:extLst>
+  </p:cSld>
+  <p:clrMapOvr>
+    <a:masterClrMapping/>
+  </p:clrMapOvr>
+  <p:timing>
+    <p:tnLst>
+      <p:par>
+        <p:cTn xmlns:p14="http://schemas.microsoft.com/office/powerpoint/2010/main" id="1" dur="indefinite" restart="never" nodeType="tmRoot"/>
+      </p:par>
+    </p:tnLst>
+  </p:timing>
+</p:sld>
+</file>
+
+<file path=ppt/slides/slide33.xml><?xml version="1.0" encoding="utf-8"?>
+<p:sld xmlns:a="http://schemas.openxmlformats.org/drawingml/2006/main" xmlns:r="http://schemas.openxmlformats.org/officeDocument/2006/relationships" xmlns:p="http://schemas.openxmlformats.org/presentationml/2006/main">
+  <p:cSld>
+    <p:spTree>
+      <p:nvGrpSpPr>
+        <p:cNvPr id="1" name=""/>
+        <p:cNvGrpSpPr/>
+        <p:nvPr/>
+      </p:nvGrpSpPr>
+      <p:grpSpPr>
+        <a:xfrm>
+          <a:off x="0" y="0"/>
+          <a:ext cx="0" cy="0"/>
+          <a:chOff x="0" y="0"/>
+          <a:chExt cx="0" cy="0"/>
+        </a:xfrm>
+      </p:grpSpPr>
+      <p:sp>
+        <p:nvSpPr>
+          <p:cNvPr id="2" name="Title 1"/>
+          <p:cNvSpPr>
+            <a:spLocks noGrp="1"/>
+          </p:cNvSpPr>
+          <p:nvPr>
+            <p:ph type="title"/>
+          </p:nvPr>
+        </p:nvSpPr>
+        <p:spPr/>
+        <p:txBody>
+          <a:bodyPr/>
+          <a:lstStyle/>
+          <a:p>
+            <a:r>
+              <a:rPr lang="fr-FR" noProof="0" smtClean="0"/>
+              <a:t>Paradoxes</a:t>
+            </a:r>
+            <a:endParaRPr lang="fr-FR" noProof="0"/>
+          </a:p>
+        </p:txBody>
+      </p:sp>
+      <p:sp>
+        <p:nvSpPr>
+          <p:cNvPr id="3" name="Content Placeholder 2"/>
+          <p:cNvSpPr>
+            <a:spLocks noGrp="1"/>
+          </p:cNvSpPr>
+          <p:nvPr>
+            <p:ph idx="1"/>
+          </p:nvPr>
+        </p:nvSpPr>
+        <p:spPr/>
+        <p:txBody>
+          <a:bodyPr/>
+          <a:lstStyle/>
+          <a:p>
+            <a:r>
+              <a:rPr lang="fr-FR" noProof="0" dirty="0" smtClean="0"/>
+              <a:t>Paradoxe des jumeaux</a:t>
+            </a:r>
+            <a:endParaRPr lang="fr-FR" noProof="0" dirty="0"/>
+          </a:p>
+        </p:txBody>
+      </p:sp>
+    </p:spTree>
+    <p:extLst>
+      <p:ext uri="{BB962C8B-B14F-4D97-AF65-F5344CB8AC3E}">
+        <p14:creationId xmlns:p14="http://schemas.microsoft.com/office/powerpoint/2010/main" val="3650190581"/>
       </p:ext>
     </p:extLst>
   </p:cSld>
@@ -9424,14 +10204,10 @@
           <a:lstStyle/>
           <a:p>
             <a:r>
-              <a:rPr lang="en-US" dirty="0" smtClean="0"/>
-              <a:t>Invariance </a:t>
-            </a:r>
-            <a:r>
-              <a:rPr lang="en-US" dirty="0" err="1" smtClean="0"/>
-              <a:t>galiléenne</a:t>
-            </a:r>
-            <a:endParaRPr lang="en-US" dirty="0"/>
+              <a:rPr lang="fr-FR" noProof="0" smtClean="0"/>
+              <a:t>Invariance galiléenne</a:t>
+            </a:r>
+            <a:endParaRPr lang="fr-FR" noProof="0"/>
           </a:p>
         </p:txBody>
       </p:sp>
@@ -9451,31 +10227,15 @@
           <a:lstStyle/>
           <a:p>
             <a:r>
-              <a:rPr lang="en-US" dirty="0" smtClean="0"/>
-              <a:t>Composition des </a:t>
-            </a:r>
-            <a:r>
-              <a:rPr lang="en-US" dirty="0" err="1" smtClean="0"/>
-              <a:t>vitesses</a:t>
-            </a:r>
-            <a:r>
-              <a:rPr lang="en-US" dirty="0" smtClean="0"/>
-              <a:t>: Point de </a:t>
-            </a:r>
-            <a:r>
-              <a:rPr lang="en-US" dirty="0" err="1" smtClean="0"/>
-              <a:t>vue</a:t>
-            </a:r>
-            <a:r>
-              <a:rPr lang="en-US" dirty="0" smtClean="0"/>
-              <a:t> O</a:t>
-            </a:r>
-          </a:p>
-          <a:p>
-            <a:endParaRPr lang="en-US" dirty="0"/>
-          </a:p>
-          <a:p>
-            <a:endParaRPr lang="en-US" dirty="0"/>
+              <a:rPr lang="fr-FR" noProof="0" smtClean="0"/>
+              <a:t>Composition des vitesses: Point de vue O</a:t>
+            </a:r>
+          </a:p>
+          <a:p>
+            <a:endParaRPr lang="fr-FR" noProof="0" smtClean="0"/>
+          </a:p>
+          <a:p>
+            <a:endParaRPr lang="fr-FR" noProof="0"/>
           </a:p>
         </p:txBody>
       </p:sp>
@@ -9948,14 +10708,10 @@
           <a:lstStyle/>
           <a:p>
             <a:r>
-              <a:rPr lang="en-US" dirty="0" smtClean="0"/>
-              <a:t>Invariance </a:t>
-            </a:r>
-            <a:r>
-              <a:rPr lang="en-US" dirty="0" err="1" smtClean="0"/>
-              <a:t>galiléenne</a:t>
-            </a:r>
-            <a:endParaRPr lang="en-US" dirty="0"/>
+              <a:rPr lang="fr-FR" noProof="0" smtClean="0"/>
+              <a:t>Invariance galiléenne</a:t>
+            </a:r>
+            <a:endParaRPr lang="fr-FR" noProof="0"/>
           </a:p>
         </p:txBody>
       </p:sp>
@@ -9975,31 +10731,15 @@
           <a:lstStyle/>
           <a:p>
             <a:r>
-              <a:rPr lang="en-US" dirty="0" smtClean="0"/>
-              <a:t>Composition des </a:t>
-            </a:r>
-            <a:r>
-              <a:rPr lang="en-US" dirty="0" err="1" smtClean="0"/>
-              <a:t>vitesses</a:t>
-            </a:r>
-            <a:r>
-              <a:rPr lang="en-US" dirty="0" smtClean="0"/>
-              <a:t>: point de </a:t>
-            </a:r>
-            <a:r>
-              <a:rPr lang="en-US" dirty="0" err="1" smtClean="0"/>
-              <a:t>vue</a:t>
-            </a:r>
-            <a:r>
-              <a:rPr lang="en-US" dirty="0" smtClean="0"/>
-              <a:t> O’</a:t>
-            </a:r>
-          </a:p>
-          <a:p>
-            <a:endParaRPr lang="en-US" dirty="0"/>
-          </a:p>
-          <a:p>
-            <a:endParaRPr lang="en-US" dirty="0"/>
+              <a:rPr lang="fr-FR" noProof="0" smtClean="0"/>
+              <a:t>Composition des vitesses: point de vue O’</a:t>
+            </a:r>
+          </a:p>
+          <a:p>
+            <a:endParaRPr lang="fr-FR" noProof="0" smtClean="0"/>
+          </a:p>
+          <a:p>
+            <a:endParaRPr lang="fr-FR" noProof="0"/>
           </a:p>
         </p:txBody>
       </p:sp>
@@ -10472,26 +11212,10 @@
           <a:lstStyle/>
           <a:p>
             <a:r>
-              <a:rPr lang="en-US" dirty="0" smtClean="0"/>
-              <a:t>Physique </a:t>
-            </a:r>
-            <a:r>
-              <a:rPr lang="en-US" dirty="0" err="1" smtClean="0"/>
-              <a:t>à</a:t>
-            </a:r>
-            <a:r>
-              <a:rPr lang="en-US" dirty="0" smtClean="0"/>
-              <a:t> </a:t>
-            </a:r>
-            <a:r>
-              <a:rPr lang="en-US" dirty="0" err="1" smtClean="0"/>
-              <a:t>l’aube</a:t>
-            </a:r>
-            <a:r>
-              <a:rPr lang="en-US" dirty="0" smtClean="0"/>
-              <a:t> du xx siècle</a:t>
-            </a:r>
-            <a:endParaRPr lang="en-US" dirty="0"/>
+              <a:rPr lang="fr-FR" noProof="0" smtClean="0"/>
+              <a:t>Physique à l’aube du xx siècle</a:t>
+            </a:r>
+            <a:endParaRPr lang="fr-FR" noProof="0"/>
           </a:p>
         </p:txBody>
       </p:sp>
@@ -10567,26 +11291,10 @@
           <a:lstStyle/>
           <a:p>
             <a:r>
-              <a:rPr lang="en-US" dirty="0" err="1" smtClean="0"/>
-              <a:t>Grandes</a:t>
-            </a:r>
-            <a:r>
-              <a:rPr lang="en-US" dirty="0" smtClean="0"/>
-              <a:t> </a:t>
-            </a:r>
-            <a:r>
-              <a:rPr lang="en-US" dirty="0" err="1" smtClean="0"/>
-              <a:t>avancées</a:t>
-            </a:r>
-            <a:r>
-              <a:rPr lang="en-US" dirty="0" smtClean="0"/>
-              <a:t> </a:t>
-            </a:r>
-            <a:r>
-              <a:rPr lang="en-US" dirty="0" err="1" smtClean="0"/>
-              <a:t>theoriques</a:t>
-            </a:r>
-            <a:endParaRPr lang="en-US" dirty="0"/>
+              <a:rPr lang="fr-FR" noProof="0" smtClean="0"/>
+              <a:t>Grandes avancées theoriques</a:t>
+            </a:r>
+            <a:endParaRPr lang="fr-FR" noProof="0"/>
           </a:p>
         </p:txBody>
       </p:sp>
@@ -10606,52 +11314,19 @@
           <a:lstStyle/>
           <a:p>
             <a:r>
-              <a:rPr lang="en-US" dirty="0" err="1"/>
-              <a:t>T</a:t>
-            </a:r>
-            <a:r>
-              <a:rPr lang="en-US" dirty="0" err="1" smtClean="0"/>
-              <a:t>héorie</a:t>
-            </a:r>
-            <a:r>
-              <a:rPr lang="en-US" dirty="0" smtClean="0"/>
-              <a:t> de la </a:t>
-            </a:r>
-            <a:r>
-              <a:rPr lang="en-US" dirty="0" err="1" smtClean="0"/>
-              <a:t>méchanique</a:t>
-            </a:r>
-            <a:r>
-              <a:rPr lang="en-US" dirty="0" smtClean="0"/>
-              <a:t> et gravitation </a:t>
-            </a:r>
-            <a:r>
-              <a:rPr lang="en-US" dirty="0" err="1" smtClean="0"/>
-              <a:t>universelle</a:t>
-            </a:r>
-            <a:r>
-              <a:rPr lang="en-US" dirty="0" smtClean="0"/>
-              <a:t> de </a:t>
-            </a:r>
-            <a:r>
-              <a:rPr lang="en-US" dirty="0" err="1" smtClean="0"/>
-              <a:t>Netwon</a:t>
-            </a:r>
-            <a:endParaRPr lang="en-US" dirty="0" smtClean="0"/>
-          </a:p>
-          <a:p>
-            <a:endParaRPr lang="en-US" dirty="0"/>
-          </a:p>
-          <a:p>
-            <a:r>
-              <a:rPr lang="en-US" dirty="0" smtClean="0"/>
-              <a:t>Equations de Maxwell pour </a:t>
-            </a:r>
-            <a:r>
-              <a:rPr lang="en-US" dirty="0" err="1" smtClean="0"/>
-              <a:t>l’electromagnetisme</a:t>
-            </a:r>
-            <a:endParaRPr lang="en-US" dirty="0"/>
+              <a:rPr lang="fr-FR" noProof="0" smtClean="0"/>
+              <a:t>Théorie de la méchanique et gravitation universelle de Netwon</a:t>
+            </a:r>
+          </a:p>
+          <a:p>
+            <a:endParaRPr lang="fr-FR" noProof="0" smtClean="0"/>
+          </a:p>
+          <a:p>
+            <a:r>
+              <a:rPr lang="fr-FR" noProof="0" smtClean="0"/>
+              <a:t>Equations de Maxwell pour l’electromagnetisme</a:t>
+            </a:r>
+            <a:endParaRPr lang="fr-FR" noProof="0"/>
           </a:p>
         </p:txBody>
       </p:sp>
@@ -10708,10 +11383,10 @@
           <a:lstStyle/>
           <a:p>
             <a:r>
-              <a:rPr lang="is-IS" dirty="0" smtClean="0"/>
+              <a:rPr lang="fr-FR" noProof="0" smtClean="0"/>
               <a:t>… mais ça n’explique pas tout</a:t>
             </a:r>
-            <a:endParaRPr lang="en-US" dirty="0"/>
+            <a:endParaRPr lang="fr-FR" noProof="0"/>
           </a:p>
         </p:txBody>
       </p:sp>
@@ -10733,56 +11408,30 @@
           <a:lstStyle/>
           <a:p>
             <a:r>
-              <a:rPr lang="en-US" dirty="0" err="1" smtClean="0"/>
-              <a:t>Précession</a:t>
-            </a:r>
-            <a:r>
-              <a:rPr lang="en-US" dirty="0" smtClean="0"/>
-              <a:t> du </a:t>
-            </a:r>
-            <a:r>
-              <a:rPr lang="en-US" dirty="0" err="1" smtClean="0"/>
-              <a:t>périhélie</a:t>
-            </a:r>
-            <a:r>
-              <a:rPr lang="en-US" dirty="0" smtClean="0"/>
-              <a:t> de </a:t>
-            </a:r>
-            <a:r>
-              <a:rPr lang="en-US" dirty="0" err="1" smtClean="0"/>
-              <a:t>Mercure</a:t>
-            </a:r>
-            <a:endParaRPr lang="en-US" dirty="0" smtClean="0"/>
-          </a:p>
-          <a:p>
-            <a:endParaRPr lang="en-US" dirty="0"/>
-          </a:p>
-          <a:p>
-            <a:r>
-              <a:rPr lang="en-US" dirty="0" err="1" smtClean="0"/>
-              <a:t>Problème</a:t>
-            </a:r>
-            <a:r>
-              <a:rPr lang="en-US" dirty="0" smtClean="0"/>
-              <a:t> de </a:t>
-            </a:r>
-            <a:r>
-              <a:rPr lang="en-US" dirty="0" err="1" smtClean="0"/>
-              <a:t>l’atome</a:t>
-            </a:r>
-            <a:endParaRPr lang="en-US" dirty="0" smtClean="0"/>
-          </a:p>
-          <a:p>
-            <a:endParaRPr lang="en-US" dirty="0"/>
-          </a:p>
-          <a:p>
-            <a:r>
-              <a:rPr lang="en-US" dirty="0" smtClean="0"/>
+              <a:rPr lang="fr-FR" noProof="0" smtClean="0"/>
+              <a:t>Précession du périhélie de Mercure</a:t>
+            </a:r>
+          </a:p>
+          <a:p>
+            <a:endParaRPr lang="fr-FR" noProof="0" smtClean="0"/>
+          </a:p>
+          <a:p>
+            <a:r>
+              <a:rPr lang="fr-FR" noProof="0" smtClean="0"/>
+              <a:t>Problème de l’atome</a:t>
+            </a:r>
+          </a:p>
+          <a:p>
+            <a:endParaRPr lang="fr-FR" noProof="0" smtClean="0"/>
+          </a:p>
+          <a:p>
+            <a:r>
+              <a:rPr lang="fr-FR" noProof="0" smtClean="0"/>
               <a:t>Nature de la lumière</a:t>
             </a:r>
           </a:p>
           <a:p>
-            <a:endParaRPr lang="en-US" dirty="0"/>
+            <a:endParaRPr lang="fr-FR" noProof="0"/>
           </a:p>
         </p:txBody>
       </p:sp>
@@ -10796,6 +11445,13 @@
   <p:clrMapOvr>
     <a:masterClrMapping/>
   </p:clrMapOvr>
+  <p:timing>
+    <p:tnLst>
+      <p:par>
+        <p:cTn xmlns:p14="http://schemas.microsoft.com/office/powerpoint/2010/main" id="1" dur="indefinite" restart="never" nodeType="tmRoot"/>
+      </p:par>
+    </p:tnLst>
+  </p:timing>
 </p:sld>
 </file>
 
@@ -10832,10 +11488,10 @@
           <a:lstStyle/>
           <a:p>
             <a:r>
-              <a:rPr lang="is-IS" dirty="0" smtClean="0"/>
+              <a:rPr lang="fr-FR" noProof="0" smtClean="0"/>
               <a:t>… invariance galiléenne</a:t>
             </a:r>
-            <a:endParaRPr lang="en-US" dirty="0"/>
+            <a:endParaRPr lang="fr-FR" noProof="0"/>
           </a:p>
         </p:txBody>
       </p:sp>
@@ -10855,71 +11511,19 @@
           <a:lstStyle/>
           <a:p>
             <a:r>
-              <a:rPr lang="en-US" dirty="0" err="1" smtClean="0"/>
-              <a:t>Respectée</a:t>
-            </a:r>
-            <a:r>
-              <a:rPr lang="en-US" dirty="0" smtClean="0"/>
-              <a:t> par les </a:t>
-            </a:r>
-            <a:r>
-              <a:rPr lang="en-US" dirty="0" err="1" smtClean="0"/>
-              <a:t>lois</a:t>
-            </a:r>
-            <a:r>
-              <a:rPr lang="en-US" dirty="0" smtClean="0"/>
-              <a:t> de Newton</a:t>
-            </a:r>
-          </a:p>
-          <a:p>
-            <a:endParaRPr lang="en-US" dirty="0" smtClean="0"/>
-          </a:p>
-          <a:p>
-            <a:r>
-              <a:rPr lang="en-US" dirty="0" err="1" smtClean="0"/>
-              <a:t>Mais</a:t>
-            </a:r>
-            <a:r>
-              <a:rPr lang="en-US" dirty="0" smtClean="0"/>
-              <a:t> pas par les </a:t>
-            </a:r>
-            <a:r>
-              <a:rPr lang="en-US" dirty="0" err="1" smtClean="0"/>
-              <a:t>équations</a:t>
-            </a:r>
-            <a:r>
-              <a:rPr lang="en-US" dirty="0" smtClean="0"/>
-              <a:t> de Maxwell, qui </a:t>
-            </a:r>
-            <a:r>
-              <a:rPr lang="en-US" dirty="0" err="1" smtClean="0"/>
-              <a:t>supposent</a:t>
-            </a:r>
-            <a:r>
-              <a:rPr lang="en-US" dirty="0" smtClean="0"/>
-              <a:t> </a:t>
-            </a:r>
-            <a:r>
-              <a:rPr lang="en-US" dirty="0" err="1" smtClean="0"/>
-              <a:t>une</a:t>
-            </a:r>
-            <a:r>
-              <a:rPr lang="en-US" dirty="0" smtClean="0"/>
-              <a:t> </a:t>
-            </a:r>
-            <a:r>
-              <a:rPr lang="en-US" dirty="0" err="1" smtClean="0"/>
-              <a:t>vitesse</a:t>
-            </a:r>
-            <a:r>
-              <a:rPr lang="en-US" dirty="0" smtClean="0"/>
-              <a:t> de la lumière </a:t>
-            </a:r>
-            <a:r>
-              <a:rPr lang="en-US" dirty="0" err="1" smtClean="0"/>
-              <a:t>constante</a:t>
-            </a:r>
-            <a:endParaRPr lang="en-US" dirty="0"/>
+              <a:rPr lang="fr-FR" noProof="0" smtClean="0"/>
+              <a:t>Respectée par les lois de Newton</a:t>
+            </a:r>
+          </a:p>
+          <a:p>
+            <a:endParaRPr lang="fr-FR" noProof="0" smtClean="0"/>
+          </a:p>
+          <a:p>
+            <a:r>
+              <a:rPr lang="fr-FR" noProof="0" smtClean="0"/>
+              <a:t>Mais pas par les équations de Maxwell, qui supposent une vitesse de la lumière constante</a:t>
+            </a:r>
+            <a:endParaRPr lang="fr-FR" noProof="0"/>
           </a:p>
         </p:txBody>
       </p:sp>
@@ -10933,6 +11537,13 @@
   <p:clrMapOvr>
     <a:masterClrMapping/>
   </p:clrMapOvr>
+  <p:timing>
+    <p:tnLst>
+      <p:par>
+        <p:cTn xmlns:p14="http://schemas.microsoft.com/office/powerpoint/2010/main" id="1" dur="indefinite" restart="never" nodeType="tmRoot"/>
+      </p:par>
+    </p:tnLst>
+  </p:timing>
 </p:sld>
 </file>
 
